--- a/doc/The Rod Cutting Problem.pptx
+++ b/doc/The Rod Cutting Problem.pptx
@@ -2,30 +2,42 @@
 <file path=ppt/presentation.xml><?xml version="1.0" encoding="utf-8"?>
 <p:presentation xmlns:a="http://schemas.openxmlformats.org/drawingml/2006/main" xmlns:r="http://schemas.openxmlformats.org/officeDocument/2006/relationships" xmlns:mc="http://schemas.openxmlformats.org/markup-compatibility/2006" xmlns:mv="urn:schemas-microsoft-com:mac:vml" xmlns:p="http://schemas.openxmlformats.org/presentationml/2006/main" xmlns:c="http://schemas.openxmlformats.org/drawingml/2006/chart" xmlns:dgm="http://schemas.openxmlformats.org/drawingml/2006/diagram" xmlns:o="urn:schemas-microsoft-com:office:office" xmlns:v="urn:schemas-microsoft-com:vml" xmlns:pvml="urn:schemas-microsoft-com:office:powerpoint" xmlns:com="http://schemas.openxmlformats.org/drawingml/2006/compatibility" xmlns:p14="http://schemas.microsoft.com/office/powerpoint/2010/main" xmlns:p15="http://schemas.microsoft.com/office/powerpoint/2012/main" xmlns:ahyp="http://schemas.microsoft.com/office/drawing/2018/hyperlinkcolor" autoCompressPictures="0" embedTrueTypeFonts="1" strictFirstAndLastChars="0" saveSubsetFonts="1">
   <p:sldMasterIdLst>
-    <p:sldMasterId id="2147483659" r:id="rId4"/>
+    <p:sldMasterId id="2147483659" r:id="rId5"/>
   </p:sldMasterIdLst>
   <p:notesMasterIdLst>
-    <p:notesMasterId r:id="rId5"/>
+    <p:notesMasterId r:id="rId6"/>
   </p:notesMasterIdLst>
   <p:sldIdLst>
-    <p:sldId id="256" r:id="rId6"/>
+    <p:sldId id="256" r:id="rId7"/>
+    <p:sldId id="257" r:id="rId8"/>
+    <p:sldId id="258" r:id="rId9"/>
+    <p:sldId id="259" r:id="rId10"/>
+    <p:sldId id="260" r:id="rId11"/>
+    <p:sldId id="261" r:id="rId12"/>
+    <p:sldId id="262" r:id="rId13"/>
+    <p:sldId id="263" r:id="rId14"/>
+    <p:sldId id="264" r:id="rId15"/>
+    <p:sldId id="265" r:id="rId16"/>
+    <p:sldId id="266" r:id="rId17"/>
+    <p:sldId id="267" r:id="rId18"/>
+    <p:sldId id="268" r:id="rId19"/>
   </p:sldIdLst>
   <p:sldSz cy="5143500" cx="9144000"/>
   <p:notesSz cx="6858000" cy="9144000"/>
   <p:embeddedFontLst>
     <p:embeddedFont>
       <p:font typeface="Roboto"/>
-      <p:regular r:id="rId7"/>
-      <p:bold r:id="rId8"/>
-      <p:italic r:id="rId9"/>
-      <p:boldItalic r:id="rId10"/>
+      <p:regular r:id="rId20"/>
+      <p:bold r:id="rId21"/>
+      <p:italic r:id="rId22"/>
+      <p:boldItalic r:id="rId23"/>
     </p:embeddedFont>
     <p:embeddedFont>
       <p:font typeface="Merriweather"/>
-      <p:regular r:id="rId11"/>
-      <p:bold r:id="rId12"/>
-      <p:italic r:id="rId13"/>
-      <p:boldItalic r:id="rId14"/>
+      <p:regular r:id="rId24"/>
+      <p:bold r:id="rId25"/>
+      <p:italic r:id="rId26"/>
+      <p:boldItalic r:id="rId27"/>
     </p:embeddedFont>
   </p:embeddedFontLst>
   <p:defaultTextStyle>
@@ -757,6 +769,1194 @@
       <p:sp>
         <p:nvSpPr>
           <p:cNvPr id="62" name="Google Shape;62;p:notes"/>
+          <p:cNvSpPr txBox="1"/>
+          <p:nvPr>
+            <p:ph idx="1" type="body"/>
+          </p:nvPr>
+        </p:nvSpPr>
+        <p:spPr>
+          <a:xfrm>
+            <a:off x="685800" y="4343400"/>
+            <a:ext cx="5486400" cy="4114800"/>
+          </a:xfrm>
+          <a:prstGeom prst="rect">
+            <a:avLst/>
+          </a:prstGeom>
+        </p:spPr>
+        <p:txBody>
+          <a:bodyPr anchorCtr="0" anchor="t" bIns="91425" lIns="91425" spcFirstLastPara="1" rIns="91425" wrap="square" tIns="91425">
+            <a:noAutofit/>
+          </a:bodyPr>
+          <a:lstStyle/>
+          <a:p>
+            <a:pPr indent="0" lvl="0" marL="0" rtl="0" algn="l">
+              <a:spcBef>
+                <a:spcPts val="0"/>
+              </a:spcBef>
+              <a:spcAft>
+                <a:spcPts val="0"/>
+              </a:spcAft>
+              <a:buNone/>
+            </a:pPr>
+            <a:r>
+              <a:t/>
+            </a:r>
+            <a:endParaRPr/>
+          </a:p>
+        </p:txBody>
+      </p:sp>
+    </p:spTree>
+  </p:cSld>
+  <p:clrMapOvr>
+    <a:masterClrMapping/>
+  </p:clrMapOvr>
+</p:notes>
+</file>
+
+<file path=ppt/notesSlides/notesSlide10.xml><?xml version="1.0" encoding="utf-8"?>
+<p:notes xmlns:a="http://schemas.openxmlformats.org/drawingml/2006/main" xmlns:r="http://schemas.openxmlformats.org/officeDocument/2006/relationships" xmlns:mc="http://schemas.openxmlformats.org/markup-compatibility/2006" xmlns:mv="urn:schemas-microsoft-com:mac:vml" xmlns:p="http://schemas.openxmlformats.org/presentationml/2006/main" xmlns:c="http://schemas.openxmlformats.org/drawingml/2006/chart" xmlns:dgm="http://schemas.openxmlformats.org/drawingml/2006/diagram" xmlns:o="urn:schemas-microsoft-com:office:office" xmlns:v="urn:schemas-microsoft-com:vml" xmlns:pvml="urn:schemas-microsoft-com:office:powerpoint" xmlns:com="http://schemas.openxmlformats.org/drawingml/2006/compatibility" xmlns:p14="http://schemas.microsoft.com/office/powerpoint/2010/main" xmlns:p15="http://schemas.microsoft.com/office/powerpoint/2012/main" xmlns:ahyp="http://schemas.microsoft.com/office/drawing/2018/hyperlinkcolor" showMasterPhAnim="0" showMasterSp="0">
+  <p:cSld>
+    <p:spTree>
+      <p:nvGrpSpPr>
+        <p:cNvPr id="118" name="Shape 118"/>
+        <p:cNvGrpSpPr/>
+        <p:nvPr/>
+      </p:nvGrpSpPr>
+      <p:grpSpPr>
+        <a:xfrm>
+          <a:off x="0" y="0"/>
+          <a:ext cx="0" cy="0"/>
+          <a:chOff x="0" y="0"/>
+          <a:chExt cx="0" cy="0"/>
+        </a:xfrm>
+      </p:grpSpPr>
+      <p:sp>
+        <p:nvSpPr>
+          <p:cNvPr id="119" name="Google Shape;119;g28f32461ef4_0_88:notes"/>
+          <p:cNvSpPr/>
+          <p:nvPr>
+            <p:ph idx="2" type="sldImg"/>
+          </p:nvPr>
+        </p:nvSpPr>
+        <p:spPr>
+          <a:xfrm>
+            <a:off x="381300" y="685800"/>
+            <a:ext cx="6096000" cy="3429000"/>
+          </a:xfrm>
+          <a:custGeom>
+            <a:rect b="b" l="l" r="r" t="t"/>
+            <a:pathLst>
+              <a:path extrusionOk="0" h="120000" w="120000">
+                <a:moveTo>
+                  <a:pt x="0" y="0"/>
+                </a:moveTo>
+                <a:lnTo>
+                  <a:pt x="120000" y="0"/>
+                </a:lnTo>
+                <a:lnTo>
+                  <a:pt x="120000" y="120000"/>
+                </a:lnTo>
+                <a:lnTo>
+                  <a:pt x="0" y="120000"/>
+                </a:lnTo>
+                <a:close/>
+              </a:path>
+            </a:pathLst>
+          </a:custGeom>
+        </p:spPr>
+      </p:sp>
+      <p:sp>
+        <p:nvSpPr>
+          <p:cNvPr id="120" name="Google Shape;120;g28f32461ef4_0_88:notes"/>
+          <p:cNvSpPr txBox="1"/>
+          <p:nvPr>
+            <p:ph idx="1" type="body"/>
+          </p:nvPr>
+        </p:nvSpPr>
+        <p:spPr>
+          <a:xfrm>
+            <a:off x="685800" y="4343400"/>
+            <a:ext cx="5486400" cy="4114800"/>
+          </a:xfrm>
+          <a:prstGeom prst="rect">
+            <a:avLst/>
+          </a:prstGeom>
+        </p:spPr>
+        <p:txBody>
+          <a:bodyPr anchorCtr="0" anchor="t" bIns="91425" lIns="91425" spcFirstLastPara="1" rIns="91425" wrap="square" tIns="91425">
+            <a:noAutofit/>
+          </a:bodyPr>
+          <a:lstStyle/>
+          <a:p>
+            <a:pPr indent="0" lvl="0" marL="0" rtl="0" algn="l">
+              <a:spcBef>
+                <a:spcPts val="0"/>
+              </a:spcBef>
+              <a:spcAft>
+                <a:spcPts val="0"/>
+              </a:spcAft>
+              <a:buNone/>
+            </a:pPr>
+            <a:r>
+              <a:t/>
+            </a:r>
+            <a:endParaRPr/>
+          </a:p>
+        </p:txBody>
+      </p:sp>
+    </p:spTree>
+  </p:cSld>
+  <p:clrMapOvr>
+    <a:masterClrMapping/>
+  </p:clrMapOvr>
+</p:notes>
+</file>
+
+<file path=ppt/notesSlides/notesSlide11.xml><?xml version="1.0" encoding="utf-8"?>
+<p:notes xmlns:a="http://schemas.openxmlformats.org/drawingml/2006/main" xmlns:r="http://schemas.openxmlformats.org/officeDocument/2006/relationships" xmlns:mc="http://schemas.openxmlformats.org/markup-compatibility/2006" xmlns:mv="urn:schemas-microsoft-com:mac:vml" xmlns:p="http://schemas.openxmlformats.org/presentationml/2006/main" xmlns:c="http://schemas.openxmlformats.org/drawingml/2006/chart" xmlns:dgm="http://schemas.openxmlformats.org/drawingml/2006/diagram" xmlns:o="urn:schemas-microsoft-com:office:office" xmlns:v="urn:schemas-microsoft-com:vml" xmlns:pvml="urn:schemas-microsoft-com:office:powerpoint" xmlns:com="http://schemas.openxmlformats.org/drawingml/2006/compatibility" xmlns:p14="http://schemas.microsoft.com/office/powerpoint/2010/main" xmlns:p15="http://schemas.microsoft.com/office/powerpoint/2012/main" xmlns:ahyp="http://schemas.microsoft.com/office/drawing/2018/hyperlinkcolor" showMasterPhAnim="0" showMasterSp="0">
+  <p:cSld>
+    <p:spTree>
+      <p:nvGrpSpPr>
+        <p:cNvPr id="125" name="Shape 125"/>
+        <p:cNvGrpSpPr/>
+        <p:nvPr/>
+      </p:nvGrpSpPr>
+      <p:grpSpPr>
+        <a:xfrm>
+          <a:off x="0" y="0"/>
+          <a:ext cx="0" cy="0"/>
+          <a:chOff x="0" y="0"/>
+          <a:chExt cx="0" cy="0"/>
+        </a:xfrm>
+      </p:grpSpPr>
+      <p:sp>
+        <p:nvSpPr>
+          <p:cNvPr id="126" name="Google Shape;126;g28f32461ef4_0_10:notes"/>
+          <p:cNvSpPr/>
+          <p:nvPr>
+            <p:ph idx="2" type="sldImg"/>
+          </p:nvPr>
+        </p:nvSpPr>
+        <p:spPr>
+          <a:xfrm>
+            <a:off x="381300" y="685800"/>
+            <a:ext cx="6096000" cy="3429000"/>
+          </a:xfrm>
+          <a:custGeom>
+            <a:rect b="b" l="l" r="r" t="t"/>
+            <a:pathLst>
+              <a:path extrusionOk="0" h="120000" w="120000">
+                <a:moveTo>
+                  <a:pt x="0" y="0"/>
+                </a:moveTo>
+                <a:lnTo>
+                  <a:pt x="120000" y="0"/>
+                </a:lnTo>
+                <a:lnTo>
+                  <a:pt x="120000" y="120000"/>
+                </a:lnTo>
+                <a:lnTo>
+                  <a:pt x="0" y="120000"/>
+                </a:lnTo>
+                <a:close/>
+              </a:path>
+            </a:pathLst>
+          </a:custGeom>
+        </p:spPr>
+      </p:sp>
+      <p:sp>
+        <p:nvSpPr>
+          <p:cNvPr id="127" name="Google Shape;127;g28f32461ef4_0_10:notes"/>
+          <p:cNvSpPr txBox="1"/>
+          <p:nvPr>
+            <p:ph idx="1" type="body"/>
+          </p:nvPr>
+        </p:nvSpPr>
+        <p:spPr>
+          <a:xfrm>
+            <a:off x="685800" y="4343400"/>
+            <a:ext cx="5486400" cy="4114800"/>
+          </a:xfrm>
+          <a:prstGeom prst="rect">
+            <a:avLst/>
+          </a:prstGeom>
+        </p:spPr>
+        <p:txBody>
+          <a:bodyPr anchorCtr="0" anchor="t" bIns="91425" lIns="91425" spcFirstLastPara="1" rIns="91425" wrap="square" tIns="91425">
+            <a:noAutofit/>
+          </a:bodyPr>
+          <a:lstStyle/>
+          <a:p>
+            <a:pPr indent="0" lvl="0" marL="0" rtl="0" algn="l">
+              <a:spcBef>
+                <a:spcPts val="0"/>
+              </a:spcBef>
+              <a:spcAft>
+                <a:spcPts val="0"/>
+              </a:spcAft>
+              <a:buNone/>
+            </a:pPr>
+            <a:r>
+              <a:t/>
+            </a:r>
+            <a:endParaRPr/>
+          </a:p>
+        </p:txBody>
+      </p:sp>
+    </p:spTree>
+  </p:cSld>
+  <p:clrMapOvr>
+    <a:masterClrMapping/>
+  </p:clrMapOvr>
+</p:notes>
+</file>
+
+<file path=ppt/notesSlides/notesSlide12.xml><?xml version="1.0" encoding="utf-8"?>
+<p:notes xmlns:a="http://schemas.openxmlformats.org/drawingml/2006/main" xmlns:r="http://schemas.openxmlformats.org/officeDocument/2006/relationships" xmlns:mc="http://schemas.openxmlformats.org/markup-compatibility/2006" xmlns:mv="urn:schemas-microsoft-com:mac:vml" xmlns:p="http://schemas.openxmlformats.org/presentationml/2006/main" xmlns:c="http://schemas.openxmlformats.org/drawingml/2006/chart" xmlns:dgm="http://schemas.openxmlformats.org/drawingml/2006/diagram" xmlns:o="urn:schemas-microsoft-com:office:office" xmlns:v="urn:schemas-microsoft-com:vml" xmlns:pvml="urn:schemas-microsoft-com:office:powerpoint" xmlns:com="http://schemas.openxmlformats.org/drawingml/2006/compatibility" xmlns:p14="http://schemas.microsoft.com/office/powerpoint/2010/main" xmlns:p15="http://schemas.microsoft.com/office/powerpoint/2012/main" xmlns:ahyp="http://schemas.microsoft.com/office/drawing/2018/hyperlinkcolor" showMasterPhAnim="0" showMasterSp="0">
+  <p:cSld>
+    <p:spTree>
+      <p:nvGrpSpPr>
+        <p:cNvPr id="132" name="Shape 132"/>
+        <p:cNvGrpSpPr/>
+        <p:nvPr/>
+      </p:nvGrpSpPr>
+      <p:grpSpPr>
+        <a:xfrm>
+          <a:off x="0" y="0"/>
+          <a:ext cx="0" cy="0"/>
+          <a:chOff x="0" y="0"/>
+          <a:chExt cx="0" cy="0"/>
+        </a:xfrm>
+      </p:grpSpPr>
+      <p:sp>
+        <p:nvSpPr>
+          <p:cNvPr id="133" name="Google Shape;133;g28f32461ef4_0_59:notes"/>
+          <p:cNvSpPr/>
+          <p:nvPr>
+            <p:ph idx="2" type="sldImg"/>
+          </p:nvPr>
+        </p:nvSpPr>
+        <p:spPr>
+          <a:xfrm>
+            <a:off x="381300" y="685800"/>
+            <a:ext cx="6096000" cy="3429000"/>
+          </a:xfrm>
+          <a:custGeom>
+            <a:rect b="b" l="l" r="r" t="t"/>
+            <a:pathLst>
+              <a:path extrusionOk="0" h="120000" w="120000">
+                <a:moveTo>
+                  <a:pt x="0" y="0"/>
+                </a:moveTo>
+                <a:lnTo>
+                  <a:pt x="120000" y="0"/>
+                </a:lnTo>
+                <a:lnTo>
+                  <a:pt x="120000" y="120000"/>
+                </a:lnTo>
+                <a:lnTo>
+                  <a:pt x="0" y="120000"/>
+                </a:lnTo>
+                <a:close/>
+              </a:path>
+            </a:pathLst>
+          </a:custGeom>
+        </p:spPr>
+      </p:sp>
+      <p:sp>
+        <p:nvSpPr>
+          <p:cNvPr id="134" name="Google Shape;134;g28f32461ef4_0_59:notes"/>
+          <p:cNvSpPr txBox="1"/>
+          <p:nvPr>
+            <p:ph idx="1" type="body"/>
+          </p:nvPr>
+        </p:nvSpPr>
+        <p:spPr>
+          <a:xfrm>
+            <a:off x="685800" y="4343400"/>
+            <a:ext cx="5486400" cy="4114800"/>
+          </a:xfrm>
+          <a:prstGeom prst="rect">
+            <a:avLst/>
+          </a:prstGeom>
+        </p:spPr>
+        <p:txBody>
+          <a:bodyPr anchorCtr="0" anchor="t" bIns="91425" lIns="91425" spcFirstLastPara="1" rIns="91425" wrap="square" tIns="91425">
+            <a:noAutofit/>
+          </a:bodyPr>
+          <a:lstStyle/>
+          <a:p>
+            <a:pPr indent="0" lvl="0" marL="0" rtl="0" algn="l">
+              <a:spcBef>
+                <a:spcPts val="0"/>
+              </a:spcBef>
+              <a:spcAft>
+                <a:spcPts val="0"/>
+              </a:spcAft>
+              <a:buNone/>
+            </a:pPr>
+            <a:r>
+              <a:t/>
+            </a:r>
+            <a:endParaRPr/>
+          </a:p>
+        </p:txBody>
+      </p:sp>
+    </p:spTree>
+  </p:cSld>
+  <p:clrMapOvr>
+    <a:masterClrMapping/>
+  </p:clrMapOvr>
+</p:notes>
+</file>
+
+<file path=ppt/notesSlides/notesSlide13.xml><?xml version="1.0" encoding="utf-8"?>
+<p:notes xmlns:a="http://schemas.openxmlformats.org/drawingml/2006/main" xmlns:r="http://schemas.openxmlformats.org/officeDocument/2006/relationships" xmlns:mc="http://schemas.openxmlformats.org/markup-compatibility/2006" xmlns:mv="urn:schemas-microsoft-com:mac:vml" xmlns:p="http://schemas.openxmlformats.org/presentationml/2006/main" xmlns:c="http://schemas.openxmlformats.org/drawingml/2006/chart" xmlns:dgm="http://schemas.openxmlformats.org/drawingml/2006/diagram" xmlns:o="urn:schemas-microsoft-com:office:office" xmlns:v="urn:schemas-microsoft-com:vml" xmlns:pvml="urn:schemas-microsoft-com:office:powerpoint" xmlns:com="http://schemas.openxmlformats.org/drawingml/2006/compatibility" xmlns:p14="http://schemas.microsoft.com/office/powerpoint/2010/main" xmlns:p15="http://schemas.microsoft.com/office/powerpoint/2012/main" xmlns:ahyp="http://schemas.microsoft.com/office/drawing/2018/hyperlinkcolor" showMasterPhAnim="0" showMasterSp="0">
+  <p:cSld>
+    <p:spTree>
+      <p:nvGrpSpPr>
+        <p:cNvPr id="139" name="Shape 139"/>
+        <p:cNvGrpSpPr/>
+        <p:nvPr/>
+      </p:nvGrpSpPr>
+      <p:grpSpPr>
+        <a:xfrm>
+          <a:off x="0" y="0"/>
+          <a:ext cx="0" cy="0"/>
+          <a:chOff x="0" y="0"/>
+          <a:chExt cx="0" cy="0"/>
+        </a:xfrm>
+      </p:grpSpPr>
+      <p:sp>
+        <p:nvSpPr>
+          <p:cNvPr id="140" name="Google Shape;140;g28f32461ef4_0_94:notes"/>
+          <p:cNvSpPr/>
+          <p:nvPr>
+            <p:ph idx="2" type="sldImg"/>
+          </p:nvPr>
+        </p:nvSpPr>
+        <p:spPr>
+          <a:xfrm>
+            <a:off x="381300" y="685800"/>
+            <a:ext cx="6096000" cy="3429000"/>
+          </a:xfrm>
+          <a:custGeom>
+            <a:rect b="b" l="l" r="r" t="t"/>
+            <a:pathLst>
+              <a:path extrusionOk="0" h="120000" w="120000">
+                <a:moveTo>
+                  <a:pt x="0" y="0"/>
+                </a:moveTo>
+                <a:lnTo>
+                  <a:pt x="120000" y="0"/>
+                </a:lnTo>
+                <a:lnTo>
+                  <a:pt x="120000" y="120000"/>
+                </a:lnTo>
+                <a:lnTo>
+                  <a:pt x="0" y="120000"/>
+                </a:lnTo>
+                <a:close/>
+              </a:path>
+            </a:pathLst>
+          </a:custGeom>
+        </p:spPr>
+      </p:sp>
+      <p:sp>
+        <p:nvSpPr>
+          <p:cNvPr id="141" name="Google Shape;141;g28f32461ef4_0_94:notes"/>
+          <p:cNvSpPr txBox="1"/>
+          <p:nvPr>
+            <p:ph idx="1" type="body"/>
+          </p:nvPr>
+        </p:nvSpPr>
+        <p:spPr>
+          <a:xfrm>
+            <a:off x="685800" y="4343400"/>
+            <a:ext cx="5486400" cy="4114800"/>
+          </a:xfrm>
+          <a:prstGeom prst="rect">
+            <a:avLst/>
+          </a:prstGeom>
+        </p:spPr>
+        <p:txBody>
+          <a:bodyPr anchorCtr="0" anchor="t" bIns="91425" lIns="91425" spcFirstLastPara="1" rIns="91425" wrap="square" tIns="91425">
+            <a:noAutofit/>
+          </a:bodyPr>
+          <a:lstStyle/>
+          <a:p>
+            <a:pPr indent="0" lvl="0" marL="0" rtl="0" algn="l">
+              <a:spcBef>
+                <a:spcPts val="0"/>
+              </a:spcBef>
+              <a:spcAft>
+                <a:spcPts val="0"/>
+              </a:spcAft>
+              <a:buNone/>
+            </a:pPr>
+            <a:r>
+              <a:t/>
+            </a:r>
+            <a:endParaRPr/>
+          </a:p>
+        </p:txBody>
+      </p:sp>
+    </p:spTree>
+  </p:cSld>
+  <p:clrMapOvr>
+    <a:masterClrMapping/>
+  </p:clrMapOvr>
+</p:notes>
+</file>
+
+<file path=ppt/notesSlides/notesSlide2.xml><?xml version="1.0" encoding="utf-8"?>
+<p:notes xmlns:a="http://schemas.openxmlformats.org/drawingml/2006/main" xmlns:r="http://schemas.openxmlformats.org/officeDocument/2006/relationships" xmlns:mc="http://schemas.openxmlformats.org/markup-compatibility/2006" xmlns:mv="urn:schemas-microsoft-com:mac:vml" xmlns:p="http://schemas.openxmlformats.org/presentationml/2006/main" xmlns:c="http://schemas.openxmlformats.org/drawingml/2006/chart" xmlns:dgm="http://schemas.openxmlformats.org/drawingml/2006/diagram" xmlns:o="urn:schemas-microsoft-com:office:office" xmlns:v="urn:schemas-microsoft-com:vml" xmlns:pvml="urn:schemas-microsoft-com:office:powerpoint" xmlns:com="http://schemas.openxmlformats.org/drawingml/2006/compatibility" xmlns:p14="http://schemas.microsoft.com/office/powerpoint/2010/main" xmlns:p15="http://schemas.microsoft.com/office/powerpoint/2012/main" xmlns:ahyp="http://schemas.microsoft.com/office/drawing/2018/hyperlinkcolor" showMasterPhAnim="0" showMasterSp="0">
+  <p:cSld>
+    <p:spTree>
+      <p:nvGrpSpPr>
+        <p:cNvPr id="66" name="Shape 66"/>
+        <p:cNvGrpSpPr/>
+        <p:nvPr/>
+      </p:nvGrpSpPr>
+      <p:grpSpPr>
+        <a:xfrm>
+          <a:off x="0" y="0"/>
+          <a:ext cx="0" cy="0"/>
+          <a:chOff x="0" y="0"/>
+          <a:chExt cx="0" cy="0"/>
+        </a:xfrm>
+      </p:grpSpPr>
+      <p:sp>
+        <p:nvSpPr>
+          <p:cNvPr id="67" name="Google Shape;67;g28f32461ef4_0_14:notes"/>
+          <p:cNvSpPr/>
+          <p:nvPr>
+            <p:ph idx="2" type="sldImg"/>
+          </p:nvPr>
+        </p:nvSpPr>
+        <p:spPr>
+          <a:xfrm>
+            <a:off x="381300" y="685800"/>
+            <a:ext cx="6096000" cy="3429000"/>
+          </a:xfrm>
+          <a:custGeom>
+            <a:rect b="b" l="l" r="r" t="t"/>
+            <a:pathLst>
+              <a:path extrusionOk="0" h="120000" w="120000">
+                <a:moveTo>
+                  <a:pt x="0" y="0"/>
+                </a:moveTo>
+                <a:lnTo>
+                  <a:pt x="120000" y="0"/>
+                </a:lnTo>
+                <a:lnTo>
+                  <a:pt x="120000" y="120000"/>
+                </a:lnTo>
+                <a:lnTo>
+                  <a:pt x="0" y="120000"/>
+                </a:lnTo>
+                <a:close/>
+              </a:path>
+            </a:pathLst>
+          </a:custGeom>
+        </p:spPr>
+      </p:sp>
+      <p:sp>
+        <p:nvSpPr>
+          <p:cNvPr id="68" name="Google Shape;68;g28f32461ef4_0_14:notes"/>
+          <p:cNvSpPr txBox="1"/>
+          <p:nvPr>
+            <p:ph idx="1" type="body"/>
+          </p:nvPr>
+        </p:nvSpPr>
+        <p:spPr>
+          <a:xfrm>
+            <a:off x="685800" y="4343400"/>
+            <a:ext cx="5486400" cy="4114800"/>
+          </a:xfrm>
+          <a:prstGeom prst="rect">
+            <a:avLst/>
+          </a:prstGeom>
+        </p:spPr>
+        <p:txBody>
+          <a:bodyPr anchorCtr="0" anchor="t" bIns="91425" lIns="91425" spcFirstLastPara="1" rIns="91425" wrap="square" tIns="91425">
+            <a:noAutofit/>
+          </a:bodyPr>
+          <a:lstStyle/>
+          <a:p>
+            <a:pPr indent="0" lvl="0" marL="0" rtl="0" algn="l">
+              <a:spcBef>
+                <a:spcPts val="0"/>
+              </a:spcBef>
+              <a:spcAft>
+                <a:spcPts val="0"/>
+              </a:spcAft>
+              <a:buNone/>
+            </a:pPr>
+            <a:r>
+              <a:t/>
+            </a:r>
+            <a:endParaRPr/>
+          </a:p>
+        </p:txBody>
+      </p:sp>
+    </p:spTree>
+  </p:cSld>
+  <p:clrMapOvr>
+    <a:masterClrMapping/>
+  </p:clrMapOvr>
+</p:notes>
+</file>
+
+<file path=ppt/notesSlides/notesSlide3.xml><?xml version="1.0" encoding="utf-8"?>
+<p:notes xmlns:a="http://schemas.openxmlformats.org/drawingml/2006/main" xmlns:r="http://schemas.openxmlformats.org/officeDocument/2006/relationships" xmlns:mc="http://schemas.openxmlformats.org/markup-compatibility/2006" xmlns:mv="urn:schemas-microsoft-com:mac:vml" xmlns:p="http://schemas.openxmlformats.org/presentationml/2006/main" xmlns:c="http://schemas.openxmlformats.org/drawingml/2006/chart" xmlns:dgm="http://schemas.openxmlformats.org/drawingml/2006/diagram" xmlns:o="urn:schemas-microsoft-com:office:office" xmlns:v="urn:schemas-microsoft-com:vml" xmlns:pvml="urn:schemas-microsoft-com:office:powerpoint" xmlns:com="http://schemas.openxmlformats.org/drawingml/2006/compatibility" xmlns:p14="http://schemas.microsoft.com/office/powerpoint/2010/main" xmlns:p15="http://schemas.microsoft.com/office/powerpoint/2012/main" xmlns:ahyp="http://schemas.microsoft.com/office/drawing/2018/hyperlinkcolor" showMasterPhAnim="0" showMasterSp="0">
+  <p:cSld>
+    <p:spTree>
+      <p:nvGrpSpPr>
+        <p:cNvPr id="72" name="Shape 72"/>
+        <p:cNvGrpSpPr/>
+        <p:nvPr/>
+      </p:nvGrpSpPr>
+      <p:grpSpPr>
+        <a:xfrm>
+          <a:off x="0" y="0"/>
+          <a:ext cx="0" cy="0"/>
+          <a:chOff x="0" y="0"/>
+          <a:chExt cx="0" cy="0"/>
+        </a:xfrm>
+      </p:grpSpPr>
+      <p:sp>
+        <p:nvSpPr>
+          <p:cNvPr id="73" name="Google Shape;73;g26d8a977518_0_5:notes"/>
+          <p:cNvSpPr/>
+          <p:nvPr>
+            <p:ph idx="2" type="sldImg"/>
+          </p:nvPr>
+        </p:nvSpPr>
+        <p:spPr>
+          <a:xfrm>
+            <a:off x="381300" y="685800"/>
+            <a:ext cx="6096000" cy="3429000"/>
+          </a:xfrm>
+          <a:custGeom>
+            <a:rect b="b" l="l" r="r" t="t"/>
+            <a:pathLst>
+              <a:path extrusionOk="0" h="120000" w="120000">
+                <a:moveTo>
+                  <a:pt x="0" y="0"/>
+                </a:moveTo>
+                <a:lnTo>
+                  <a:pt x="120000" y="0"/>
+                </a:lnTo>
+                <a:lnTo>
+                  <a:pt x="120000" y="120000"/>
+                </a:lnTo>
+                <a:lnTo>
+                  <a:pt x="0" y="120000"/>
+                </a:lnTo>
+                <a:close/>
+              </a:path>
+            </a:pathLst>
+          </a:custGeom>
+        </p:spPr>
+      </p:sp>
+      <p:sp>
+        <p:nvSpPr>
+          <p:cNvPr id="74" name="Google Shape;74;g26d8a977518_0_5:notes"/>
+          <p:cNvSpPr txBox="1"/>
+          <p:nvPr>
+            <p:ph idx="1" type="body"/>
+          </p:nvPr>
+        </p:nvSpPr>
+        <p:spPr>
+          <a:xfrm>
+            <a:off x="685800" y="4343400"/>
+            <a:ext cx="5486400" cy="4114800"/>
+          </a:xfrm>
+          <a:prstGeom prst="rect">
+            <a:avLst/>
+          </a:prstGeom>
+        </p:spPr>
+        <p:txBody>
+          <a:bodyPr anchorCtr="0" anchor="t" bIns="91425" lIns="91425" spcFirstLastPara="1" rIns="91425" wrap="square" tIns="91425">
+            <a:noAutofit/>
+          </a:bodyPr>
+          <a:lstStyle/>
+          <a:p>
+            <a:pPr indent="0" lvl="0" marL="0" rtl="0" algn="l">
+              <a:spcBef>
+                <a:spcPts val="0"/>
+              </a:spcBef>
+              <a:spcAft>
+                <a:spcPts val="0"/>
+              </a:spcAft>
+              <a:buNone/>
+            </a:pPr>
+            <a:r>
+              <a:t/>
+            </a:r>
+            <a:endParaRPr/>
+          </a:p>
+        </p:txBody>
+      </p:sp>
+    </p:spTree>
+  </p:cSld>
+  <p:clrMapOvr>
+    <a:masterClrMapping/>
+  </p:clrMapOvr>
+</p:notes>
+</file>
+
+<file path=ppt/notesSlides/notesSlide4.xml><?xml version="1.0" encoding="utf-8"?>
+<p:notes xmlns:a="http://schemas.openxmlformats.org/drawingml/2006/main" xmlns:r="http://schemas.openxmlformats.org/officeDocument/2006/relationships" xmlns:mc="http://schemas.openxmlformats.org/markup-compatibility/2006" xmlns:mv="urn:schemas-microsoft-com:mac:vml" xmlns:p="http://schemas.openxmlformats.org/presentationml/2006/main" xmlns:c="http://schemas.openxmlformats.org/drawingml/2006/chart" xmlns:dgm="http://schemas.openxmlformats.org/drawingml/2006/diagram" xmlns:o="urn:schemas-microsoft-com:office:office" xmlns:v="urn:schemas-microsoft-com:vml" xmlns:pvml="urn:schemas-microsoft-com:office:powerpoint" xmlns:com="http://schemas.openxmlformats.org/drawingml/2006/compatibility" xmlns:p14="http://schemas.microsoft.com/office/powerpoint/2010/main" xmlns:p15="http://schemas.microsoft.com/office/powerpoint/2012/main" xmlns:ahyp="http://schemas.microsoft.com/office/drawing/2018/hyperlinkcolor" showMasterPhAnim="0" showMasterSp="0">
+  <p:cSld>
+    <p:spTree>
+      <p:nvGrpSpPr>
+        <p:cNvPr id="80" name="Shape 80"/>
+        <p:cNvGrpSpPr/>
+        <p:nvPr/>
+      </p:nvGrpSpPr>
+      <p:grpSpPr>
+        <a:xfrm>
+          <a:off x="0" y="0"/>
+          <a:ext cx="0" cy="0"/>
+          <a:chOff x="0" y="0"/>
+          <a:chExt cx="0" cy="0"/>
+        </a:xfrm>
+      </p:grpSpPr>
+      <p:sp>
+        <p:nvSpPr>
+          <p:cNvPr id="81" name="Google Shape;81;g26d8a977518_0_0:notes"/>
+          <p:cNvSpPr/>
+          <p:nvPr>
+            <p:ph idx="2" type="sldImg"/>
+          </p:nvPr>
+        </p:nvSpPr>
+        <p:spPr>
+          <a:xfrm>
+            <a:off x="381300" y="685800"/>
+            <a:ext cx="6096000" cy="3429000"/>
+          </a:xfrm>
+          <a:custGeom>
+            <a:rect b="b" l="l" r="r" t="t"/>
+            <a:pathLst>
+              <a:path extrusionOk="0" h="120000" w="120000">
+                <a:moveTo>
+                  <a:pt x="0" y="0"/>
+                </a:moveTo>
+                <a:lnTo>
+                  <a:pt x="120000" y="0"/>
+                </a:lnTo>
+                <a:lnTo>
+                  <a:pt x="120000" y="120000"/>
+                </a:lnTo>
+                <a:lnTo>
+                  <a:pt x="0" y="120000"/>
+                </a:lnTo>
+                <a:close/>
+              </a:path>
+            </a:pathLst>
+          </a:custGeom>
+        </p:spPr>
+      </p:sp>
+      <p:sp>
+        <p:nvSpPr>
+          <p:cNvPr id="82" name="Google Shape;82;g26d8a977518_0_0:notes"/>
+          <p:cNvSpPr txBox="1"/>
+          <p:nvPr>
+            <p:ph idx="1" type="body"/>
+          </p:nvPr>
+        </p:nvSpPr>
+        <p:spPr>
+          <a:xfrm>
+            <a:off x="685800" y="4343400"/>
+            <a:ext cx="5486400" cy="4114800"/>
+          </a:xfrm>
+          <a:prstGeom prst="rect">
+            <a:avLst/>
+          </a:prstGeom>
+        </p:spPr>
+        <p:txBody>
+          <a:bodyPr anchorCtr="0" anchor="t" bIns="91425" lIns="91425" spcFirstLastPara="1" rIns="91425" wrap="square" tIns="91425">
+            <a:noAutofit/>
+          </a:bodyPr>
+          <a:lstStyle/>
+          <a:p>
+            <a:pPr indent="0" lvl="0" marL="0" rtl="0" algn="l">
+              <a:spcBef>
+                <a:spcPts val="0"/>
+              </a:spcBef>
+              <a:spcAft>
+                <a:spcPts val="0"/>
+              </a:spcAft>
+              <a:buNone/>
+            </a:pPr>
+            <a:r>
+              <a:t/>
+            </a:r>
+            <a:endParaRPr/>
+          </a:p>
+        </p:txBody>
+      </p:sp>
+    </p:spTree>
+  </p:cSld>
+  <p:clrMapOvr>
+    <a:masterClrMapping/>
+  </p:clrMapOvr>
+</p:notes>
+</file>
+
+<file path=ppt/notesSlides/notesSlide5.xml><?xml version="1.0" encoding="utf-8"?>
+<p:notes xmlns:a="http://schemas.openxmlformats.org/drawingml/2006/main" xmlns:r="http://schemas.openxmlformats.org/officeDocument/2006/relationships" xmlns:mc="http://schemas.openxmlformats.org/markup-compatibility/2006" xmlns:mv="urn:schemas-microsoft-com:mac:vml" xmlns:p="http://schemas.openxmlformats.org/presentationml/2006/main" xmlns:c="http://schemas.openxmlformats.org/drawingml/2006/chart" xmlns:dgm="http://schemas.openxmlformats.org/drawingml/2006/diagram" xmlns:o="urn:schemas-microsoft-com:office:office" xmlns:v="urn:schemas-microsoft-com:vml" xmlns:pvml="urn:schemas-microsoft-com:office:powerpoint" xmlns:com="http://schemas.openxmlformats.org/drawingml/2006/compatibility" xmlns:p14="http://schemas.microsoft.com/office/powerpoint/2010/main" xmlns:p15="http://schemas.microsoft.com/office/powerpoint/2012/main" xmlns:ahyp="http://schemas.microsoft.com/office/drawing/2018/hyperlinkcolor" showMasterPhAnim="0" showMasterSp="0">
+  <p:cSld>
+    <p:spTree>
+      <p:nvGrpSpPr>
+        <p:cNvPr id="86" name="Shape 86"/>
+        <p:cNvGrpSpPr/>
+        <p:nvPr/>
+      </p:nvGrpSpPr>
+      <p:grpSpPr>
+        <a:xfrm>
+          <a:off x="0" y="0"/>
+          <a:ext cx="0" cy="0"/>
+          <a:chOff x="0" y="0"/>
+          <a:chExt cx="0" cy="0"/>
+        </a:xfrm>
+      </p:grpSpPr>
+      <p:sp>
+        <p:nvSpPr>
+          <p:cNvPr id="87" name="Google Shape;87;g28f32461ef4_0_47:notes"/>
+          <p:cNvSpPr/>
+          <p:nvPr>
+            <p:ph idx="2" type="sldImg"/>
+          </p:nvPr>
+        </p:nvSpPr>
+        <p:spPr>
+          <a:xfrm>
+            <a:off x="381300" y="685800"/>
+            <a:ext cx="6096000" cy="3429000"/>
+          </a:xfrm>
+          <a:custGeom>
+            <a:rect b="b" l="l" r="r" t="t"/>
+            <a:pathLst>
+              <a:path extrusionOk="0" h="120000" w="120000">
+                <a:moveTo>
+                  <a:pt x="0" y="0"/>
+                </a:moveTo>
+                <a:lnTo>
+                  <a:pt x="120000" y="0"/>
+                </a:lnTo>
+                <a:lnTo>
+                  <a:pt x="120000" y="120000"/>
+                </a:lnTo>
+                <a:lnTo>
+                  <a:pt x="0" y="120000"/>
+                </a:lnTo>
+                <a:close/>
+              </a:path>
+            </a:pathLst>
+          </a:custGeom>
+        </p:spPr>
+      </p:sp>
+      <p:sp>
+        <p:nvSpPr>
+          <p:cNvPr id="88" name="Google Shape;88;g28f32461ef4_0_47:notes"/>
+          <p:cNvSpPr txBox="1"/>
+          <p:nvPr>
+            <p:ph idx="1" type="body"/>
+          </p:nvPr>
+        </p:nvSpPr>
+        <p:spPr>
+          <a:xfrm>
+            <a:off x="685800" y="4343400"/>
+            <a:ext cx="5486400" cy="4114800"/>
+          </a:xfrm>
+          <a:prstGeom prst="rect">
+            <a:avLst/>
+          </a:prstGeom>
+        </p:spPr>
+        <p:txBody>
+          <a:bodyPr anchorCtr="0" anchor="t" bIns="91425" lIns="91425" spcFirstLastPara="1" rIns="91425" wrap="square" tIns="91425">
+            <a:noAutofit/>
+          </a:bodyPr>
+          <a:lstStyle/>
+          <a:p>
+            <a:pPr indent="0" lvl="0" marL="0" rtl="0" algn="l">
+              <a:spcBef>
+                <a:spcPts val="0"/>
+              </a:spcBef>
+              <a:spcAft>
+                <a:spcPts val="0"/>
+              </a:spcAft>
+              <a:buNone/>
+            </a:pPr>
+            <a:r>
+              <a:t/>
+            </a:r>
+            <a:endParaRPr/>
+          </a:p>
+        </p:txBody>
+      </p:sp>
+    </p:spTree>
+  </p:cSld>
+  <p:clrMapOvr>
+    <a:masterClrMapping/>
+  </p:clrMapOvr>
+</p:notes>
+</file>
+
+<file path=ppt/notesSlides/notesSlide6.xml><?xml version="1.0" encoding="utf-8"?>
+<p:notes xmlns:a="http://schemas.openxmlformats.org/drawingml/2006/main" xmlns:r="http://schemas.openxmlformats.org/officeDocument/2006/relationships" xmlns:mc="http://schemas.openxmlformats.org/markup-compatibility/2006" xmlns:mv="urn:schemas-microsoft-com:mac:vml" xmlns:p="http://schemas.openxmlformats.org/presentationml/2006/main" xmlns:c="http://schemas.openxmlformats.org/drawingml/2006/chart" xmlns:dgm="http://schemas.openxmlformats.org/drawingml/2006/diagram" xmlns:o="urn:schemas-microsoft-com:office:office" xmlns:v="urn:schemas-microsoft-com:vml" xmlns:pvml="urn:schemas-microsoft-com:office:powerpoint" xmlns:com="http://schemas.openxmlformats.org/drawingml/2006/compatibility" xmlns:p14="http://schemas.microsoft.com/office/powerpoint/2010/main" xmlns:p15="http://schemas.microsoft.com/office/powerpoint/2012/main" xmlns:ahyp="http://schemas.microsoft.com/office/drawing/2018/hyperlinkcolor" showMasterPhAnim="0" showMasterSp="0">
+  <p:cSld>
+    <p:spTree>
+      <p:nvGrpSpPr>
+        <p:cNvPr id="92" name="Shape 92"/>
+        <p:cNvGrpSpPr/>
+        <p:nvPr/>
+      </p:nvGrpSpPr>
+      <p:grpSpPr>
+        <a:xfrm>
+          <a:off x="0" y="0"/>
+          <a:ext cx="0" cy="0"/>
+          <a:chOff x="0" y="0"/>
+          <a:chExt cx="0" cy="0"/>
+        </a:xfrm>
+      </p:grpSpPr>
+      <p:sp>
+        <p:nvSpPr>
+          <p:cNvPr id="93" name="Google Shape;93;g28f32461ef4_0_4:notes"/>
+          <p:cNvSpPr/>
+          <p:nvPr>
+            <p:ph idx="2" type="sldImg"/>
+          </p:nvPr>
+        </p:nvSpPr>
+        <p:spPr>
+          <a:xfrm>
+            <a:off x="381300" y="685800"/>
+            <a:ext cx="6096000" cy="3429000"/>
+          </a:xfrm>
+          <a:custGeom>
+            <a:rect b="b" l="l" r="r" t="t"/>
+            <a:pathLst>
+              <a:path extrusionOk="0" h="120000" w="120000">
+                <a:moveTo>
+                  <a:pt x="0" y="0"/>
+                </a:moveTo>
+                <a:lnTo>
+                  <a:pt x="120000" y="0"/>
+                </a:lnTo>
+                <a:lnTo>
+                  <a:pt x="120000" y="120000"/>
+                </a:lnTo>
+                <a:lnTo>
+                  <a:pt x="0" y="120000"/>
+                </a:lnTo>
+                <a:close/>
+              </a:path>
+            </a:pathLst>
+          </a:custGeom>
+        </p:spPr>
+      </p:sp>
+      <p:sp>
+        <p:nvSpPr>
+          <p:cNvPr id="94" name="Google Shape;94;g28f32461ef4_0_4:notes"/>
+          <p:cNvSpPr txBox="1"/>
+          <p:nvPr>
+            <p:ph idx="1" type="body"/>
+          </p:nvPr>
+        </p:nvSpPr>
+        <p:spPr>
+          <a:xfrm>
+            <a:off x="685800" y="4343400"/>
+            <a:ext cx="5486400" cy="4114800"/>
+          </a:xfrm>
+          <a:prstGeom prst="rect">
+            <a:avLst/>
+          </a:prstGeom>
+        </p:spPr>
+        <p:txBody>
+          <a:bodyPr anchorCtr="0" anchor="t" bIns="91425" lIns="91425" spcFirstLastPara="1" rIns="91425" wrap="square" tIns="91425">
+            <a:noAutofit/>
+          </a:bodyPr>
+          <a:lstStyle/>
+          <a:p>
+            <a:pPr indent="0" lvl="0" marL="0" rtl="0" algn="l">
+              <a:spcBef>
+                <a:spcPts val="0"/>
+              </a:spcBef>
+              <a:spcAft>
+                <a:spcPts val="0"/>
+              </a:spcAft>
+              <a:buNone/>
+            </a:pPr>
+            <a:r>
+              <a:t/>
+            </a:r>
+            <a:endParaRPr/>
+          </a:p>
+        </p:txBody>
+      </p:sp>
+    </p:spTree>
+  </p:cSld>
+  <p:clrMapOvr>
+    <a:masterClrMapping/>
+  </p:clrMapOvr>
+</p:notes>
+</file>
+
+<file path=ppt/notesSlides/notesSlide7.xml><?xml version="1.0" encoding="utf-8"?>
+<p:notes xmlns:a="http://schemas.openxmlformats.org/drawingml/2006/main" xmlns:r="http://schemas.openxmlformats.org/officeDocument/2006/relationships" xmlns:mc="http://schemas.openxmlformats.org/markup-compatibility/2006" xmlns:mv="urn:schemas-microsoft-com:mac:vml" xmlns:p="http://schemas.openxmlformats.org/presentationml/2006/main" xmlns:c="http://schemas.openxmlformats.org/drawingml/2006/chart" xmlns:dgm="http://schemas.openxmlformats.org/drawingml/2006/diagram" xmlns:o="urn:schemas-microsoft-com:office:office" xmlns:v="urn:schemas-microsoft-com:vml" xmlns:pvml="urn:schemas-microsoft-com:office:powerpoint" xmlns:com="http://schemas.openxmlformats.org/drawingml/2006/compatibility" xmlns:p14="http://schemas.microsoft.com/office/powerpoint/2010/main" xmlns:p15="http://schemas.microsoft.com/office/powerpoint/2012/main" xmlns:ahyp="http://schemas.microsoft.com/office/drawing/2018/hyperlinkcolor" showMasterPhAnim="0" showMasterSp="0">
+  <p:cSld>
+    <p:spTree>
+      <p:nvGrpSpPr>
+        <p:cNvPr id="100" name="Shape 100"/>
+        <p:cNvGrpSpPr/>
+        <p:nvPr/>
+      </p:nvGrpSpPr>
+      <p:grpSpPr>
+        <a:xfrm>
+          <a:off x="0" y="0"/>
+          <a:ext cx="0" cy="0"/>
+          <a:chOff x="0" y="0"/>
+          <a:chExt cx="0" cy="0"/>
+        </a:xfrm>
+      </p:grpSpPr>
+      <p:sp>
+        <p:nvSpPr>
+          <p:cNvPr id="101" name="Google Shape;101;g28f32461ef4_0_30:notes"/>
+          <p:cNvSpPr/>
+          <p:nvPr>
+            <p:ph idx="2" type="sldImg"/>
+          </p:nvPr>
+        </p:nvSpPr>
+        <p:spPr>
+          <a:xfrm>
+            <a:off x="381300" y="685800"/>
+            <a:ext cx="6096000" cy="3429000"/>
+          </a:xfrm>
+          <a:custGeom>
+            <a:rect b="b" l="l" r="r" t="t"/>
+            <a:pathLst>
+              <a:path extrusionOk="0" h="120000" w="120000">
+                <a:moveTo>
+                  <a:pt x="0" y="0"/>
+                </a:moveTo>
+                <a:lnTo>
+                  <a:pt x="120000" y="0"/>
+                </a:lnTo>
+                <a:lnTo>
+                  <a:pt x="120000" y="120000"/>
+                </a:lnTo>
+                <a:lnTo>
+                  <a:pt x="0" y="120000"/>
+                </a:lnTo>
+                <a:close/>
+              </a:path>
+            </a:pathLst>
+          </a:custGeom>
+        </p:spPr>
+      </p:sp>
+      <p:sp>
+        <p:nvSpPr>
+          <p:cNvPr id="102" name="Google Shape;102;g28f32461ef4_0_30:notes"/>
+          <p:cNvSpPr txBox="1"/>
+          <p:nvPr>
+            <p:ph idx="1" type="body"/>
+          </p:nvPr>
+        </p:nvSpPr>
+        <p:spPr>
+          <a:xfrm>
+            <a:off x="685800" y="4343400"/>
+            <a:ext cx="5486400" cy="4114800"/>
+          </a:xfrm>
+          <a:prstGeom prst="rect">
+            <a:avLst/>
+          </a:prstGeom>
+        </p:spPr>
+        <p:txBody>
+          <a:bodyPr anchorCtr="0" anchor="t" bIns="91425" lIns="91425" spcFirstLastPara="1" rIns="91425" wrap="square" tIns="91425">
+            <a:noAutofit/>
+          </a:bodyPr>
+          <a:lstStyle/>
+          <a:p>
+            <a:pPr indent="0" lvl="0" marL="0" rtl="0" algn="l">
+              <a:spcBef>
+                <a:spcPts val="0"/>
+              </a:spcBef>
+              <a:spcAft>
+                <a:spcPts val="0"/>
+              </a:spcAft>
+              <a:buNone/>
+            </a:pPr>
+            <a:r>
+              <a:t/>
+            </a:r>
+            <a:endParaRPr/>
+          </a:p>
+        </p:txBody>
+      </p:sp>
+    </p:spTree>
+  </p:cSld>
+  <p:clrMapOvr>
+    <a:masterClrMapping/>
+  </p:clrMapOvr>
+</p:notes>
+</file>
+
+<file path=ppt/notesSlides/notesSlide8.xml><?xml version="1.0" encoding="utf-8"?>
+<p:notes xmlns:a="http://schemas.openxmlformats.org/drawingml/2006/main" xmlns:r="http://schemas.openxmlformats.org/officeDocument/2006/relationships" xmlns:mc="http://schemas.openxmlformats.org/markup-compatibility/2006" xmlns:mv="urn:schemas-microsoft-com:mac:vml" xmlns:p="http://schemas.openxmlformats.org/presentationml/2006/main" xmlns:c="http://schemas.openxmlformats.org/drawingml/2006/chart" xmlns:dgm="http://schemas.openxmlformats.org/drawingml/2006/diagram" xmlns:o="urn:schemas-microsoft-com:office:office" xmlns:v="urn:schemas-microsoft-com:vml" xmlns:pvml="urn:schemas-microsoft-com:office:powerpoint" xmlns:com="http://schemas.openxmlformats.org/drawingml/2006/compatibility" xmlns:p14="http://schemas.microsoft.com/office/powerpoint/2010/main" xmlns:p15="http://schemas.microsoft.com/office/powerpoint/2012/main" xmlns:ahyp="http://schemas.microsoft.com/office/drawing/2018/hyperlinkcolor" showMasterPhAnim="0" showMasterSp="0">
+  <p:cSld>
+    <p:spTree>
+      <p:nvGrpSpPr>
+        <p:cNvPr id="106" name="Shape 106"/>
+        <p:cNvGrpSpPr/>
+        <p:nvPr/>
+      </p:nvGrpSpPr>
+      <p:grpSpPr>
+        <a:xfrm>
+          <a:off x="0" y="0"/>
+          <a:ext cx="0" cy="0"/>
+          <a:chOff x="0" y="0"/>
+          <a:chExt cx="0" cy="0"/>
+        </a:xfrm>
+      </p:grpSpPr>
+      <p:sp>
+        <p:nvSpPr>
+          <p:cNvPr id="107" name="Google Shape;107;g28f32461ef4_0_40:notes"/>
+          <p:cNvSpPr/>
+          <p:nvPr>
+            <p:ph idx="2" type="sldImg"/>
+          </p:nvPr>
+        </p:nvSpPr>
+        <p:spPr>
+          <a:xfrm>
+            <a:off x="381300" y="685800"/>
+            <a:ext cx="6096000" cy="3429000"/>
+          </a:xfrm>
+          <a:custGeom>
+            <a:rect b="b" l="l" r="r" t="t"/>
+            <a:pathLst>
+              <a:path extrusionOk="0" h="120000" w="120000">
+                <a:moveTo>
+                  <a:pt x="0" y="0"/>
+                </a:moveTo>
+                <a:lnTo>
+                  <a:pt x="120000" y="0"/>
+                </a:lnTo>
+                <a:lnTo>
+                  <a:pt x="120000" y="120000"/>
+                </a:lnTo>
+                <a:lnTo>
+                  <a:pt x="0" y="120000"/>
+                </a:lnTo>
+                <a:close/>
+              </a:path>
+            </a:pathLst>
+          </a:custGeom>
+        </p:spPr>
+      </p:sp>
+      <p:sp>
+        <p:nvSpPr>
+          <p:cNvPr id="108" name="Google Shape;108;g28f32461ef4_0_40:notes"/>
+          <p:cNvSpPr txBox="1"/>
+          <p:nvPr>
+            <p:ph idx="1" type="body"/>
+          </p:nvPr>
+        </p:nvSpPr>
+        <p:spPr>
+          <a:xfrm>
+            <a:off x="685800" y="4343400"/>
+            <a:ext cx="5486400" cy="4114800"/>
+          </a:xfrm>
+          <a:prstGeom prst="rect">
+            <a:avLst/>
+          </a:prstGeom>
+        </p:spPr>
+        <p:txBody>
+          <a:bodyPr anchorCtr="0" anchor="t" bIns="91425" lIns="91425" spcFirstLastPara="1" rIns="91425" wrap="square" tIns="91425">
+            <a:noAutofit/>
+          </a:bodyPr>
+          <a:lstStyle/>
+          <a:p>
+            <a:pPr indent="0" lvl="0" marL="0" rtl="0" algn="l">
+              <a:spcBef>
+                <a:spcPts val="0"/>
+              </a:spcBef>
+              <a:spcAft>
+                <a:spcPts val="0"/>
+              </a:spcAft>
+              <a:buNone/>
+            </a:pPr>
+            <a:r>
+              <a:t/>
+            </a:r>
+            <a:endParaRPr/>
+          </a:p>
+        </p:txBody>
+      </p:sp>
+    </p:spTree>
+  </p:cSld>
+  <p:clrMapOvr>
+    <a:masterClrMapping/>
+  </p:clrMapOvr>
+</p:notes>
+</file>
+
+<file path=ppt/notesSlides/notesSlide9.xml><?xml version="1.0" encoding="utf-8"?>
+<p:notes xmlns:a="http://schemas.openxmlformats.org/drawingml/2006/main" xmlns:r="http://schemas.openxmlformats.org/officeDocument/2006/relationships" xmlns:mc="http://schemas.openxmlformats.org/markup-compatibility/2006" xmlns:mv="urn:schemas-microsoft-com:mac:vml" xmlns:p="http://schemas.openxmlformats.org/presentationml/2006/main" xmlns:c="http://schemas.openxmlformats.org/drawingml/2006/chart" xmlns:dgm="http://schemas.openxmlformats.org/drawingml/2006/diagram" xmlns:o="urn:schemas-microsoft-com:office:office" xmlns:v="urn:schemas-microsoft-com:vml" xmlns:pvml="urn:schemas-microsoft-com:office:powerpoint" xmlns:com="http://schemas.openxmlformats.org/drawingml/2006/compatibility" xmlns:p14="http://schemas.microsoft.com/office/powerpoint/2010/main" xmlns:p15="http://schemas.microsoft.com/office/powerpoint/2012/main" xmlns:ahyp="http://schemas.microsoft.com/office/drawing/2018/hyperlinkcolor" showMasterPhAnim="0" showMasterSp="0">
+  <p:cSld>
+    <p:spTree>
+      <p:nvGrpSpPr>
+        <p:cNvPr id="112" name="Shape 112"/>
+        <p:cNvGrpSpPr/>
+        <p:nvPr/>
+      </p:nvGrpSpPr>
+      <p:grpSpPr>
+        <a:xfrm>
+          <a:off x="0" y="0"/>
+          <a:ext cx="0" cy="0"/>
+          <a:chOff x="0" y="0"/>
+          <a:chExt cx="0" cy="0"/>
+        </a:xfrm>
+      </p:grpSpPr>
+      <p:sp>
+        <p:nvSpPr>
+          <p:cNvPr id="113" name="Google Shape;113;g28f331d206b_0_0:notes"/>
+          <p:cNvSpPr/>
+          <p:nvPr>
+            <p:ph idx="2" type="sldImg"/>
+          </p:nvPr>
+        </p:nvSpPr>
+        <p:spPr>
+          <a:xfrm>
+            <a:off x="381300" y="685800"/>
+            <a:ext cx="6096000" cy="3429000"/>
+          </a:xfrm>
+          <a:custGeom>
+            <a:rect b="b" l="l" r="r" t="t"/>
+            <a:pathLst>
+              <a:path extrusionOk="0" h="120000" w="120000">
+                <a:moveTo>
+                  <a:pt x="0" y="0"/>
+                </a:moveTo>
+                <a:lnTo>
+                  <a:pt x="120000" y="0"/>
+                </a:lnTo>
+                <a:lnTo>
+                  <a:pt x="120000" y="120000"/>
+                </a:lnTo>
+                <a:lnTo>
+                  <a:pt x="0" y="120000"/>
+                </a:lnTo>
+                <a:close/>
+              </a:path>
+            </a:pathLst>
+          </a:custGeom>
+        </p:spPr>
+      </p:sp>
+      <p:sp>
+        <p:nvSpPr>
+          <p:cNvPr id="114" name="Google Shape;114;g28f331d206b_0_0:notes"/>
           <p:cNvSpPr txBox="1"/>
           <p:nvPr>
             <p:ph idx="1" type="body"/>
@@ -6965,7 +8165,5858 @@
 </p:sld>
 </file>
 
+<file path=ppt/slides/slide10.xml><?xml version="1.0" encoding="utf-8"?>
+<p:sld xmlns:a="http://schemas.openxmlformats.org/drawingml/2006/main" xmlns:r="http://schemas.openxmlformats.org/officeDocument/2006/relationships" xmlns:mc="http://schemas.openxmlformats.org/markup-compatibility/2006" xmlns:mv="urn:schemas-microsoft-com:mac:vml" xmlns:p="http://schemas.openxmlformats.org/presentationml/2006/main" xmlns:c="http://schemas.openxmlformats.org/drawingml/2006/chart" xmlns:dgm="http://schemas.openxmlformats.org/drawingml/2006/diagram" xmlns:o="urn:schemas-microsoft-com:office:office" xmlns:v="urn:schemas-microsoft-com:vml" xmlns:pvml="urn:schemas-microsoft-com:office:powerpoint" xmlns:com="http://schemas.openxmlformats.org/drawingml/2006/compatibility" xmlns:p14="http://schemas.microsoft.com/office/powerpoint/2010/main" xmlns:p15="http://schemas.microsoft.com/office/powerpoint/2012/main" xmlns:ahyp="http://schemas.microsoft.com/office/drawing/2018/hyperlinkcolor">
+  <p:cSld>
+    <p:spTree>
+      <p:nvGrpSpPr>
+        <p:cNvPr id="121" name="Shape 121"/>
+        <p:cNvGrpSpPr/>
+        <p:nvPr/>
+      </p:nvGrpSpPr>
+      <p:grpSpPr>
+        <a:xfrm>
+          <a:off x="0" y="0"/>
+          <a:ext cx="0" cy="0"/>
+          <a:chOff x="0" y="0"/>
+          <a:chExt cx="0" cy="0"/>
+        </a:xfrm>
+      </p:grpSpPr>
+      <p:sp>
+        <p:nvSpPr>
+          <p:cNvPr id="122" name="Google Shape;122;p22"/>
+          <p:cNvSpPr txBox="1"/>
+          <p:nvPr>
+            <p:ph type="title"/>
+          </p:nvPr>
+        </p:nvSpPr>
+        <p:spPr>
+          <a:xfrm>
+            <a:off x="311725" y="500925"/>
+            <a:ext cx="8520600" cy="623700"/>
+          </a:xfrm>
+          <a:prstGeom prst="rect">
+            <a:avLst/>
+          </a:prstGeom>
+        </p:spPr>
+        <p:txBody>
+          <a:bodyPr anchorCtr="0" anchor="t" bIns="91425" lIns="91425" spcFirstLastPara="1" rIns="91425" wrap="square" tIns="91425">
+            <a:normAutofit/>
+          </a:bodyPr>
+          <a:lstStyle/>
+          <a:p>
+            <a:pPr indent="0" lvl="0" marL="0" rtl="0" algn="l">
+              <a:spcBef>
+                <a:spcPts val="0"/>
+              </a:spcBef>
+              <a:spcAft>
+                <a:spcPts val="0"/>
+              </a:spcAft>
+              <a:buNone/>
+            </a:pPr>
+            <a:r>
+              <a:rPr lang="en"/>
+              <a:t>When to Consider </a:t>
+            </a:r>
+            <a:r>
+              <a:rPr lang="en"/>
+              <a:t>Dynamic</a:t>
+            </a:r>
+            <a:r>
+              <a:rPr lang="en"/>
+              <a:t> Programing</a:t>
+            </a:r>
+            <a:endParaRPr/>
+          </a:p>
+        </p:txBody>
+      </p:sp>
+      <p:sp>
+        <p:nvSpPr>
+          <p:cNvPr id="123" name="Google Shape;123;p22"/>
+          <p:cNvSpPr txBox="1"/>
+          <p:nvPr>
+            <p:ph idx="1" type="body"/>
+          </p:nvPr>
+        </p:nvSpPr>
+        <p:spPr>
+          <a:xfrm>
+            <a:off x="311700" y="1505700"/>
+            <a:ext cx="3999900" cy="3076200"/>
+          </a:xfrm>
+          <a:prstGeom prst="rect">
+            <a:avLst/>
+          </a:prstGeom>
+        </p:spPr>
+        <p:txBody>
+          <a:bodyPr anchorCtr="0" anchor="t" bIns="91425" lIns="91425" spcFirstLastPara="1" rIns="91425" wrap="square" tIns="91425">
+            <a:normAutofit/>
+          </a:bodyPr>
+          <a:lstStyle/>
+          <a:p>
+            <a:pPr indent="-311150" lvl="0" marL="457200" rtl="0" algn="l">
+              <a:spcBef>
+                <a:spcPts val="0"/>
+              </a:spcBef>
+              <a:spcAft>
+                <a:spcPts val="0"/>
+              </a:spcAft>
+              <a:buSzPts val="1300"/>
+              <a:buChar char="●"/>
+            </a:pPr>
+            <a:r>
+              <a:rPr lang="en"/>
+              <a:t>The Rod-Cutting problem has optimal substructure: optimal solutions are </a:t>
+            </a:r>
+            <a:r>
+              <a:rPr lang="en"/>
+              <a:t>comprised</a:t>
+            </a:r>
+            <a:r>
+              <a:rPr lang="en"/>
+              <a:t> of </a:t>
+            </a:r>
+            <a:r>
+              <a:rPr lang="en"/>
+              <a:t>optimal</a:t>
+            </a:r>
+            <a:r>
+              <a:rPr lang="en"/>
+              <a:t> solutions to subproblems. </a:t>
+            </a:r>
+            <a:endParaRPr/>
+          </a:p>
+          <a:p>
+            <a:pPr indent="-311150" lvl="0" marL="457200" rtl="0" algn="l">
+              <a:spcBef>
+                <a:spcPts val="0"/>
+              </a:spcBef>
+              <a:spcAft>
+                <a:spcPts val="0"/>
+              </a:spcAft>
+              <a:buSzPts val="1300"/>
+              <a:buChar char="●"/>
+            </a:pPr>
+            <a:r>
+              <a:rPr lang="en"/>
+              <a:t>When dealing with independent subproblems and subproblems that overlap, Dynamic Programming can be used.</a:t>
+            </a:r>
+            <a:endParaRPr/>
+          </a:p>
+          <a:p>
+            <a:pPr indent="-311150" lvl="0" marL="457200" rtl="0" algn="l">
+              <a:spcBef>
+                <a:spcPts val="0"/>
+              </a:spcBef>
+              <a:spcAft>
+                <a:spcPts val="0"/>
+              </a:spcAft>
+              <a:buSzPts val="1300"/>
+              <a:buChar char="●"/>
+            </a:pPr>
+            <a:r>
+              <a:rPr lang="en"/>
+              <a:t>While Divide-and-</a:t>
+            </a:r>
+            <a:r>
+              <a:rPr lang="en"/>
+              <a:t>Conquer</a:t>
+            </a:r>
+            <a:r>
+              <a:rPr lang="en"/>
+              <a:t> can be used for several applications, Dynamic Programming is can greatly simplify the Rod-Cutting problem and many problems like it.</a:t>
+            </a:r>
+            <a:endParaRPr/>
+          </a:p>
+        </p:txBody>
+      </p:sp>
+      <p:sp>
+        <p:nvSpPr>
+          <p:cNvPr id="124" name="Google Shape;124;p22"/>
+          <p:cNvSpPr txBox="1"/>
+          <p:nvPr>
+            <p:ph idx="2" type="body"/>
+          </p:nvPr>
+        </p:nvSpPr>
+        <p:spPr>
+          <a:xfrm>
+            <a:off x="4832400" y="1505700"/>
+            <a:ext cx="3999900" cy="3076200"/>
+          </a:xfrm>
+          <a:prstGeom prst="rect">
+            <a:avLst/>
+          </a:prstGeom>
+        </p:spPr>
+        <p:txBody>
+          <a:bodyPr anchorCtr="0" anchor="t" bIns="91425" lIns="91425" spcFirstLastPara="1" rIns="91425" wrap="square" tIns="91425">
+            <a:normAutofit/>
+          </a:bodyPr>
+          <a:lstStyle/>
+          <a:p>
+            <a:pPr indent="0" lvl="0" marL="0" rtl="0" algn="l">
+              <a:spcBef>
+                <a:spcPts val="0"/>
+              </a:spcBef>
+              <a:spcAft>
+                <a:spcPts val="0"/>
+              </a:spcAft>
+              <a:buNone/>
+            </a:pPr>
+            <a:r>
+              <a:t/>
+            </a:r>
+            <a:endParaRPr/>
+          </a:p>
+          <a:p>
+            <a:pPr indent="0" lvl="0" marL="0" rtl="0" algn="l">
+              <a:spcBef>
+                <a:spcPts val="1200"/>
+              </a:spcBef>
+              <a:spcAft>
+                <a:spcPts val="1200"/>
+              </a:spcAft>
+              <a:buNone/>
+            </a:pPr>
+            <a:r>
+              <a:t/>
+            </a:r>
+            <a:endParaRPr/>
+          </a:p>
+        </p:txBody>
+      </p:sp>
+    </p:spTree>
+  </p:cSld>
+  <p:clrMapOvr>
+    <a:masterClrMapping/>
+  </p:clrMapOvr>
+</p:sld>
+</file>
+
+<file path=ppt/slides/slide11.xml><?xml version="1.0" encoding="utf-8"?>
+<p:sld xmlns:a="http://schemas.openxmlformats.org/drawingml/2006/main" xmlns:r="http://schemas.openxmlformats.org/officeDocument/2006/relationships" xmlns:mc="http://schemas.openxmlformats.org/markup-compatibility/2006" xmlns:mv="urn:schemas-microsoft-com:mac:vml" xmlns:p="http://schemas.openxmlformats.org/presentationml/2006/main" xmlns:c="http://schemas.openxmlformats.org/drawingml/2006/chart" xmlns:dgm="http://schemas.openxmlformats.org/drawingml/2006/diagram" xmlns:o="urn:schemas-microsoft-com:office:office" xmlns:v="urn:schemas-microsoft-com:vml" xmlns:pvml="urn:schemas-microsoft-com:office:powerpoint" xmlns:com="http://schemas.openxmlformats.org/drawingml/2006/compatibility" xmlns:p14="http://schemas.microsoft.com/office/powerpoint/2010/main" xmlns:p15="http://schemas.microsoft.com/office/powerpoint/2012/main" xmlns:ahyp="http://schemas.microsoft.com/office/drawing/2018/hyperlinkcolor">
+  <p:cSld>
+    <p:spTree>
+      <p:nvGrpSpPr>
+        <p:cNvPr id="128" name="Shape 128"/>
+        <p:cNvGrpSpPr/>
+        <p:nvPr/>
+      </p:nvGrpSpPr>
+      <p:grpSpPr>
+        <a:xfrm>
+          <a:off x="0" y="0"/>
+          <a:ext cx="0" cy="0"/>
+          <a:chOff x="0" y="0"/>
+          <a:chExt cx="0" cy="0"/>
+        </a:xfrm>
+      </p:grpSpPr>
+      <p:sp>
+        <p:nvSpPr>
+          <p:cNvPr id="129" name="Google Shape;129;p23"/>
+          <p:cNvSpPr txBox="1"/>
+          <p:nvPr>
+            <p:ph type="title"/>
+          </p:nvPr>
+        </p:nvSpPr>
+        <p:spPr>
+          <a:xfrm>
+            <a:off x="311725" y="500925"/>
+            <a:ext cx="8520600" cy="623700"/>
+          </a:xfrm>
+          <a:prstGeom prst="rect">
+            <a:avLst/>
+          </a:prstGeom>
+        </p:spPr>
+        <p:txBody>
+          <a:bodyPr anchorCtr="0" anchor="t" bIns="91425" lIns="91425" spcFirstLastPara="1" rIns="91425" wrap="square" tIns="91425">
+            <a:normAutofit fontScale="90000"/>
+          </a:bodyPr>
+          <a:lstStyle/>
+          <a:p>
+            <a:pPr indent="0" lvl="0" marL="0" rtl="0" algn="l">
+              <a:spcBef>
+                <a:spcPts val="0"/>
+              </a:spcBef>
+              <a:spcAft>
+                <a:spcPts val="0"/>
+              </a:spcAft>
+              <a:buNone/>
+            </a:pPr>
+            <a:r>
+              <a:rPr lang="en"/>
+              <a:t>Graph of Running Time</a:t>
+            </a:r>
+            <a:endParaRPr/>
+          </a:p>
+          <a:p>
+            <a:pPr indent="0" lvl="0" marL="0" rtl="0" algn="l">
+              <a:spcBef>
+                <a:spcPts val="0"/>
+              </a:spcBef>
+              <a:spcAft>
+                <a:spcPts val="0"/>
+              </a:spcAft>
+              <a:buNone/>
+            </a:pPr>
+            <a:r>
+              <a:t/>
+            </a:r>
+            <a:endParaRPr/>
+          </a:p>
+        </p:txBody>
+      </p:sp>
+      <p:pic>
+        <p:nvPicPr>
+          <p:cNvPr id="130" name="Google Shape;130;p23" title="Chart"/>
+          <p:cNvPicPr preferRelativeResize="0"/>
+          <p:nvPr/>
+        </p:nvPicPr>
+        <p:blipFill>
+          <a:blip r:embed="rId3">
+            <a:alphaModFix/>
+          </a:blip>
+          <a:stretch>
+            <a:fillRect/>
+          </a:stretch>
+        </p:blipFill>
+        <p:spPr>
+          <a:xfrm>
+            <a:off x="0" y="1274025"/>
+            <a:ext cx="4181200" cy="2721025"/>
+          </a:xfrm>
+          <a:prstGeom prst="rect">
+            <a:avLst/>
+          </a:prstGeom>
+          <a:noFill/>
+          <a:ln>
+            <a:noFill/>
+          </a:ln>
+        </p:spPr>
+      </p:pic>
+      <p:pic>
+        <p:nvPicPr>
+          <p:cNvPr id="131" name="Google Shape;131;p23" title="Chart"/>
+          <p:cNvPicPr preferRelativeResize="0"/>
+          <p:nvPr/>
+        </p:nvPicPr>
+        <p:blipFill>
+          <a:blip r:embed="rId4">
+            <a:alphaModFix/>
+          </a:blip>
+          <a:stretch>
+            <a:fillRect/>
+          </a:stretch>
+        </p:blipFill>
+        <p:spPr>
+          <a:xfrm>
+            <a:off x="4181200" y="1274025"/>
+            <a:ext cx="4962800" cy="2658225"/>
+          </a:xfrm>
+          <a:prstGeom prst="rect">
+            <a:avLst/>
+          </a:prstGeom>
+          <a:noFill/>
+          <a:ln>
+            <a:noFill/>
+          </a:ln>
+        </p:spPr>
+      </p:pic>
+    </p:spTree>
+  </p:cSld>
+  <p:clrMapOvr>
+    <a:masterClrMapping/>
+  </p:clrMapOvr>
+</p:sld>
+</file>
+
+<file path=ppt/slides/slide12.xml><?xml version="1.0" encoding="utf-8"?>
+<p:sld xmlns:a="http://schemas.openxmlformats.org/drawingml/2006/main" xmlns:r="http://schemas.openxmlformats.org/officeDocument/2006/relationships" xmlns:mc="http://schemas.openxmlformats.org/markup-compatibility/2006" xmlns:mv="urn:schemas-microsoft-com:mac:vml" xmlns:p="http://schemas.openxmlformats.org/presentationml/2006/main" xmlns:c="http://schemas.openxmlformats.org/drawingml/2006/chart" xmlns:dgm="http://schemas.openxmlformats.org/drawingml/2006/diagram" xmlns:o="urn:schemas-microsoft-com:office:office" xmlns:v="urn:schemas-microsoft-com:vml" xmlns:pvml="urn:schemas-microsoft-com:office:powerpoint" xmlns:com="http://schemas.openxmlformats.org/drawingml/2006/compatibility" xmlns:p14="http://schemas.microsoft.com/office/powerpoint/2010/main" xmlns:p15="http://schemas.microsoft.com/office/powerpoint/2012/main" xmlns:ahyp="http://schemas.microsoft.com/office/drawing/2018/hyperlinkcolor">
+  <p:cSld>
+    <p:spTree>
+      <p:nvGrpSpPr>
+        <p:cNvPr id="135" name="Shape 135"/>
+        <p:cNvGrpSpPr/>
+        <p:nvPr/>
+      </p:nvGrpSpPr>
+      <p:grpSpPr>
+        <a:xfrm>
+          <a:off x="0" y="0"/>
+          <a:ext cx="0" cy="0"/>
+          <a:chOff x="0" y="0"/>
+          <a:chExt cx="0" cy="0"/>
+        </a:xfrm>
+      </p:grpSpPr>
+      <p:sp>
+        <p:nvSpPr>
+          <p:cNvPr id="136" name="Google Shape;136;p24"/>
+          <p:cNvSpPr txBox="1"/>
+          <p:nvPr>
+            <p:ph type="title"/>
+          </p:nvPr>
+        </p:nvSpPr>
+        <p:spPr>
+          <a:xfrm>
+            <a:off x="311725" y="500925"/>
+            <a:ext cx="8520600" cy="623700"/>
+          </a:xfrm>
+          <a:prstGeom prst="rect">
+            <a:avLst/>
+          </a:prstGeom>
+        </p:spPr>
+        <p:txBody>
+          <a:bodyPr anchorCtr="0" anchor="t" bIns="91425" lIns="91425" spcFirstLastPara="1" rIns="91425" wrap="square" tIns="91425">
+            <a:normAutofit fontScale="90000"/>
+          </a:bodyPr>
+          <a:lstStyle/>
+          <a:p>
+            <a:pPr indent="0" lvl="0" marL="0" rtl="0" algn="l">
+              <a:spcBef>
+                <a:spcPts val="0"/>
+              </a:spcBef>
+              <a:spcAft>
+                <a:spcPts val="0"/>
+              </a:spcAft>
+              <a:buNone/>
+            </a:pPr>
+            <a:r>
+              <a:rPr lang="en"/>
+              <a:t>Graph of Running Time</a:t>
+            </a:r>
+            <a:endParaRPr/>
+          </a:p>
+          <a:p>
+            <a:pPr indent="0" lvl="0" marL="0" rtl="0" algn="l">
+              <a:spcBef>
+                <a:spcPts val="0"/>
+              </a:spcBef>
+              <a:spcAft>
+                <a:spcPts val="0"/>
+              </a:spcAft>
+              <a:buNone/>
+            </a:pPr>
+            <a:r>
+              <a:t/>
+            </a:r>
+            <a:endParaRPr/>
+          </a:p>
+        </p:txBody>
+      </p:sp>
+      <p:graphicFrame>
+        <p:nvGraphicFramePr>
+          <p:cNvPr id="137" name="Google Shape;137;p24"/>
+          <p:cNvGraphicFramePr/>
+          <p:nvPr/>
+        </p:nvGraphicFramePr>
+        <p:xfrm>
+          <a:off x="4635975" y="1270000"/>
+          <a:ext cx="3000000" cy="3000000"/>
+        </p:xfrm>
+        <a:graphic>
+          <a:graphicData uri="http://schemas.openxmlformats.org/drawingml/2006/table">
+            <a:tbl>
+              <a:tblPr>
+                <a:noFill/>
+                <a:tableStyleId>{9B72F05A-3902-444D-A657-EC8DD1952127}</a:tableStyleId>
+              </a:tblPr>
+              <a:tblGrid>
+                <a:gridCol w="460600"/>
+                <a:gridCol w="1441800"/>
+                <a:gridCol w="1207075"/>
+                <a:gridCol w="1307650"/>
+              </a:tblGrid>
+              <a:tr h="411400">
+                <a:tc>
+                  <a:txBody>
+                    <a:bodyPr/>
+                    <a:lstStyle/>
+                    <a:p>
+                      <a:pPr indent="0" lvl="0" marL="0" rtl="0" algn="l">
+                        <a:spcBef>
+                          <a:spcPts val="0"/>
+                        </a:spcBef>
+                        <a:spcAft>
+                          <a:spcPts val="0"/>
+                        </a:spcAft>
+                        <a:buNone/>
+                      </a:pPr>
+                      <a:r>
+                        <a:t/>
+                      </a:r>
+                      <a:endParaRPr/>
+                    </a:p>
+                  </a:txBody>
+                  <a:tcPr marT="91425" marB="91425" marR="28575" marL="28575" anchor="b">
+                    <a:lnL cap="flat" cmpd="sng" w="9525">
+                      <a:solidFill>
+                        <a:srgbClr val="000000"/>
+                      </a:solidFill>
+                      <a:prstDash val="solid"/>
+                      <a:round/>
+                      <a:headEnd len="sm" w="sm" type="none"/>
+                      <a:tailEnd len="sm" w="sm" type="none"/>
+                    </a:lnL>
+                    <a:lnR cap="flat" cmpd="sng" w="9525">
+                      <a:solidFill>
+                        <a:srgbClr val="000000"/>
+                      </a:solidFill>
+                      <a:prstDash val="solid"/>
+                      <a:round/>
+                      <a:headEnd len="sm" w="sm" type="none"/>
+                      <a:tailEnd len="sm" w="sm" type="none"/>
+                    </a:lnR>
+                    <a:lnT cap="flat" cmpd="sng" w="9525">
+                      <a:solidFill>
+                        <a:srgbClr val="000000"/>
+                      </a:solidFill>
+                      <a:prstDash val="solid"/>
+                      <a:round/>
+                      <a:headEnd len="sm" w="sm" type="none"/>
+                      <a:tailEnd len="sm" w="sm" type="none"/>
+                    </a:lnT>
+                    <a:lnB cap="flat" cmpd="sng" w="9525">
+                      <a:solidFill>
+                        <a:srgbClr val="000000"/>
+                      </a:solidFill>
+                      <a:prstDash val="solid"/>
+                      <a:round/>
+                      <a:headEnd len="sm" w="sm" type="none"/>
+                      <a:tailEnd len="sm" w="sm" type="none"/>
+                    </a:lnB>
+                    <a:solidFill>
+                      <a:srgbClr val="0F9ED5"/>
+                    </a:solidFill>
+                  </a:tcPr>
+                </a:tc>
+                <a:tc>
+                  <a:txBody>
+                    <a:bodyPr/>
+                    <a:lstStyle/>
+                    <a:p>
+                      <a:pPr indent="0" lvl="0" marL="0" rtl="0" algn="l">
+                        <a:lnSpc>
+                          <a:spcPct val="115000"/>
+                        </a:lnSpc>
+                        <a:spcBef>
+                          <a:spcPts val="0"/>
+                        </a:spcBef>
+                        <a:spcAft>
+                          <a:spcPts val="0"/>
+                        </a:spcAft>
+                        <a:buNone/>
+                      </a:pPr>
+                      <a:r>
+                        <a:rPr lang="en"/>
+                        <a:t>Naïve Recursion</a:t>
+                      </a:r>
+                      <a:endParaRPr/>
+                    </a:p>
+                  </a:txBody>
+                  <a:tcPr marT="91425" marB="91425" marR="28575" marL="28575" anchor="b">
+                    <a:lnL cap="flat" cmpd="sng" w="9525">
+                      <a:solidFill>
+                        <a:srgbClr val="000000"/>
+                      </a:solidFill>
+                      <a:prstDash val="solid"/>
+                      <a:round/>
+                      <a:headEnd len="sm" w="sm" type="none"/>
+                      <a:tailEnd len="sm" w="sm" type="none"/>
+                    </a:lnL>
+                    <a:lnR cap="flat" cmpd="sng" w="9525">
+                      <a:solidFill>
+                        <a:srgbClr val="000000"/>
+                      </a:solidFill>
+                      <a:prstDash val="solid"/>
+                      <a:round/>
+                      <a:headEnd len="sm" w="sm" type="none"/>
+                      <a:tailEnd len="sm" w="sm" type="none"/>
+                    </a:lnR>
+                    <a:lnT cap="flat" cmpd="sng" w="9525">
+                      <a:solidFill>
+                        <a:srgbClr val="000000"/>
+                      </a:solidFill>
+                      <a:prstDash val="solid"/>
+                      <a:round/>
+                      <a:headEnd len="sm" w="sm" type="none"/>
+                      <a:tailEnd len="sm" w="sm" type="none"/>
+                    </a:lnT>
+                    <a:lnB cap="flat" cmpd="sng" w="9525">
+                      <a:solidFill>
+                        <a:srgbClr val="000000"/>
+                      </a:solidFill>
+                      <a:prstDash val="solid"/>
+                      <a:round/>
+                      <a:headEnd len="sm" w="sm" type="none"/>
+                      <a:tailEnd len="sm" w="sm" type="none"/>
+                    </a:lnB>
+                    <a:solidFill>
+                      <a:srgbClr val="0F9ED5"/>
+                    </a:solidFill>
+                  </a:tcPr>
+                </a:tc>
+                <a:tc>
+                  <a:txBody>
+                    <a:bodyPr/>
+                    <a:lstStyle/>
+                    <a:p>
+                      <a:pPr indent="0" lvl="0" marL="0" rtl="0" algn="l">
+                        <a:spcBef>
+                          <a:spcPts val="0"/>
+                        </a:spcBef>
+                        <a:spcAft>
+                          <a:spcPts val="0"/>
+                        </a:spcAft>
+                        <a:buNone/>
+                      </a:pPr>
+                      <a:r>
+                        <a:t/>
+                      </a:r>
+                      <a:endParaRPr/>
+                    </a:p>
+                  </a:txBody>
+                  <a:tcPr marT="91425" marB="91425" marR="28575" marL="28575" anchor="b">
+                    <a:lnL cap="flat" cmpd="sng" w="9525">
+                      <a:solidFill>
+                        <a:srgbClr val="000000"/>
+                      </a:solidFill>
+                      <a:prstDash val="solid"/>
+                      <a:round/>
+                      <a:headEnd len="sm" w="sm" type="none"/>
+                      <a:tailEnd len="sm" w="sm" type="none"/>
+                    </a:lnL>
+                    <a:lnR cap="flat" cmpd="sng" w="9525">
+                      <a:solidFill>
+                        <a:srgbClr val="000000"/>
+                      </a:solidFill>
+                      <a:prstDash val="solid"/>
+                      <a:round/>
+                      <a:headEnd len="sm" w="sm" type="none"/>
+                      <a:tailEnd len="sm" w="sm" type="none"/>
+                    </a:lnR>
+                    <a:lnT cap="flat" cmpd="sng" w="9525">
+                      <a:solidFill>
+                        <a:srgbClr val="000000"/>
+                      </a:solidFill>
+                      <a:prstDash val="solid"/>
+                      <a:round/>
+                      <a:headEnd len="sm" w="sm" type="none"/>
+                      <a:tailEnd len="sm" w="sm" type="none"/>
+                    </a:lnT>
+                    <a:lnB cap="flat" cmpd="sng" w="9525">
+                      <a:solidFill>
+                        <a:srgbClr val="000000"/>
+                      </a:solidFill>
+                      <a:prstDash val="solid"/>
+                      <a:round/>
+                      <a:headEnd len="sm" w="sm" type="none"/>
+                      <a:tailEnd len="sm" w="sm" type="none"/>
+                    </a:lnB>
+                    <a:solidFill>
+                      <a:srgbClr val="0F9ED5"/>
+                    </a:solidFill>
+                  </a:tcPr>
+                </a:tc>
+                <a:tc>
+                  <a:txBody>
+                    <a:bodyPr/>
+                    <a:lstStyle/>
+                    <a:p>
+                      <a:pPr indent="0" lvl="0" marL="0" rtl="0" algn="l">
+                        <a:spcBef>
+                          <a:spcPts val="0"/>
+                        </a:spcBef>
+                        <a:spcAft>
+                          <a:spcPts val="0"/>
+                        </a:spcAft>
+                        <a:buNone/>
+                      </a:pPr>
+                      <a:r>
+                        <a:t/>
+                      </a:r>
+                      <a:endParaRPr/>
+                    </a:p>
+                  </a:txBody>
+                  <a:tcPr marT="91425" marB="91425" marR="28575" marL="28575" anchor="b">
+                    <a:lnL cap="flat" cmpd="sng" w="9525">
+                      <a:solidFill>
+                        <a:srgbClr val="000000"/>
+                      </a:solidFill>
+                      <a:prstDash val="solid"/>
+                      <a:round/>
+                      <a:headEnd len="sm" w="sm" type="none"/>
+                      <a:tailEnd len="sm" w="sm" type="none"/>
+                    </a:lnL>
+                    <a:lnR cap="flat" cmpd="sng" w="9525">
+                      <a:solidFill>
+                        <a:srgbClr val="000000"/>
+                      </a:solidFill>
+                      <a:prstDash val="solid"/>
+                      <a:round/>
+                      <a:headEnd len="sm" w="sm" type="none"/>
+                      <a:tailEnd len="sm" w="sm" type="none"/>
+                    </a:lnR>
+                    <a:lnT cap="flat" cmpd="sng" w="9525">
+                      <a:solidFill>
+                        <a:srgbClr val="000000"/>
+                      </a:solidFill>
+                      <a:prstDash val="solid"/>
+                      <a:round/>
+                      <a:headEnd len="sm" w="sm" type="none"/>
+                      <a:tailEnd len="sm" w="sm" type="none"/>
+                    </a:lnT>
+                    <a:lnB cap="flat" cmpd="sng" w="9525">
+                      <a:solidFill>
+                        <a:srgbClr val="000000"/>
+                      </a:solidFill>
+                      <a:prstDash val="solid"/>
+                      <a:round/>
+                      <a:headEnd len="sm" w="sm" type="none"/>
+                      <a:tailEnd len="sm" w="sm" type="none"/>
+                    </a:lnB>
+                    <a:solidFill>
+                      <a:srgbClr val="0F9ED5"/>
+                    </a:solidFill>
+                  </a:tcPr>
+                </a:tc>
+              </a:tr>
+              <a:tr h="648075">
+                <a:tc>
+                  <a:txBody>
+                    <a:bodyPr/>
+                    <a:lstStyle/>
+                    <a:p>
+                      <a:pPr indent="0" lvl="0" marL="0" rtl="0" algn="l">
+                        <a:lnSpc>
+                          <a:spcPct val="115000"/>
+                        </a:lnSpc>
+                        <a:spcBef>
+                          <a:spcPts val="0"/>
+                        </a:spcBef>
+                        <a:spcAft>
+                          <a:spcPts val="0"/>
+                        </a:spcAft>
+                        <a:buNone/>
+                      </a:pPr>
+                      <a:r>
+                        <a:rPr lang="en"/>
+                        <a:t>n</a:t>
+                      </a:r>
+                      <a:endParaRPr/>
+                    </a:p>
+                  </a:txBody>
+                  <a:tcPr marT="91425" marB="91425" marR="28575" marL="28575" anchor="b">
+                    <a:lnL cap="flat" cmpd="sng" w="9525">
+                      <a:solidFill>
+                        <a:srgbClr val="CCCCCC"/>
+                      </a:solidFill>
+                      <a:prstDash val="solid"/>
+                      <a:round/>
+                      <a:headEnd len="sm" w="sm" type="none"/>
+                      <a:tailEnd len="sm" w="sm" type="none"/>
+                    </a:lnL>
+                    <a:lnR cap="flat" cmpd="sng" w="9525">
+                      <a:solidFill>
+                        <a:srgbClr val="CCCCCC"/>
+                      </a:solidFill>
+                      <a:prstDash val="solid"/>
+                      <a:round/>
+                      <a:headEnd len="sm" w="sm" type="none"/>
+                      <a:tailEnd len="sm" w="sm" type="none"/>
+                    </a:lnR>
+                    <a:lnT cap="flat" cmpd="sng" w="9525">
+                      <a:solidFill>
+                        <a:srgbClr val="000000"/>
+                      </a:solidFill>
+                      <a:prstDash val="solid"/>
+                      <a:round/>
+                      <a:headEnd len="sm" w="sm" type="none"/>
+                      <a:tailEnd len="sm" w="sm" type="none"/>
+                    </a:lnT>
+                    <a:lnB cap="flat" cmpd="sng" w="9525">
+                      <a:solidFill>
+                        <a:srgbClr val="CCCCCC"/>
+                      </a:solidFill>
+                      <a:prstDash val="solid"/>
+                      <a:round/>
+                      <a:headEnd len="sm" w="sm" type="none"/>
+                      <a:tailEnd len="sm" w="sm" type="none"/>
+                    </a:lnB>
+                  </a:tcPr>
+                </a:tc>
+                <a:tc>
+                  <a:txBody>
+                    <a:bodyPr/>
+                    <a:lstStyle/>
+                    <a:p>
+                      <a:pPr indent="0" lvl="0" marL="0" rtl="0" algn="l">
+                        <a:lnSpc>
+                          <a:spcPct val="115000"/>
+                        </a:lnSpc>
+                        <a:spcBef>
+                          <a:spcPts val="0"/>
+                        </a:spcBef>
+                        <a:spcAft>
+                          <a:spcPts val="0"/>
+                        </a:spcAft>
+                        <a:buNone/>
+                      </a:pPr>
+                      <a:r>
+                        <a:rPr lang="en"/>
+                        <a:t>Test 1 Runtime (ms)</a:t>
+                      </a:r>
+                      <a:endParaRPr/>
+                    </a:p>
+                  </a:txBody>
+                  <a:tcPr marT="91425" marB="91425" marR="28575" marL="28575" anchor="b">
+                    <a:lnL cap="flat" cmpd="sng" w="9525">
+                      <a:solidFill>
+                        <a:srgbClr val="CCCCCC"/>
+                      </a:solidFill>
+                      <a:prstDash val="solid"/>
+                      <a:round/>
+                      <a:headEnd len="sm" w="sm" type="none"/>
+                      <a:tailEnd len="sm" w="sm" type="none"/>
+                    </a:lnL>
+                    <a:lnR cap="flat" cmpd="sng" w="9525">
+                      <a:solidFill>
+                        <a:srgbClr val="CCCCCC"/>
+                      </a:solidFill>
+                      <a:prstDash val="solid"/>
+                      <a:round/>
+                      <a:headEnd len="sm" w="sm" type="none"/>
+                      <a:tailEnd len="sm" w="sm" type="none"/>
+                    </a:lnR>
+                    <a:lnT cap="flat" cmpd="sng" w="9525">
+                      <a:solidFill>
+                        <a:srgbClr val="000000"/>
+                      </a:solidFill>
+                      <a:prstDash val="solid"/>
+                      <a:round/>
+                      <a:headEnd len="sm" w="sm" type="none"/>
+                      <a:tailEnd len="sm" w="sm" type="none"/>
+                    </a:lnT>
+                    <a:lnB cap="flat" cmpd="sng" w="9525">
+                      <a:solidFill>
+                        <a:srgbClr val="CCCCCC"/>
+                      </a:solidFill>
+                      <a:prstDash val="solid"/>
+                      <a:round/>
+                      <a:headEnd len="sm" w="sm" type="none"/>
+                      <a:tailEnd len="sm" w="sm" type="none"/>
+                    </a:lnB>
+                  </a:tcPr>
+                </a:tc>
+                <a:tc>
+                  <a:txBody>
+                    <a:bodyPr/>
+                    <a:lstStyle/>
+                    <a:p>
+                      <a:pPr indent="0" lvl="0" marL="0" rtl="0" algn="l">
+                        <a:lnSpc>
+                          <a:spcPct val="115000"/>
+                        </a:lnSpc>
+                        <a:spcBef>
+                          <a:spcPts val="0"/>
+                        </a:spcBef>
+                        <a:spcAft>
+                          <a:spcPts val="0"/>
+                        </a:spcAft>
+                        <a:buNone/>
+                      </a:pPr>
+                      <a:r>
+                        <a:rPr lang="en"/>
+                        <a:t>Test 2 runtime (ms)</a:t>
+                      </a:r>
+                      <a:endParaRPr/>
+                    </a:p>
+                  </a:txBody>
+                  <a:tcPr marT="91425" marB="91425" marR="28575" marL="28575" anchor="b">
+                    <a:lnL cap="flat" cmpd="sng" w="9525">
+                      <a:solidFill>
+                        <a:srgbClr val="CCCCCC"/>
+                      </a:solidFill>
+                      <a:prstDash val="solid"/>
+                      <a:round/>
+                      <a:headEnd len="sm" w="sm" type="none"/>
+                      <a:tailEnd len="sm" w="sm" type="none"/>
+                    </a:lnL>
+                    <a:lnR cap="flat" cmpd="sng" w="9525">
+                      <a:solidFill>
+                        <a:srgbClr val="CCCCCC"/>
+                      </a:solidFill>
+                      <a:prstDash val="solid"/>
+                      <a:round/>
+                      <a:headEnd len="sm" w="sm" type="none"/>
+                      <a:tailEnd len="sm" w="sm" type="none"/>
+                    </a:lnR>
+                    <a:lnT cap="flat" cmpd="sng" w="9525">
+                      <a:solidFill>
+                        <a:srgbClr val="000000"/>
+                      </a:solidFill>
+                      <a:prstDash val="solid"/>
+                      <a:round/>
+                      <a:headEnd len="sm" w="sm" type="none"/>
+                      <a:tailEnd len="sm" w="sm" type="none"/>
+                    </a:lnT>
+                    <a:lnB cap="flat" cmpd="sng" w="9525">
+                      <a:solidFill>
+                        <a:srgbClr val="CCCCCC"/>
+                      </a:solidFill>
+                      <a:prstDash val="solid"/>
+                      <a:round/>
+                      <a:headEnd len="sm" w="sm" type="none"/>
+                      <a:tailEnd len="sm" w="sm" type="none"/>
+                    </a:lnB>
+                  </a:tcPr>
+                </a:tc>
+                <a:tc>
+                  <a:txBody>
+                    <a:bodyPr/>
+                    <a:lstStyle/>
+                    <a:p>
+                      <a:pPr indent="0" lvl="0" marL="0" rtl="0" algn="l">
+                        <a:lnSpc>
+                          <a:spcPct val="115000"/>
+                        </a:lnSpc>
+                        <a:spcBef>
+                          <a:spcPts val="0"/>
+                        </a:spcBef>
+                        <a:spcAft>
+                          <a:spcPts val="0"/>
+                        </a:spcAft>
+                        <a:buNone/>
+                      </a:pPr>
+                      <a:r>
+                        <a:rPr lang="en"/>
+                        <a:t>Test 3 runtime (ms)</a:t>
+                      </a:r>
+                      <a:endParaRPr/>
+                    </a:p>
+                  </a:txBody>
+                  <a:tcPr marT="91425" marB="91425" marR="28575" marL="28575" anchor="b">
+                    <a:lnL cap="flat" cmpd="sng" w="9525">
+                      <a:solidFill>
+                        <a:srgbClr val="CCCCCC"/>
+                      </a:solidFill>
+                      <a:prstDash val="solid"/>
+                      <a:round/>
+                      <a:headEnd len="sm" w="sm" type="none"/>
+                      <a:tailEnd len="sm" w="sm" type="none"/>
+                    </a:lnL>
+                    <a:lnR cap="flat" cmpd="sng" w="9525">
+                      <a:solidFill>
+                        <a:srgbClr val="CCCCCC"/>
+                      </a:solidFill>
+                      <a:prstDash val="solid"/>
+                      <a:round/>
+                      <a:headEnd len="sm" w="sm" type="none"/>
+                      <a:tailEnd len="sm" w="sm" type="none"/>
+                    </a:lnR>
+                    <a:lnT cap="flat" cmpd="sng" w="9525">
+                      <a:solidFill>
+                        <a:srgbClr val="000000"/>
+                      </a:solidFill>
+                      <a:prstDash val="solid"/>
+                      <a:round/>
+                      <a:headEnd len="sm" w="sm" type="none"/>
+                      <a:tailEnd len="sm" w="sm" type="none"/>
+                    </a:lnT>
+                    <a:lnB cap="flat" cmpd="sng" w="9525">
+                      <a:solidFill>
+                        <a:srgbClr val="CCCCCC"/>
+                      </a:solidFill>
+                      <a:prstDash val="solid"/>
+                      <a:round/>
+                      <a:headEnd len="sm" w="sm" type="none"/>
+                      <a:tailEnd len="sm" w="sm" type="none"/>
+                    </a:lnB>
+                  </a:tcPr>
+                </a:tc>
+              </a:tr>
+              <a:tr h="411400">
+                <a:tc>
+                  <a:txBody>
+                    <a:bodyPr/>
+                    <a:lstStyle/>
+                    <a:p>
+                      <a:pPr indent="0" lvl="0" marL="0" rtl="0" algn="r">
+                        <a:lnSpc>
+                          <a:spcPct val="115000"/>
+                        </a:lnSpc>
+                        <a:spcBef>
+                          <a:spcPts val="0"/>
+                        </a:spcBef>
+                        <a:spcAft>
+                          <a:spcPts val="0"/>
+                        </a:spcAft>
+                        <a:buNone/>
+                      </a:pPr>
+                      <a:r>
+                        <a:rPr lang="en"/>
+                        <a:t>10</a:t>
+                      </a:r>
+                      <a:endParaRPr/>
+                    </a:p>
+                  </a:txBody>
+                  <a:tcPr marT="91425" marB="91425" marR="28575" marL="28575" anchor="b">
+                    <a:lnL cap="flat" cmpd="sng" w="9525">
+                      <a:solidFill>
+                        <a:srgbClr val="CCCCCC"/>
+                      </a:solidFill>
+                      <a:prstDash val="solid"/>
+                      <a:round/>
+                      <a:headEnd len="sm" w="sm" type="none"/>
+                      <a:tailEnd len="sm" w="sm" type="none"/>
+                    </a:lnL>
+                    <a:lnR cap="flat" cmpd="sng" w="9525">
+                      <a:solidFill>
+                        <a:srgbClr val="CCCCCC"/>
+                      </a:solidFill>
+                      <a:prstDash val="solid"/>
+                      <a:round/>
+                      <a:headEnd len="sm" w="sm" type="none"/>
+                      <a:tailEnd len="sm" w="sm" type="none"/>
+                    </a:lnR>
+                    <a:lnT cap="flat" cmpd="sng" w="9525">
+                      <a:solidFill>
+                        <a:srgbClr val="CCCCCC"/>
+                      </a:solidFill>
+                      <a:prstDash val="solid"/>
+                      <a:round/>
+                      <a:headEnd len="sm" w="sm" type="none"/>
+                      <a:tailEnd len="sm" w="sm" type="none"/>
+                    </a:lnT>
+                    <a:lnB cap="flat" cmpd="sng" w="9525">
+                      <a:solidFill>
+                        <a:srgbClr val="CCCCCC"/>
+                      </a:solidFill>
+                      <a:prstDash val="solid"/>
+                      <a:round/>
+                      <a:headEnd len="sm" w="sm" type="none"/>
+                      <a:tailEnd len="sm" w="sm" type="none"/>
+                    </a:lnB>
+                  </a:tcPr>
+                </a:tc>
+                <a:tc>
+                  <a:txBody>
+                    <a:bodyPr/>
+                    <a:lstStyle/>
+                    <a:p>
+                      <a:pPr indent="0" lvl="0" marL="0" rtl="0" algn="r">
+                        <a:lnSpc>
+                          <a:spcPct val="115000"/>
+                        </a:lnSpc>
+                        <a:spcBef>
+                          <a:spcPts val="0"/>
+                        </a:spcBef>
+                        <a:spcAft>
+                          <a:spcPts val="0"/>
+                        </a:spcAft>
+                        <a:buNone/>
+                      </a:pPr>
+                      <a:r>
+                        <a:rPr lang="en"/>
+                        <a:t>0</a:t>
+                      </a:r>
+                      <a:endParaRPr/>
+                    </a:p>
+                  </a:txBody>
+                  <a:tcPr marT="91425" marB="91425" marR="28575" marL="28575" anchor="b">
+                    <a:lnL cap="flat" cmpd="sng" w="9525">
+                      <a:solidFill>
+                        <a:srgbClr val="CCCCCC"/>
+                      </a:solidFill>
+                      <a:prstDash val="solid"/>
+                      <a:round/>
+                      <a:headEnd len="sm" w="sm" type="none"/>
+                      <a:tailEnd len="sm" w="sm" type="none"/>
+                    </a:lnL>
+                    <a:lnR cap="flat" cmpd="sng" w="9525">
+                      <a:solidFill>
+                        <a:srgbClr val="CCCCCC"/>
+                      </a:solidFill>
+                      <a:prstDash val="solid"/>
+                      <a:round/>
+                      <a:headEnd len="sm" w="sm" type="none"/>
+                      <a:tailEnd len="sm" w="sm" type="none"/>
+                    </a:lnR>
+                    <a:lnT cap="flat" cmpd="sng" w="9525">
+                      <a:solidFill>
+                        <a:srgbClr val="CCCCCC"/>
+                      </a:solidFill>
+                      <a:prstDash val="solid"/>
+                      <a:round/>
+                      <a:headEnd len="sm" w="sm" type="none"/>
+                      <a:tailEnd len="sm" w="sm" type="none"/>
+                    </a:lnT>
+                    <a:lnB cap="flat" cmpd="sng" w="9525">
+                      <a:solidFill>
+                        <a:srgbClr val="CCCCCC"/>
+                      </a:solidFill>
+                      <a:prstDash val="solid"/>
+                      <a:round/>
+                      <a:headEnd len="sm" w="sm" type="none"/>
+                      <a:tailEnd len="sm" w="sm" type="none"/>
+                    </a:lnB>
+                  </a:tcPr>
+                </a:tc>
+                <a:tc>
+                  <a:txBody>
+                    <a:bodyPr/>
+                    <a:lstStyle/>
+                    <a:p>
+                      <a:pPr indent="0" lvl="0" marL="0" rtl="0" algn="r">
+                        <a:lnSpc>
+                          <a:spcPct val="115000"/>
+                        </a:lnSpc>
+                        <a:spcBef>
+                          <a:spcPts val="0"/>
+                        </a:spcBef>
+                        <a:spcAft>
+                          <a:spcPts val="0"/>
+                        </a:spcAft>
+                        <a:buNone/>
+                      </a:pPr>
+                      <a:r>
+                        <a:rPr lang="en"/>
+                        <a:t>0</a:t>
+                      </a:r>
+                      <a:endParaRPr/>
+                    </a:p>
+                  </a:txBody>
+                  <a:tcPr marT="91425" marB="91425" marR="28575" marL="28575" anchor="b">
+                    <a:lnL cap="flat" cmpd="sng" w="9525">
+                      <a:solidFill>
+                        <a:srgbClr val="CCCCCC"/>
+                      </a:solidFill>
+                      <a:prstDash val="solid"/>
+                      <a:round/>
+                      <a:headEnd len="sm" w="sm" type="none"/>
+                      <a:tailEnd len="sm" w="sm" type="none"/>
+                    </a:lnL>
+                    <a:lnR cap="flat" cmpd="sng" w="9525">
+                      <a:solidFill>
+                        <a:srgbClr val="CCCCCC"/>
+                      </a:solidFill>
+                      <a:prstDash val="solid"/>
+                      <a:round/>
+                      <a:headEnd len="sm" w="sm" type="none"/>
+                      <a:tailEnd len="sm" w="sm" type="none"/>
+                    </a:lnR>
+                    <a:lnT cap="flat" cmpd="sng" w="9525">
+                      <a:solidFill>
+                        <a:srgbClr val="CCCCCC"/>
+                      </a:solidFill>
+                      <a:prstDash val="solid"/>
+                      <a:round/>
+                      <a:headEnd len="sm" w="sm" type="none"/>
+                      <a:tailEnd len="sm" w="sm" type="none"/>
+                    </a:lnT>
+                    <a:lnB cap="flat" cmpd="sng" w="9525">
+                      <a:solidFill>
+                        <a:srgbClr val="CCCCCC"/>
+                      </a:solidFill>
+                      <a:prstDash val="solid"/>
+                      <a:round/>
+                      <a:headEnd len="sm" w="sm" type="none"/>
+                      <a:tailEnd len="sm" w="sm" type="none"/>
+                    </a:lnB>
+                  </a:tcPr>
+                </a:tc>
+                <a:tc>
+                  <a:txBody>
+                    <a:bodyPr/>
+                    <a:lstStyle/>
+                    <a:p>
+                      <a:pPr indent="0" lvl="0" marL="0" rtl="0" algn="r">
+                        <a:lnSpc>
+                          <a:spcPct val="115000"/>
+                        </a:lnSpc>
+                        <a:spcBef>
+                          <a:spcPts val="0"/>
+                        </a:spcBef>
+                        <a:spcAft>
+                          <a:spcPts val="0"/>
+                        </a:spcAft>
+                        <a:buNone/>
+                      </a:pPr>
+                      <a:r>
+                        <a:rPr lang="en"/>
+                        <a:t>0</a:t>
+                      </a:r>
+                      <a:endParaRPr/>
+                    </a:p>
+                  </a:txBody>
+                  <a:tcPr marT="91425" marB="91425" marR="28575" marL="28575" anchor="b">
+                    <a:lnL cap="flat" cmpd="sng" w="9525">
+                      <a:solidFill>
+                        <a:srgbClr val="CCCCCC"/>
+                      </a:solidFill>
+                      <a:prstDash val="solid"/>
+                      <a:round/>
+                      <a:headEnd len="sm" w="sm" type="none"/>
+                      <a:tailEnd len="sm" w="sm" type="none"/>
+                    </a:lnL>
+                    <a:lnR cap="flat" cmpd="sng" w="9525">
+                      <a:solidFill>
+                        <a:srgbClr val="CCCCCC"/>
+                      </a:solidFill>
+                      <a:prstDash val="solid"/>
+                      <a:round/>
+                      <a:headEnd len="sm" w="sm" type="none"/>
+                      <a:tailEnd len="sm" w="sm" type="none"/>
+                    </a:lnR>
+                    <a:lnT cap="flat" cmpd="sng" w="9525">
+                      <a:solidFill>
+                        <a:srgbClr val="CCCCCC"/>
+                      </a:solidFill>
+                      <a:prstDash val="solid"/>
+                      <a:round/>
+                      <a:headEnd len="sm" w="sm" type="none"/>
+                      <a:tailEnd len="sm" w="sm" type="none"/>
+                    </a:lnT>
+                    <a:lnB cap="flat" cmpd="sng" w="9525">
+                      <a:solidFill>
+                        <a:srgbClr val="CCCCCC"/>
+                      </a:solidFill>
+                      <a:prstDash val="solid"/>
+                      <a:round/>
+                      <a:headEnd len="sm" w="sm" type="none"/>
+                      <a:tailEnd len="sm" w="sm" type="none"/>
+                    </a:lnB>
+                  </a:tcPr>
+                </a:tc>
+              </a:tr>
+              <a:tr h="411400">
+                <a:tc>
+                  <a:txBody>
+                    <a:bodyPr/>
+                    <a:lstStyle/>
+                    <a:p>
+                      <a:pPr indent="0" lvl="0" marL="0" rtl="0" algn="r">
+                        <a:lnSpc>
+                          <a:spcPct val="115000"/>
+                        </a:lnSpc>
+                        <a:spcBef>
+                          <a:spcPts val="0"/>
+                        </a:spcBef>
+                        <a:spcAft>
+                          <a:spcPts val="0"/>
+                        </a:spcAft>
+                        <a:buNone/>
+                      </a:pPr>
+                      <a:r>
+                        <a:rPr lang="en"/>
+                        <a:t>20</a:t>
+                      </a:r>
+                      <a:endParaRPr/>
+                    </a:p>
+                  </a:txBody>
+                  <a:tcPr marT="91425" marB="91425" marR="28575" marL="28575" anchor="b">
+                    <a:lnL cap="flat" cmpd="sng" w="9525">
+                      <a:solidFill>
+                        <a:srgbClr val="CCCCCC"/>
+                      </a:solidFill>
+                      <a:prstDash val="solid"/>
+                      <a:round/>
+                      <a:headEnd len="sm" w="sm" type="none"/>
+                      <a:tailEnd len="sm" w="sm" type="none"/>
+                    </a:lnL>
+                    <a:lnR cap="flat" cmpd="sng" w="9525">
+                      <a:solidFill>
+                        <a:srgbClr val="CCCCCC"/>
+                      </a:solidFill>
+                      <a:prstDash val="solid"/>
+                      <a:round/>
+                      <a:headEnd len="sm" w="sm" type="none"/>
+                      <a:tailEnd len="sm" w="sm" type="none"/>
+                    </a:lnR>
+                    <a:lnT cap="flat" cmpd="sng" w="9525">
+                      <a:solidFill>
+                        <a:srgbClr val="CCCCCC"/>
+                      </a:solidFill>
+                      <a:prstDash val="solid"/>
+                      <a:round/>
+                      <a:headEnd len="sm" w="sm" type="none"/>
+                      <a:tailEnd len="sm" w="sm" type="none"/>
+                    </a:lnT>
+                    <a:lnB cap="flat" cmpd="sng" w="9525">
+                      <a:solidFill>
+                        <a:srgbClr val="CCCCCC"/>
+                      </a:solidFill>
+                      <a:prstDash val="solid"/>
+                      <a:round/>
+                      <a:headEnd len="sm" w="sm" type="none"/>
+                      <a:tailEnd len="sm" w="sm" type="none"/>
+                    </a:lnB>
+                  </a:tcPr>
+                </a:tc>
+                <a:tc>
+                  <a:txBody>
+                    <a:bodyPr/>
+                    <a:lstStyle/>
+                    <a:p>
+                      <a:pPr indent="0" lvl="0" marL="0" rtl="0" algn="r">
+                        <a:lnSpc>
+                          <a:spcPct val="115000"/>
+                        </a:lnSpc>
+                        <a:spcBef>
+                          <a:spcPts val="0"/>
+                        </a:spcBef>
+                        <a:spcAft>
+                          <a:spcPts val="0"/>
+                        </a:spcAft>
+                        <a:buNone/>
+                      </a:pPr>
+                      <a:r>
+                        <a:rPr lang="en"/>
+                        <a:t>0</a:t>
+                      </a:r>
+                      <a:endParaRPr/>
+                    </a:p>
+                  </a:txBody>
+                  <a:tcPr marT="91425" marB="91425" marR="28575" marL="28575" anchor="b">
+                    <a:lnL cap="flat" cmpd="sng" w="9525">
+                      <a:solidFill>
+                        <a:srgbClr val="CCCCCC"/>
+                      </a:solidFill>
+                      <a:prstDash val="solid"/>
+                      <a:round/>
+                      <a:headEnd len="sm" w="sm" type="none"/>
+                      <a:tailEnd len="sm" w="sm" type="none"/>
+                    </a:lnL>
+                    <a:lnR cap="flat" cmpd="sng" w="9525">
+                      <a:solidFill>
+                        <a:srgbClr val="CCCCCC"/>
+                      </a:solidFill>
+                      <a:prstDash val="solid"/>
+                      <a:round/>
+                      <a:headEnd len="sm" w="sm" type="none"/>
+                      <a:tailEnd len="sm" w="sm" type="none"/>
+                    </a:lnR>
+                    <a:lnT cap="flat" cmpd="sng" w="9525">
+                      <a:solidFill>
+                        <a:srgbClr val="CCCCCC"/>
+                      </a:solidFill>
+                      <a:prstDash val="solid"/>
+                      <a:round/>
+                      <a:headEnd len="sm" w="sm" type="none"/>
+                      <a:tailEnd len="sm" w="sm" type="none"/>
+                    </a:lnT>
+                    <a:lnB cap="flat" cmpd="sng" w="9525">
+                      <a:solidFill>
+                        <a:srgbClr val="CCCCCC"/>
+                      </a:solidFill>
+                      <a:prstDash val="solid"/>
+                      <a:round/>
+                      <a:headEnd len="sm" w="sm" type="none"/>
+                      <a:tailEnd len="sm" w="sm" type="none"/>
+                    </a:lnB>
+                  </a:tcPr>
+                </a:tc>
+                <a:tc>
+                  <a:txBody>
+                    <a:bodyPr/>
+                    <a:lstStyle/>
+                    <a:p>
+                      <a:pPr indent="0" lvl="0" marL="0" rtl="0" algn="r">
+                        <a:lnSpc>
+                          <a:spcPct val="115000"/>
+                        </a:lnSpc>
+                        <a:spcBef>
+                          <a:spcPts val="0"/>
+                        </a:spcBef>
+                        <a:spcAft>
+                          <a:spcPts val="0"/>
+                        </a:spcAft>
+                        <a:buNone/>
+                      </a:pPr>
+                      <a:r>
+                        <a:rPr lang="en"/>
+                        <a:t>0</a:t>
+                      </a:r>
+                      <a:endParaRPr/>
+                    </a:p>
+                  </a:txBody>
+                  <a:tcPr marT="91425" marB="91425" marR="28575" marL="28575" anchor="b">
+                    <a:lnL cap="flat" cmpd="sng" w="9525">
+                      <a:solidFill>
+                        <a:srgbClr val="CCCCCC"/>
+                      </a:solidFill>
+                      <a:prstDash val="solid"/>
+                      <a:round/>
+                      <a:headEnd len="sm" w="sm" type="none"/>
+                      <a:tailEnd len="sm" w="sm" type="none"/>
+                    </a:lnL>
+                    <a:lnR cap="flat" cmpd="sng" w="9525">
+                      <a:solidFill>
+                        <a:srgbClr val="CCCCCC"/>
+                      </a:solidFill>
+                      <a:prstDash val="solid"/>
+                      <a:round/>
+                      <a:headEnd len="sm" w="sm" type="none"/>
+                      <a:tailEnd len="sm" w="sm" type="none"/>
+                    </a:lnR>
+                    <a:lnT cap="flat" cmpd="sng" w="9525">
+                      <a:solidFill>
+                        <a:srgbClr val="CCCCCC"/>
+                      </a:solidFill>
+                      <a:prstDash val="solid"/>
+                      <a:round/>
+                      <a:headEnd len="sm" w="sm" type="none"/>
+                      <a:tailEnd len="sm" w="sm" type="none"/>
+                    </a:lnT>
+                    <a:lnB cap="flat" cmpd="sng" w="9525">
+                      <a:solidFill>
+                        <a:srgbClr val="CCCCCC"/>
+                      </a:solidFill>
+                      <a:prstDash val="solid"/>
+                      <a:round/>
+                      <a:headEnd len="sm" w="sm" type="none"/>
+                      <a:tailEnd len="sm" w="sm" type="none"/>
+                    </a:lnB>
+                  </a:tcPr>
+                </a:tc>
+                <a:tc>
+                  <a:txBody>
+                    <a:bodyPr/>
+                    <a:lstStyle/>
+                    <a:p>
+                      <a:pPr indent="0" lvl="0" marL="0" rtl="0" algn="r">
+                        <a:lnSpc>
+                          <a:spcPct val="115000"/>
+                        </a:lnSpc>
+                        <a:spcBef>
+                          <a:spcPts val="0"/>
+                        </a:spcBef>
+                        <a:spcAft>
+                          <a:spcPts val="0"/>
+                        </a:spcAft>
+                        <a:buNone/>
+                      </a:pPr>
+                      <a:r>
+                        <a:rPr lang="en"/>
+                        <a:t>0</a:t>
+                      </a:r>
+                      <a:endParaRPr/>
+                    </a:p>
+                  </a:txBody>
+                  <a:tcPr marT="91425" marB="91425" marR="28575" marL="28575" anchor="b">
+                    <a:lnL cap="flat" cmpd="sng" w="9525">
+                      <a:solidFill>
+                        <a:srgbClr val="CCCCCC"/>
+                      </a:solidFill>
+                      <a:prstDash val="solid"/>
+                      <a:round/>
+                      <a:headEnd len="sm" w="sm" type="none"/>
+                      <a:tailEnd len="sm" w="sm" type="none"/>
+                    </a:lnL>
+                    <a:lnR cap="flat" cmpd="sng" w="9525">
+                      <a:solidFill>
+                        <a:srgbClr val="CCCCCC"/>
+                      </a:solidFill>
+                      <a:prstDash val="solid"/>
+                      <a:round/>
+                      <a:headEnd len="sm" w="sm" type="none"/>
+                      <a:tailEnd len="sm" w="sm" type="none"/>
+                    </a:lnR>
+                    <a:lnT cap="flat" cmpd="sng" w="9525">
+                      <a:solidFill>
+                        <a:srgbClr val="CCCCCC"/>
+                      </a:solidFill>
+                      <a:prstDash val="solid"/>
+                      <a:round/>
+                      <a:headEnd len="sm" w="sm" type="none"/>
+                      <a:tailEnd len="sm" w="sm" type="none"/>
+                    </a:lnT>
+                    <a:lnB cap="flat" cmpd="sng" w="9525">
+                      <a:solidFill>
+                        <a:srgbClr val="CCCCCC"/>
+                      </a:solidFill>
+                      <a:prstDash val="solid"/>
+                      <a:round/>
+                      <a:headEnd len="sm" w="sm" type="none"/>
+                      <a:tailEnd len="sm" w="sm" type="none"/>
+                    </a:lnB>
+                  </a:tcPr>
+                </a:tc>
+              </a:tr>
+              <a:tr h="411400">
+                <a:tc>
+                  <a:txBody>
+                    <a:bodyPr/>
+                    <a:lstStyle/>
+                    <a:p>
+                      <a:pPr indent="0" lvl="0" marL="0" rtl="0" algn="r">
+                        <a:lnSpc>
+                          <a:spcPct val="115000"/>
+                        </a:lnSpc>
+                        <a:spcBef>
+                          <a:spcPts val="0"/>
+                        </a:spcBef>
+                        <a:spcAft>
+                          <a:spcPts val="0"/>
+                        </a:spcAft>
+                        <a:buNone/>
+                      </a:pPr>
+                      <a:r>
+                        <a:rPr lang="en"/>
+                        <a:t>30</a:t>
+                      </a:r>
+                      <a:endParaRPr/>
+                    </a:p>
+                  </a:txBody>
+                  <a:tcPr marT="91425" marB="91425" marR="28575" marL="28575" anchor="b">
+                    <a:lnL cap="flat" cmpd="sng" w="9525">
+                      <a:solidFill>
+                        <a:srgbClr val="CCCCCC"/>
+                      </a:solidFill>
+                      <a:prstDash val="solid"/>
+                      <a:round/>
+                      <a:headEnd len="sm" w="sm" type="none"/>
+                      <a:tailEnd len="sm" w="sm" type="none"/>
+                    </a:lnL>
+                    <a:lnR cap="flat" cmpd="sng" w="9525">
+                      <a:solidFill>
+                        <a:srgbClr val="CCCCCC"/>
+                      </a:solidFill>
+                      <a:prstDash val="solid"/>
+                      <a:round/>
+                      <a:headEnd len="sm" w="sm" type="none"/>
+                      <a:tailEnd len="sm" w="sm" type="none"/>
+                    </a:lnR>
+                    <a:lnT cap="flat" cmpd="sng" w="9525">
+                      <a:solidFill>
+                        <a:srgbClr val="CCCCCC"/>
+                      </a:solidFill>
+                      <a:prstDash val="solid"/>
+                      <a:round/>
+                      <a:headEnd len="sm" w="sm" type="none"/>
+                      <a:tailEnd len="sm" w="sm" type="none"/>
+                    </a:lnT>
+                    <a:lnB cap="flat" cmpd="sng" w="9525">
+                      <a:solidFill>
+                        <a:srgbClr val="CCCCCC"/>
+                      </a:solidFill>
+                      <a:prstDash val="solid"/>
+                      <a:round/>
+                      <a:headEnd len="sm" w="sm" type="none"/>
+                      <a:tailEnd len="sm" w="sm" type="none"/>
+                    </a:lnB>
+                  </a:tcPr>
+                </a:tc>
+                <a:tc>
+                  <a:txBody>
+                    <a:bodyPr/>
+                    <a:lstStyle/>
+                    <a:p>
+                      <a:pPr indent="0" lvl="0" marL="0" rtl="0" algn="r">
+                        <a:lnSpc>
+                          <a:spcPct val="115000"/>
+                        </a:lnSpc>
+                        <a:spcBef>
+                          <a:spcPts val="0"/>
+                        </a:spcBef>
+                        <a:spcAft>
+                          <a:spcPts val="0"/>
+                        </a:spcAft>
+                        <a:buNone/>
+                      </a:pPr>
+                      <a:r>
+                        <a:rPr lang="en"/>
+                        <a:t>117</a:t>
+                      </a:r>
+                      <a:endParaRPr/>
+                    </a:p>
+                  </a:txBody>
+                  <a:tcPr marT="91425" marB="91425" marR="28575" marL="28575" anchor="b">
+                    <a:lnL cap="flat" cmpd="sng" w="9525">
+                      <a:solidFill>
+                        <a:srgbClr val="CCCCCC"/>
+                      </a:solidFill>
+                      <a:prstDash val="solid"/>
+                      <a:round/>
+                      <a:headEnd len="sm" w="sm" type="none"/>
+                      <a:tailEnd len="sm" w="sm" type="none"/>
+                    </a:lnL>
+                    <a:lnR cap="flat" cmpd="sng" w="9525">
+                      <a:solidFill>
+                        <a:srgbClr val="CCCCCC"/>
+                      </a:solidFill>
+                      <a:prstDash val="solid"/>
+                      <a:round/>
+                      <a:headEnd len="sm" w="sm" type="none"/>
+                      <a:tailEnd len="sm" w="sm" type="none"/>
+                    </a:lnR>
+                    <a:lnT cap="flat" cmpd="sng" w="9525">
+                      <a:solidFill>
+                        <a:srgbClr val="CCCCCC"/>
+                      </a:solidFill>
+                      <a:prstDash val="solid"/>
+                      <a:round/>
+                      <a:headEnd len="sm" w="sm" type="none"/>
+                      <a:tailEnd len="sm" w="sm" type="none"/>
+                    </a:lnT>
+                    <a:lnB cap="flat" cmpd="sng" w="9525">
+                      <a:solidFill>
+                        <a:srgbClr val="CCCCCC"/>
+                      </a:solidFill>
+                      <a:prstDash val="solid"/>
+                      <a:round/>
+                      <a:headEnd len="sm" w="sm" type="none"/>
+                      <a:tailEnd len="sm" w="sm" type="none"/>
+                    </a:lnB>
+                  </a:tcPr>
+                </a:tc>
+                <a:tc>
+                  <a:txBody>
+                    <a:bodyPr/>
+                    <a:lstStyle/>
+                    <a:p>
+                      <a:pPr indent="0" lvl="0" marL="0" rtl="0" algn="r">
+                        <a:lnSpc>
+                          <a:spcPct val="115000"/>
+                        </a:lnSpc>
+                        <a:spcBef>
+                          <a:spcPts val="0"/>
+                        </a:spcBef>
+                        <a:spcAft>
+                          <a:spcPts val="0"/>
+                        </a:spcAft>
+                        <a:buNone/>
+                      </a:pPr>
+                      <a:r>
+                        <a:rPr lang="en"/>
+                        <a:t>141</a:t>
+                      </a:r>
+                      <a:endParaRPr/>
+                    </a:p>
+                  </a:txBody>
+                  <a:tcPr marT="91425" marB="91425" marR="28575" marL="28575" anchor="b">
+                    <a:lnL cap="flat" cmpd="sng" w="9525">
+                      <a:solidFill>
+                        <a:srgbClr val="CCCCCC"/>
+                      </a:solidFill>
+                      <a:prstDash val="solid"/>
+                      <a:round/>
+                      <a:headEnd len="sm" w="sm" type="none"/>
+                      <a:tailEnd len="sm" w="sm" type="none"/>
+                    </a:lnL>
+                    <a:lnR cap="flat" cmpd="sng" w="9525">
+                      <a:solidFill>
+                        <a:srgbClr val="CCCCCC"/>
+                      </a:solidFill>
+                      <a:prstDash val="solid"/>
+                      <a:round/>
+                      <a:headEnd len="sm" w="sm" type="none"/>
+                      <a:tailEnd len="sm" w="sm" type="none"/>
+                    </a:lnR>
+                    <a:lnT cap="flat" cmpd="sng" w="9525">
+                      <a:solidFill>
+                        <a:srgbClr val="CCCCCC"/>
+                      </a:solidFill>
+                      <a:prstDash val="solid"/>
+                      <a:round/>
+                      <a:headEnd len="sm" w="sm" type="none"/>
+                      <a:tailEnd len="sm" w="sm" type="none"/>
+                    </a:lnT>
+                    <a:lnB cap="flat" cmpd="sng" w="9525">
+                      <a:solidFill>
+                        <a:srgbClr val="CCCCCC"/>
+                      </a:solidFill>
+                      <a:prstDash val="solid"/>
+                      <a:round/>
+                      <a:headEnd len="sm" w="sm" type="none"/>
+                      <a:tailEnd len="sm" w="sm" type="none"/>
+                    </a:lnB>
+                  </a:tcPr>
+                </a:tc>
+                <a:tc>
+                  <a:txBody>
+                    <a:bodyPr/>
+                    <a:lstStyle/>
+                    <a:p>
+                      <a:pPr indent="0" lvl="0" marL="0" rtl="0" algn="r">
+                        <a:lnSpc>
+                          <a:spcPct val="115000"/>
+                        </a:lnSpc>
+                        <a:spcBef>
+                          <a:spcPts val="0"/>
+                        </a:spcBef>
+                        <a:spcAft>
+                          <a:spcPts val="0"/>
+                        </a:spcAft>
+                        <a:buNone/>
+                      </a:pPr>
+                      <a:r>
+                        <a:rPr lang="en"/>
+                        <a:t>162</a:t>
+                      </a:r>
+                      <a:endParaRPr/>
+                    </a:p>
+                  </a:txBody>
+                  <a:tcPr marT="91425" marB="91425" marR="28575" marL="28575" anchor="b">
+                    <a:lnL cap="flat" cmpd="sng" w="9525">
+                      <a:solidFill>
+                        <a:srgbClr val="CCCCCC"/>
+                      </a:solidFill>
+                      <a:prstDash val="solid"/>
+                      <a:round/>
+                      <a:headEnd len="sm" w="sm" type="none"/>
+                      <a:tailEnd len="sm" w="sm" type="none"/>
+                    </a:lnL>
+                    <a:lnR cap="flat" cmpd="sng" w="9525">
+                      <a:solidFill>
+                        <a:srgbClr val="CCCCCC"/>
+                      </a:solidFill>
+                      <a:prstDash val="solid"/>
+                      <a:round/>
+                      <a:headEnd len="sm" w="sm" type="none"/>
+                      <a:tailEnd len="sm" w="sm" type="none"/>
+                    </a:lnR>
+                    <a:lnT cap="flat" cmpd="sng" w="9525">
+                      <a:solidFill>
+                        <a:srgbClr val="CCCCCC"/>
+                      </a:solidFill>
+                      <a:prstDash val="solid"/>
+                      <a:round/>
+                      <a:headEnd len="sm" w="sm" type="none"/>
+                      <a:tailEnd len="sm" w="sm" type="none"/>
+                    </a:lnT>
+                    <a:lnB cap="flat" cmpd="sng" w="9525">
+                      <a:solidFill>
+                        <a:srgbClr val="CCCCCC"/>
+                      </a:solidFill>
+                      <a:prstDash val="solid"/>
+                      <a:round/>
+                      <a:headEnd len="sm" w="sm" type="none"/>
+                      <a:tailEnd len="sm" w="sm" type="none"/>
+                    </a:lnB>
+                  </a:tcPr>
+                </a:tc>
+              </a:tr>
+              <a:tr h="411400">
+                <a:tc>
+                  <a:txBody>
+                    <a:bodyPr/>
+                    <a:lstStyle/>
+                    <a:p>
+                      <a:pPr indent="0" lvl="0" marL="0" rtl="0" algn="r">
+                        <a:lnSpc>
+                          <a:spcPct val="115000"/>
+                        </a:lnSpc>
+                        <a:spcBef>
+                          <a:spcPts val="0"/>
+                        </a:spcBef>
+                        <a:spcAft>
+                          <a:spcPts val="0"/>
+                        </a:spcAft>
+                        <a:buNone/>
+                      </a:pPr>
+                      <a:r>
+                        <a:rPr lang="en"/>
+                        <a:t>40</a:t>
+                      </a:r>
+                      <a:endParaRPr/>
+                    </a:p>
+                  </a:txBody>
+                  <a:tcPr marT="91425" marB="91425" marR="28575" marL="28575" anchor="b">
+                    <a:lnL cap="flat" cmpd="sng" w="9525">
+                      <a:solidFill>
+                        <a:srgbClr val="CCCCCC"/>
+                      </a:solidFill>
+                      <a:prstDash val="solid"/>
+                      <a:round/>
+                      <a:headEnd len="sm" w="sm" type="none"/>
+                      <a:tailEnd len="sm" w="sm" type="none"/>
+                    </a:lnL>
+                    <a:lnR cap="flat" cmpd="sng" w="9525">
+                      <a:solidFill>
+                        <a:srgbClr val="CCCCCC"/>
+                      </a:solidFill>
+                      <a:prstDash val="solid"/>
+                      <a:round/>
+                      <a:headEnd len="sm" w="sm" type="none"/>
+                      <a:tailEnd len="sm" w="sm" type="none"/>
+                    </a:lnR>
+                    <a:lnT cap="flat" cmpd="sng" w="9525">
+                      <a:solidFill>
+                        <a:srgbClr val="CCCCCC"/>
+                      </a:solidFill>
+                      <a:prstDash val="solid"/>
+                      <a:round/>
+                      <a:headEnd len="sm" w="sm" type="none"/>
+                      <a:tailEnd len="sm" w="sm" type="none"/>
+                    </a:lnT>
+                    <a:lnB cap="flat" cmpd="sng" w="9525">
+                      <a:solidFill>
+                        <a:srgbClr val="CCCCCC"/>
+                      </a:solidFill>
+                      <a:prstDash val="solid"/>
+                      <a:round/>
+                      <a:headEnd len="sm" w="sm" type="none"/>
+                      <a:tailEnd len="sm" w="sm" type="none"/>
+                    </a:lnB>
+                  </a:tcPr>
+                </a:tc>
+                <a:tc>
+                  <a:txBody>
+                    <a:bodyPr/>
+                    <a:lstStyle/>
+                    <a:p>
+                      <a:pPr indent="0" lvl="0" marL="0" rtl="0" algn="r">
+                        <a:lnSpc>
+                          <a:spcPct val="115000"/>
+                        </a:lnSpc>
+                        <a:spcBef>
+                          <a:spcPts val="0"/>
+                        </a:spcBef>
+                        <a:spcAft>
+                          <a:spcPts val="0"/>
+                        </a:spcAft>
+                        <a:buNone/>
+                      </a:pPr>
+                      <a:r>
+                        <a:rPr lang="en"/>
+                        <a:t>12733</a:t>
+                      </a:r>
+                      <a:endParaRPr/>
+                    </a:p>
+                  </a:txBody>
+                  <a:tcPr marT="91425" marB="91425" marR="28575" marL="28575" anchor="b">
+                    <a:lnL cap="flat" cmpd="sng" w="9525">
+                      <a:solidFill>
+                        <a:srgbClr val="CCCCCC"/>
+                      </a:solidFill>
+                      <a:prstDash val="solid"/>
+                      <a:round/>
+                      <a:headEnd len="sm" w="sm" type="none"/>
+                      <a:tailEnd len="sm" w="sm" type="none"/>
+                    </a:lnL>
+                    <a:lnR cap="flat" cmpd="sng" w="9525">
+                      <a:solidFill>
+                        <a:srgbClr val="CCCCCC"/>
+                      </a:solidFill>
+                      <a:prstDash val="solid"/>
+                      <a:round/>
+                      <a:headEnd len="sm" w="sm" type="none"/>
+                      <a:tailEnd len="sm" w="sm" type="none"/>
+                    </a:lnR>
+                    <a:lnT cap="flat" cmpd="sng" w="9525">
+                      <a:solidFill>
+                        <a:srgbClr val="CCCCCC"/>
+                      </a:solidFill>
+                      <a:prstDash val="solid"/>
+                      <a:round/>
+                      <a:headEnd len="sm" w="sm" type="none"/>
+                      <a:tailEnd len="sm" w="sm" type="none"/>
+                    </a:lnT>
+                    <a:lnB cap="flat" cmpd="sng" w="9525">
+                      <a:solidFill>
+                        <a:srgbClr val="CCCCCC"/>
+                      </a:solidFill>
+                      <a:prstDash val="solid"/>
+                      <a:round/>
+                      <a:headEnd len="sm" w="sm" type="none"/>
+                      <a:tailEnd len="sm" w="sm" type="none"/>
+                    </a:lnB>
+                  </a:tcPr>
+                </a:tc>
+                <a:tc>
+                  <a:txBody>
+                    <a:bodyPr/>
+                    <a:lstStyle/>
+                    <a:p>
+                      <a:pPr indent="0" lvl="0" marL="0" rtl="0" algn="r">
+                        <a:lnSpc>
+                          <a:spcPct val="115000"/>
+                        </a:lnSpc>
+                        <a:spcBef>
+                          <a:spcPts val="0"/>
+                        </a:spcBef>
+                        <a:spcAft>
+                          <a:spcPts val="0"/>
+                        </a:spcAft>
+                        <a:buNone/>
+                      </a:pPr>
+                      <a:r>
+                        <a:rPr lang="en"/>
+                        <a:t>12464</a:t>
+                      </a:r>
+                      <a:endParaRPr/>
+                    </a:p>
+                  </a:txBody>
+                  <a:tcPr marT="91425" marB="91425" marR="28575" marL="28575" anchor="b">
+                    <a:lnL cap="flat" cmpd="sng" w="9525">
+                      <a:solidFill>
+                        <a:srgbClr val="CCCCCC"/>
+                      </a:solidFill>
+                      <a:prstDash val="solid"/>
+                      <a:round/>
+                      <a:headEnd len="sm" w="sm" type="none"/>
+                      <a:tailEnd len="sm" w="sm" type="none"/>
+                    </a:lnL>
+                    <a:lnR cap="flat" cmpd="sng" w="9525">
+                      <a:solidFill>
+                        <a:srgbClr val="CCCCCC"/>
+                      </a:solidFill>
+                      <a:prstDash val="solid"/>
+                      <a:round/>
+                      <a:headEnd len="sm" w="sm" type="none"/>
+                      <a:tailEnd len="sm" w="sm" type="none"/>
+                    </a:lnR>
+                    <a:lnT cap="flat" cmpd="sng" w="9525">
+                      <a:solidFill>
+                        <a:srgbClr val="CCCCCC"/>
+                      </a:solidFill>
+                      <a:prstDash val="solid"/>
+                      <a:round/>
+                      <a:headEnd len="sm" w="sm" type="none"/>
+                      <a:tailEnd len="sm" w="sm" type="none"/>
+                    </a:lnT>
+                    <a:lnB cap="flat" cmpd="sng" w="9525">
+                      <a:solidFill>
+                        <a:srgbClr val="CCCCCC"/>
+                      </a:solidFill>
+                      <a:prstDash val="solid"/>
+                      <a:round/>
+                      <a:headEnd len="sm" w="sm" type="none"/>
+                      <a:tailEnd len="sm" w="sm" type="none"/>
+                    </a:lnB>
+                  </a:tcPr>
+                </a:tc>
+                <a:tc>
+                  <a:txBody>
+                    <a:bodyPr/>
+                    <a:lstStyle/>
+                    <a:p>
+                      <a:pPr indent="0" lvl="0" marL="0" rtl="0" algn="r">
+                        <a:lnSpc>
+                          <a:spcPct val="115000"/>
+                        </a:lnSpc>
+                        <a:spcBef>
+                          <a:spcPts val="0"/>
+                        </a:spcBef>
+                        <a:spcAft>
+                          <a:spcPts val="0"/>
+                        </a:spcAft>
+                        <a:buNone/>
+                      </a:pPr>
+                      <a:r>
+                        <a:rPr lang="en"/>
+                        <a:t>11993</a:t>
+                      </a:r>
+                      <a:endParaRPr/>
+                    </a:p>
+                  </a:txBody>
+                  <a:tcPr marT="91425" marB="91425" marR="28575" marL="28575" anchor="b">
+                    <a:lnL cap="flat" cmpd="sng" w="9525">
+                      <a:solidFill>
+                        <a:srgbClr val="CCCCCC"/>
+                      </a:solidFill>
+                      <a:prstDash val="solid"/>
+                      <a:round/>
+                      <a:headEnd len="sm" w="sm" type="none"/>
+                      <a:tailEnd len="sm" w="sm" type="none"/>
+                    </a:lnL>
+                    <a:lnR cap="flat" cmpd="sng" w="9525">
+                      <a:solidFill>
+                        <a:srgbClr val="CCCCCC"/>
+                      </a:solidFill>
+                      <a:prstDash val="solid"/>
+                      <a:round/>
+                      <a:headEnd len="sm" w="sm" type="none"/>
+                      <a:tailEnd len="sm" w="sm" type="none"/>
+                    </a:lnR>
+                    <a:lnT cap="flat" cmpd="sng" w="9525">
+                      <a:solidFill>
+                        <a:srgbClr val="CCCCCC"/>
+                      </a:solidFill>
+                      <a:prstDash val="solid"/>
+                      <a:round/>
+                      <a:headEnd len="sm" w="sm" type="none"/>
+                      <a:tailEnd len="sm" w="sm" type="none"/>
+                    </a:lnT>
+                    <a:lnB cap="flat" cmpd="sng" w="9525">
+                      <a:solidFill>
+                        <a:srgbClr val="CCCCCC"/>
+                      </a:solidFill>
+                      <a:prstDash val="solid"/>
+                      <a:round/>
+                      <a:headEnd len="sm" w="sm" type="none"/>
+                      <a:tailEnd len="sm" w="sm" type="none"/>
+                    </a:lnB>
+                  </a:tcPr>
+                </a:tc>
+              </a:tr>
+              <a:tr h="411400">
+                <a:tc>
+                  <a:txBody>
+                    <a:bodyPr/>
+                    <a:lstStyle/>
+                    <a:p>
+                      <a:pPr indent="0" lvl="0" marL="0" rtl="0" algn="r">
+                        <a:lnSpc>
+                          <a:spcPct val="115000"/>
+                        </a:lnSpc>
+                        <a:spcBef>
+                          <a:spcPts val="0"/>
+                        </a:spcBef>
+                        <a:spcAft>
+                          <a:spcPts val="0"/>
+                        </a:spcAft>
+                        <a:buNone/>
+                      </a:pPr>
+                      <a:r>
+                        <a:rPr lang="en"/>
+                        <a:t>50</a:t>
+                      </a:r>
+                      <a:endParaRPr/>
+                    </a:p>
+                  </a:txBody>
+                  <a:tcPr marT="91425" marB="91425" marR="28575" marL="28575" anchor="b">
+                    <a:lnL cap="flat" cmpd="sng" w="9525">
+                      <a:solidFill>
+                        <a:srgbClr val="CCCCCC"/>
+                      </a:solidFill>
+                      <a:prstDash val="solid"/>
+                      <a:round/>
+                      <a:headEnd len="sm" w="sm" type="none"/>
+                      <a:tailEnd len="sm" w="sm" type="none"/>
+                    </a:lnL>
+                    <a:lnR cap="flat" cmpd="sng" w="9525">
+                      <a:solidFill>
+                        <a:srgbClr val="CCCCCC"/>
+                      </a:solidFill>
+                      <a:prstDash val="solid"/>
+                      <a:round/>
+                      <a:headEnd len="sm" w="sm" type="none"/>
+                      <a:tailEnd len="sm" w="sm" type="none"/>
+                    </a:lnR>
+                    <a:lnT cap="flat" cmpd="sng" w="9525">
+                      <a:solidFill>
+                        <a:srgbClr val="CCCCCC"/>
+                      </a:solidFill>
+                      <a:prstDash val="solid"/>
+                      <a:round/>
+                      <a:headEnd len="sm" w="sm" type="none"/>
+                      <a:tailEnd len="sm" w="sm" type="none"/>
+                    </a:lnT>
+                    <a:lnB cap="flat" cmpd="sng" w="9525">
+                      <a:solidFill>
+                        <a:srgbClr val="CCCCCC"/>
+                      </a:solidFill>
+                      <a:prstDash val="solid"/>
+                      <a:round/>
+                      <a:headEnd len="sm" w="sm" type="none"/>
+                      <a:tailEnd len="sm" w="sm" type="none"/>
+                    </a:lnB>
+                  </a:tcPr>
+                </a:tc>
+                <a:tc>
+                  <a:txBody>
+                    <a:bodyPr/>
+                    <a:lstStyle/>
+                    <a:p>
+                      <a:pPr indent="0" lvl="0" marL="0" rtl="0" algn="r">
+                        <a:lnSpc>
+                          <a:spcPct val="115000"/>
+                        </a:lnSpc>
+                        <a:spcBef>
+                          <a:spcPts val="0"/>
+                        </a:spcBef>
+                        <a:spcAft>
+                          <a:spcPts val="0"/>
+                        </a:spcAft>
+                        <a:buNone/>
+                      </a:pPr>
+                      <a:r>
+                        <a:rPr lang="en"/>
+                        <a:t>1431026</a:t>
+                      </a:r>
+                      <a:endParaRPr/>
+                    </a:p>
+                  </a:txBody>
+                  <a:tcPr marT="91425" marB="91425" marR="28575" marL="28575" anchor="b">
+                    <a:lnL cap="flat" cmpd="sng" w="9525">
+                      <a:solidFill>
+                        <a:srgbClr val="CCCCCC"/>
+                      </a:solidFill>
+                      <a:prstDash val="solid"/>
+                      <a:round/>
+                      <a:headEnd len="sm" w="sm" type="none"/>
+                      <a:tailEnd len="sm" w="sm" type="none"/>
+                    </a:lnL>
+                    <a:lnR cap="flat" cmpd="sng" w="9525">
+                      <a:solidFill>
+                        <a:srgbClr val="CCCCCC"/>
+                      </a:solidFill>
+                      <a:prstDash val="solid"/>
+                      <a:round/>
+                      <a:headEnd len="sm" w="sm" type="none"/>
+                      <a:tailEnd len="sm" w="sm" type="none"/>
+                    </a:lnR>
+                    <a:lnT cap="flat" cmpd="sng" w="9525">
+                      <a:solidFill>
+                        <a:srgbClr val="CCCCCC"/>
+                      </a:solidFill>
+                      <a:prstDash val="solid"/>
+                      <a:round/>
+                      <a:headEnd len="sm" w="sm" type="none"/>
+                      <a:tailEnd len="sm" w="sm" type="none"/>
+                    </a:lnT>
+                    <a:lnB cap="flat" cmpd="sng" w="9525">
+                      <a:solidFill>
+                        <a:srgbClr val="CCCCCC"/>
+                      </a:solidFill>
+                      <a:prstDash val="solid"/>
+                      <a:round/>
+                      <a:headEnd len="sm" w="sm" type="none"/>
+                      <a:tailEnd len="sm" w="sm" type="none"/>
+                    </a:lnB>
+                  </a:tcPr>
+                </a:tc>
+                <a:tc>
+                  <a:txBody>
+                    <a:bodyPr/>
+                    <a:lstStyle/>
+                    <a:p>
+                      <a:pPr indent="0" lvl="0" marL="0" rtl="0" algn="r">
+                        <a:lnSpc>
+                          <a:spcPct val="115000"/>
+                        </a:lnSpc>
+                        <a:spcBef>
+                          <a:spcPts val="0"/>
+                        </a:spcBef>
+                        <a:spcAft>
+                          <a:spcPts val="0"/>
+                        </a:spcAft>
+                        <a:buNone/>
+                      </a:pPr>
+                      <a:r>
+                        <a:rPr lang="en"/>
+                        <a:t>1403022</a:t>
+                      </a:r>
+                      <a:endParaRPr/>
+                    </a:p>
+                  </a:txBody>
+                  <a:tcPr marT="91425" marB="91425" marR="28575" marL="28575" anchor="b">
+                    <a:lnL cap="flat" cmpd="sng" w="9525">
+                      <a:solidFill>
+                        <a:srgbClr val="CCCCCC"/>
+                      </a:solidFill>
+                      <a:prstDash val="solid"/>
+                      <a:round/>
+                      <a:headEnd len="sm" w="sm" type="none"/>
+                      <a:tailEnd len="sm" w="sm" type="none"/>
+                    </a:lnL>
+                    <a:lnR cap="flat" cmpd="sng" w="9525">
+                      <a:solidFill>
+                        <a:srgbClr val="CCCCCC"/>
+                      </a:solidFill>
+                      <a:prstDash val="solid"/>
+                      <a:round/>
+                      <a:headEnd len="sm" w="sm" type="none"/>
+                      <a:tailEnd len="sm" w="sm" type="none"/>
+                    </a:lnR>
+                    <a:lnT cap="flat" cmpd="sng" w="9525">
+                      <a:solidFill>
+                        <a:srgbClr val="CCCCCC"/>
+                      </a:solidFill>
+                      <a:prstDash val="solid"/>
+                      <a:round/>
+                      <a:headEnd len="sm" w="sm" type="none"/>
+                      <a:tailEnd len="sm" w="sm" type="none"/>
+                    </a:lnT>
+                    <a:lnB cap="flat" cmpd="sng" w="9525">
+                      <a:solidFill>
+                        <a:srgbClr val="CCCCCC"/>
+                      </a:solidFill>
+                      <a:prstDash val="solid"/>
+                      <a:round/>
+                      <a:headEnd len="sm" w="sm" type="none"/>
+                      <a:tailEnd len="sm" w="sm" type="none"/>
+                    </a:lnB>
+                  </a:tcPr>
+                </a:tc>
+                <a:tc>
+                  <a:txBody>
+                    <a:bodyPr/>
+                    <a:lstStyle/>
+                    <a:p>
+                      <a:pPr indent="0" lvl="0" marL="0" rtl="0" algn="r">
+                        <a:lnSpc>
+                          <a:spcPct val="115000"/>
+                        </a:lnSpc>
+                        <a:spcBef>
+                          <a:spcPts val="0"/>
+                        </a:spcBef>
+                        <a:spcAft>
+                          <a:spcPts val="0"/>
+                        </a:spcAft>
+                        <a:buNone/>
+                      </a:pPr>
+                      <a:r>
+                        <a:rPr lang="en"/>
+                        <a:t>1435057</a:t>
+                      </a:r>
+                      <a:endParaRPr/>
+                    </a:p>
+                  </a:txBody>
+                  <a:tcPr marT="91425" marB="91425" marR="28575" marL="28575" anchor="b">
+                    <a:lnL cap="flat" cmpd="sng" w="9525">
+                      <a:solidFill>
+                        <a:srgbClr val="CCCCCC"/>
+                      </a:solidFill>
+                      <a:prstDash val="solid"/>
+                      <a:round/>
+                      <a:headEnd len="sm" w="sm" type="none"/>
+                      <a:tailEnd len="sm" w="sm" type="none"/>
+                    </a:lnL>
+                    <a:lnR cap="flat" cmpd="sng" w="9525">
+                      <a:solidFill>
+                        <a:srgbClr val="CCCCCC"/>
+                      </a:solidFill>
+                      <a:prstDash val="solid"/>
+                      <a:round/>
+                      <a:headEnd len="sm" w="sm" type="none"/>
+                      <a:tailEnd len="sm" w="sm" type="none"/>
+                    </a:lnR>
+                    <a:lnT cap="flat" cmpd="sng" w="9525">
+                      <a:solidFill>
+                        <a:srgbClr val="CCCCCC"/>
+                      </a:solidFill>
+                      <a:prstDash val="solid"/>
+                      <a:round/>
+                      <a:headEnd len="sm" w="sm" type="none"/>
+                      <a:tailEnd len="sm" w="sm" type="none"/>
+                    </a:lnT>
+                    <a:lnB cap="flat" cmpd="sng" w="9525">
+                      <a:solidFill>
+                        <a:srgbClr val="CCCCCC"/>
+                      </a:solidFill>
+                      <a:prstDash val="solid"/>
+                      <a:round/>
+                      <a:headEnd len="sm" w="sm" type="none"/>
+                      <a:tailEnd len="sm" w="sm" type="none"/>
+                    </a:lnB>
+                  </a:tcPr>
+                </a:tc>
+              </a:tr>
+            </a:tbl>
+          </a:graphicData>
+        </a:graphic>
+      </p:graphicFrame>
+      <p:graphicFrame>
+        <p:nvGraphicFramePr>
+          <p:cNvPr id="138" name="Google Shape;138;p24"/>
+          <p:cNvGraphicFramePr/>
+          <p:nvPr/>
+        </p:nvGraphicFramePr>
+        <p:xfrm>
+          <a:off x="0" y="1270000"/>
+          <a:ext cx="3000000" cy="3000000"/>
+        </p:xfrm>
+        <a:graphic>
+          <a:graphicData uri="http://schemas.openxmlformats.org/drawingml/2006/table">
+            <a:tbl>
+              <a:tblPr>
+                <a:noFill/>
+                <a:tableStyleId>{9B72F05A-3902-444D-A657-EC8DD1952127}</a:tableStyleId>
+              </a:tblPr>
+              <a:tblGrid>
+                <a:gridCol w="570400"/>
+                <a:gridCol w="1442725"/>
+                <a:gridCol w="1207875"/>
+                <a:gridCol w="1207875"/>
+              </a:tblGrid>
+              <a:tr h="190500">
+                <a:tc>
+                  <a:txBody>
+                    <a:bodyPr/>
+                    <a:lstStyle/>
+                    <a:p>
+                      <a:pPr indent="0" lvl="0" marL="0" rtl="0" algn="l">
+                        <a:spcBef>
+                          <a:spcPts val="0"/>
+                        </a:spcBef>
+                        <a:spcAft>
+                          <a:spcPts val="0"/>
+                        </a:spcAft>
+                        <a:buNone/>
+                      </a:pPr>
+                      <a:r>
+                        <a:t/>
+                      </a:r>
+                      <a:endParaRPr/>
+                    </a:p>
+                  </a:txBody>
+                  <a:tcPr marT="91425" marB="91425" marR="28575" marL="28575" anchor="b">
+                    <a:lnL cap="flat" cmpd="sng" w="9525">
+                      <a:solidFill>
+                        <a:srgbClr val="000000"/>
+                      </a:solidFill>
+                      <a:prstDash val="solid"/>
+                      <a:round/>
+                      <a:headEnd len="sm" w="sm" type="none"/>
+                      <a:tailEnd len="sm" w="sm" type="none"/>
+                    </a:lnL>
+                    <a:lnR cap="flat" cmpd="sng" w="9525">
+                      <a:solidFill>
+                        <a:srgbClr val="000000"/>
+                      </a:solidFill>
+                      <a:prstDash val="solid"/>
+                      <a:round/>
+                      <a:headEnd len="sm" w="sm" type="none"/>
+                      <a:tailEnd len="sm" w="sm" type="none"/>
+                    </a:lnR>
+                    <a:lnT cap="flat" cmpd="sng" w="9525">
+                      <a:solidFill>
+                        <a:srgbClr val="000000"/>
+                      </a:solidFill>
+                      <a:prstDash val="solid"/>
+                      <a:round/>
+                      <a:headEnd len="sm" w="sm" type="none"/>
+                      <a:tailEnd len="sm" w="sm" type="none"/>
+                    </a:lnT>
+                    <a:lnB cap="flat" cmpd="sng" w="9525">
+                      <a:solidFill>
+                        <a:srgbClr val="000000"/>
+                      </a:solidFill>
+                      <a:prstDash val="solid"/>
+                      <a:round/>
+                      <a:headEnd len="sm" w="sm" type="none"/>
+                      <a:tailEnd len="sm" w="sm" type="none"/>
+                    </a:lnB>
+                    <a:solidFill>
+                      <a:srgbClr val="92D050"/>
+                    </a:solidFill>
+                  </a:tcPr>
+                </a:tc>
+                <a:tc>
+                  <a:txBody>
+                    <a:bodyPr/>
+                    <a:lstStyle/>
+                    <a:p>
+                      <a:pPr indent="0" lvl="0" marL="0" rtl="0" algn="l">
+                        <a:lnSpc>
+                          <a:spcPct val="115000"/>
+                        </a:lnSpc>
+                        <a:spcBef>
+                          <a:spcPts val="0"/>
+                        </a:spcBef>
+                        <a:spcAft>
+                          <a:spcPts val="0"/>
+                        </a:spcAft>
+                        <a:buNone/>
+                      </a:pPr>
+                      <a:r>
+                        <a:rPr lang="en"/>
+                        <a:t>Dynamic </a:t>
+                      </a:r>
+                      <a:endParaRPr/>
+                    </a:p>
+                  </a:txBody>
+                  <a:tcPr marT="91425" marB="91425" marR="28575" marL="28575" anchor="b">
+                    <a:lnL cap="flat" cmpd="sng" w="9525">
+                      <a:solidFill>
+                        <a:srgbClr val="000000"/>
+                      </a:solidFill>
+                      <a:prstDash val="solid"/>
+                      <a:round/>
+                      <a:headEnd len="sm" w="sm" type="none"/>
+                      <a:tailEnd len="sm" w="sm" type="none"/>
+                    </a:lnL>
+                    <a:lnR cap="flat" cmpd="sng" w="9525">
+                      <a:solidFill>
+                        <a:srgbClr val="000000"/>
+                      </a:solidFill>
+                      <a:prstDash val="solid"/>
+                      <a:round/>
+                      <a:headEnd len="sm" w="sm" type="none"/>
+                      <a:tailEnd len="sm" w="sm" type="none"/>
+                    </a:lnR>
+                    <a:lnT cap="flat" cmpd="sng" w="9525">
+                      <a:solidFill>
+                        <a:srgbClr val="000000"/>
+                      </a:solidFill>
+                      <a:prstDash val="solid"/>
+                      <a:round/>
+                      <a:headEnd len="sm" w="sm" type="none"/>
+                      <a:tailEnd len="sm" w="sm" type="none"/>
+                    </a:lnT>
+                    <a:lnB cap="flat" cmpd="sng" w="9525">
+                      <a:solidFill>
+                        <a:srgbClr val="000000"/>
+                      </a:solidFill>
+                      <a:prstDash val="solid"/>
+                      <a:round/>
+                      <a:headEnd len="sm" w="sm" type="none"/>
+                      <a:tailEnd len="sm" w="sm" type="none"/>
+                    </a:lnB>
+                    <a:solidFill>
+                      <a:srgbClr val="92D050"/>
+                    </a:solidFill>
+                  </a:tcPr>
+                </a:tc>
+                <a:tc>
+                  <a:txBody>
+                    <a:bodyPr/>
+                    <a:lstStyle/>
+                    <a:p>
+                      <a:pPr indent="0" lvl="0" marL="0" rtl="0" algn="l">
+                        <a:lnSpc>
+                          <a:spcPct val="115000"/>
+                        </a:lnSpc>
+                        <a:spcBef>
+                          <a:spcPts val="0"/>
+                        </a:spcBef>
+                        <a:spcAft>
+                          <a:spcPts val="0"/>
+                        </a:spcAft>
+                        <a:buNone/>
+                      </a:pPr>
+                      <a:r>
+                        <a:rPr lang="en"/>
+                        <a:t>Programming</a:t>
+                      </a:r>
+                      <a:endParaRPr/>
+                    </a:p>
+                  </a:txBody>
+                  <a:tcPr marT="91425" marB="91425" marR="28575" marL="28575" anchor="b">
+                    <a:lnL cap="flat" cmpd="sng" w="9525">
+                      <a:solidFill>
+                        <a:srgbClr val="000000"/>
+                      </a:solidFill>
+                      <a:prstDash val="solid"/>
+                      <a:round/>
+                      <a:headEnd len="sm" w="sm" type="none"/>
+                      <a:tailEnd len="sm" w="sm" type="none"/>
+                    </a:lnL>
+                    <a:lnR cap="flat" cmpd="sng" w="9525">
+                      <a:solidFill>
+                        <a:srgbClr val="000000"/>
+                      </a:solidFill>
+                      <a:prstDash val="solid"/>
+                      <a:round/>
+                      <a:headEnd len="sm" w="sm" type="none"/>
+                      <a:tailEnd len="sm" w="sm" type="none"/>
+                    </a:lnR>
+                    <a:lnT cap="flat" cmpd="sng" w="9525">
+                      <a:solidFill>
+                        <a:srgbClr val="000000"/>
+                      </a:solidFill>
+                      <a:prstDash val="solid"/>
+                      <a:round/>
+                      <a:headEnd len="sm" w="sm" type="none"/>
+                      <a:tailEnd len="sm" w="sm" type="none"/>
+                    </a:lnT>
+                    <a:lnB cap="flat" cmpd="sng" w="9525">
+                      <a:solidFill>
+                        <a:srgbClr val="000000"/>
+                      </a:solidFill>
+                      <a:prstDash val="solid"/>
+                      <a:round/>
+                      <a:headEnd len="sm" w="sm" type="none"/>
+                      <a:tailEnd len="sm" w="sm" type="none"/>
+                    </a:lnB>
+                    <a:solidFill>
+                      <a:srgbClr val="92D050"/>
+                    </a:solidFill>
+                  </a:tcPr>
+                </a:tc>
+                <a:tc>
+                  <a:txBody>
+                    <a:bodyPr/>
+                    <a:lstStyle/>
+                    <a:p>
+                      <a:pPr indent="0" lvl="0" marL="0" rtl="0" algn="l">
+                        <a:spcBef>
+                          <a:spcPts val="0"/>
+                        </a:spcBef>
+                        <a:spcAft>
+                          <a:spcPts val="0"/>
+                        </a:spcAft>
+                        <a:buNone/>
+                      </a:pPr>
+                      <a:r>
+                        <a:t/>
+                      </a:r>
+                      <a:endParaRPr/>
+                    </a:p>
+                  </a:txBody>
+                  <a:tcPr marT="91425" marB="91425" marR="28575" marL="28575" anchor="b">
+                    <a:lnL cap="flat" cmpd="sng" w="9525">
+                      <a:solidFill>
+                        <a:srgbClr val="000000"/>
+                      </a:solidFill>
+                      <a:prstDash val="solid"/>
+                      <a:round/>
+                      <a:headEnd len="sm" w="sm" type="none"/>
+                      <a:tailEnd len="sm" w="sm" type="none"/>
+                    </a:lnL>
+                    <a:lnR cap="flat" cmpd="sng" w="9525">
+                      <a:solidFill>
+                        <a:srgbClr val="000000"/>
+                      </a:solidFill>
+                      <a:prstDash val="solid"/>
+                      <a:round/>
+                      <a:headEnd len="sm" w="sm" type="none"/>
+                      <a:tailEnd len="sm" w="sm" type="none"/>
+                    </a:lnR>
+                    <a:lnT cap="flat" cmpd="sng" w="9525">
+                      <a:solidFill>
+                        <a:srgbClr val="000000"/>
+                      </a:solidFill>
+                      <a:prstDash val="solid"/>
+                      <a:round/>
+                      <a:headEnd len="sm" w="sm" type="none"/>
+                      <a:tailEnd len="sm" w="sm" type="none"/>
+                    </a:lnT>
+                    <a:lnB cap="flat" cmpd="sng" w="9525">
+                      <a:solidFill>
+                        <a:srgbClr val="000000"/>
+                      </a:solidFill>
+                      <a:prstDash val="solid"/>
+                      <a:round/>
+                      <a:headEnd len="sm" w="sm" type="none"/>
+                      <a:tailEnd len="sm" w="sm" type="none"/>
+                    </a:lnB>
+                    <a:solidFill>
+                      <a:srgbClr val="92D050"/>
+                    </a:solidFill>
+                  </a:tcPr>
+                </a:tc>
+              </a:tr>
+              <a:tr h="190500">
+                <a:tc>
+                  <a:txBody>
+                    <a:bodyPr/>
+                    <a:lstStyle/>
+                    <a:p>
+                      <a:pPr indent="0" lvl="0" marL="0" rtl="0" algn="l">
+                        <a:lnSpc>
+                          <a:spcPct val="115000"/>
+                        </a:lnSpc>
+                        <a:spcBef>
+                          <a:spcPts val="0"/>
+                        </a:spcBef>
+                        <a:spcAft>
+                          <a:spcPts val="0"/>
+                        </a:spcAft>
+                        <a:buNone/>
+                      </a:pPr>
+                      <a:r>
+                        <a:rPr lang="en"/>
+                        <a:t>n</a:t>
+                      </a:r>
+                      <a:endParaRPr/>
+                    </a:p>
+                  </a:txBody>
+                  <a:tcPr marT="91425" marB="91425" marR="28575" marL="28575" anchor="b">
+                    <a:lnL cap="flat" cmpd="sng" w="9525">
+                      <a:solidFill>
+                        <a:srgbClr val="CCCCCC"/>
+                      </a:solidFill>
+                      <a:prstDash val="solid"/>
+                      <a:round/>
+                      <a:headEnd len="sm" w="sm" type="none"/>
+                      <a:tailEnd len="sm" w="sm" type="none"/>
+                    </a:lnL>
+                    <a:lnR cap="flat" cmpd="sng" w="9525">
+                      <a:solidFill>
+                        <a:srgbClr val="CCCCCC"/>
+                      </a:solidFill>
+                      <a:prstDash val="solid"/>
+                      <a:round/>
+                      <a:headEnd len="sm" w="sm" type="none"/>
+                      <a:tailEnd len="sm" w="sm" type="none"/>
+                    </a:lnR>
+                    <a:lnT cap="flat" cmpd="sng" w="9525">
+                      <a:solidFill>
+                        <a:srgbClr val="000000"/>
+                      </a:solidFill>
+                      <a:prstDash val="solid"/>
+                      <a:round/>
+                      <a:headEnd len="sm" w="sm" type="none"/>
+                      <a:tailEnd len="sm" w="sm" type="none"/>
+                    </a:lnT>
+                    <a:lnB cap="flat" cmpd="sng" w="9525">
+                      <a:solidFill>
+                        <a:srgbClr val="CCCCCC"/>
+                      </a:solidFill>
+                      <a:prstDash val="solid"/>
+                      <a:round/>
+                      <a:headEnd len="sm" w="sm" type="none"/>
+                      <a:tailEnd len="sm" w="sm" type="none"/>
+                    </a:lnB>
+                  </a:tcPr>
+                </a:tc>
+                <a:tc>
+                  <a:txBody>
+                    <a:bodyPr/>
+                    <a:lstStyle/>
+                    <a:p>
+                      <a:pPr indent="0" lvl="0" marL="0" rtl="0" algn="l">
+                        <a:lnSpc>
+                          <a:spcPct val="115000"/>
+                        </a:lnSpc>
+                        <a:spcBef>
+                          <a:spcPts val="0"/>
+                        </a:spcBef>
+                        <a:spcAft>
+                          <a:spcPts val="0"/>
+                        </a:spcAft>
+                        <a:buNone/>
+                      </a:pPr>
+                      <a:r>
+                        <a:rPr lang="en"/>
+                        <a:t>Test 1 Runtime (ms)</a:t>
+                      </a:r>
+                      <a:endParaRPr/>
+                    </a:p>
+                  </a:txBody>
+                  <a:tcPr marT="91425" marB="91425" marR="28575" marL="28575" anchor="b">
+                    <a:lnL cap="flat" cmpd="sng" w="9525">
+                      <a:solidFill>
+                        <a:srgbClr val="CCCCCC"/>
+                      </a:solidFill>
+                      <a:prstDash val="solid"/>
+                      <a:round/>
+                      <a:headEnd len="sm" w="sm" type="none"/>
+                      <a:tailEnd len="sm" w="sm" type="none"/>
+                    </a:lnL>
+                    <a:lnR cap="flat" cmpd="sng" w="9525">
+                      <a:solidFill>
+                        <a:srgbClr val="CCCCCC"/>
+                      </a:solidFill>
+                      <a:prstDash val="solid"/>
+                      <a:round/>
+                      <a:headEnd len="sm" w="sm" type="none"/>
+                      <a:tailEnd len="sm" w="sm" type="none"/>
+                    </a:lnR>
+                    <a:lnT cap="flat" cmpd="sng" w="9525">
+                      <a:solidFill>
+                        <a:srgbClr val="000000"/>
+                      </a:solidFill>
+                      <a:prstDash val="solid"/>
+                      <a:round/>
+                      <a:headEnd len="sm" w="sm" type="none"/>
+                      <a:tailEnd len="sm" w="sm" type="none"/>
+                    </a:lnT>
+                    <a:lnB cap="flat" cmpd="sng" w="9525">
+                      <a:solidFill>
+                        <a:srgbClr val="CCCCCC"/>
+                      </a:solidFill>
+                      <a:prstDash val="solid"/>
+                      <a:round/>
+                      <a:headEnd len="sm" w="sm" type="none"/>
+                      <a:tailEnd len="sm" w="sm" type="none"/>
+                    </a:lnB>
+                  </a:tcPr>
+                </a:tc>
+                <a:tc>
+                  <a:txBody>
+                    <a:bodyPr/>
+                    <a:lstStyle/>
+                    <a:p>
+                      <a:pPr indent="0" lvl="0" marL="0" rtl="0" algn="l">
+                        <a:lnSpc>
+                          <a:spcPct val="115000"/>
+                        </a:lnSpc>
+                        <a:spcBef>
+                          <a:spcPts val="0"/>
+                        </a:spcBef>
+                        <a:spcAft>
+                          <a:spcPts val="0"/>
+                        </a:spcAft>
+                        <a:buNone/>
+                      </a:pPr>
+                      <a:r>
+                        <a:rPr lang="en"/>
+                        <a:t>Test 2 runtime (ms)</a:t>
+                      </a:r>
+                      <a:endParaRPr/>
+                    </a:p>
+                  </a:txBody>
+                  <a:tcPr marT="91425" marB="91425" marR="28575" marL="28575" anchor="b">
+                    <a:lnL cap="flat" cmpd="sng" w="9525">
+                      <a:solidFill>
+                        <a:srgbClr val="CCCCCC"/>
+                      </a:solidFill>
+                      <a:prstDash val="solid"/>
+                      <a:round/>
+                      <a:headEnd len="sm" w="sm" type="none"/>
+                      <a:tailEnd len="sm" w="sm" type="none"/>
+                    </a:lnL>
+                    <a:lnR cap="flat" cmpd="sng" w="9525">
+                      <a:solidFill>
+                        <a:srgbClr val="CCCCCC"/>
+                      </a:solidFill>
+                      <a:prstDash val="solid"/>
+                      <a:round/>
+                      <a:headEnd len="sm" w="sm" type="none"/>
+                      <a:tailEnd len="sm" w="sm" type="none"/>
+                    </a:lnR>
+                    <a:lnT cap="flat" cmpd="sng" w="9525">
+                      <a:solidFill>
+                        <a:srgbClr val="000000"/>
+                      </a:solidFill>
+                      <a:prstDash val="solid"/>
+                      <a:round/>
+                      <a:headEnd len="sm" w="sm" type="none"/>
+                      <a:tailEnd len="sm" w="sm" type="none"/>
+                    </a:lnT>
+                    <a:lnB cap="flat" cmpd="sng" w="9525">
+                      <a:solidFill>
+                        <a:srgbClr val="CCCCCC"/>
+                      </a:solidFill>
+                      <a:prstDash val="solid"/>
+                      <a:round/>
+                      <a:headEnd len="sm" w="sm" type="none"/>
+                      <a:tailEnd len="sm" w="sm" type="none"/>
+                    </a:lnB>
+                  </a:tcPr>
+                </a:tc>
+                <a:tc>
+                  <a:txBody>
+                    <a:bodyPr/>
+                    <a:lstStyle/>
+                    <a:p>
+                      <a:pPr indent="0" lvl="0" marL="0" rtl="0" algn="l">
+                        <a:lnSpc>
+                          <a:spcPct val="115000"/>
+                        </a:lnSpc>
+                        <a:spcBef>
+                          <a:spcPts val="0"/>
+                        </a:spcBef>
+                        <a:spcAft>
+                          <a:spcPts val="0"/>
+                        </a:spcAft>
+                        <a:buNone/>
+                      </a:pPr>
+                      <a:r>
+                        <a:rPr lang="en"/>
+                        <a:t>Test 3 runtime (ms)</a:t>
+                      </a:r>
+                      <a:endParaRPr/>
+                    </a:p>
+                  </a:txBody>
+                  <a:tcPr marT="91425" marB="91425" marR="28575" marL="28575" anchor="b">
+                    <a:lnL cap="flat" cmpd="sng" w="9525">
+                      <a:solidFill>
+                        <a:srgbClr val="CCCCCC"/>
+                      </a:solidFill>
+                      <a:prstDash val="solid"/>
+                      <a:round/>
+                      <a:headEnd len="sm" w="sm" type="none"/>
+                      <a:tailEnd len="sm" w="sm" type="none"/>
+                    </a:lnL>
+                    <a:lnR cap="flat" cmpd="sng" w="9525">
+                      <a:solidFill>
+                        <a:srgbClr val="CCCCCC"/>
+                      </a:solidFill>
+                      <a:prstDash val="solid"/>
+                      <a:round/>
+                      <a:headEnd len="sm" w="sm" type="none"/>
+                      <a:tailEnd len="sm" w="sm" type="none"/>
+                    </a:lnR>
+                    <a:lnT cap="flat" cmpd="sng" w="9525">
+                      <a:solidFill>
+                        <a:srgbClr val="000000"/>
+                      </a:solidFill>
+                      <a:prstDash val="solid"/>
+                      <a:round/>
+                      <a:headEnd len="sm" w="sm" type="none"/>
+                      <a:tailEnd len="sm" w="sm" type="none"/>
+                    </a:lnT>
+                    <a:lnB cap="flat" cmpd="sng" w="9525">
+                      <a:solidFill>
+                        <a:srgbClr val="CCCCCC"/>
+                      </a:solidFill>
+                      <a:prstDash val="solid"/>
+                      <a:round/>
+                      <a:headEnd len="sm" w="sm" type="none"/>
+                      <a:tailEnd len="sm" w="sm" type="none"/>
+                    </a:lnB>
+                  </a:tcPr>
+                </a:tc>
+              </a:tr>
+              <a:tr h="190500">
+                <a:tc>
+                  <a:txBody>
+                    <a:bodyPr/>
+                    <a:lstStyle/>
+                    <a:p>
+                      <a:pPr indent="0" lvl="0" marL="0" rtl="0" algn="r">
+                        <a:lnSpc>
+                          <a:spcPct val="115000"/>
+                        </a:lnSpc>
+                        <a:spcBef>
+                          <a:spcPts val="0"/>
+                        </a:spcBef>
+                        <a:spcAft>
+                          <a:spcPts val="0"/>
+                        </a:spcAft>
+                        <a:buNone/>
+                      </a:pPr>
+                      <a:r>
+                        <a:rPr lang="en"/>
+                        <a:t>10</a:t>
+                      </a:r>
+                      <a:endParaRPr/>
+                    </a:p>
+                  </a:txBody>
+                  <a:tcPr marT="91425" marB="91425" marR="28575" marL="28575" anchor="b">
+                    <a:lnL cap="flat" cmpd="sng" w="9525">
+                      <a:solidFill>
+                        <a:srgbClr val="CCCCCC"/>
+                      </a:solidFill>
+                      <a:prstDash val="solid"/>
+                      <a:round/>
+                      <a:headEnd len="sm" w="sm" type="none"/>
+                      <a:tailEnd len="sm" w="sm" type="none"/>
+                    </a:lnL>
+                    <a:lnR cap="flat" cmpd="sng" w="9525">
+                      <a:solidFill>
+                        <a:srgbClr val="CCCCCC"/>
+                      </a:solidFill>
+                      <a:prstDash val="solid"/>
+                      <a:round/>
+                      <a:headEnd len="sm" w="sm" type="none"/>
+                      <a:tailEnd len="sm" w="sm" type="none"/>
+                    </a:lnR>
+                    <a:lnT cap="flat" cmpd="sng" w="9525">
+                      <a:solidFill>
+                        <a:srgbClr val="CCCCCC"/>
+                      </a:solidFill>
+                      <a:prstDash val="solid"/>
+                      <a:round/>
+                      <a:headEnd len="sm" w="sm" type="none"/>
+                      <a:tailEnd len="sm" w="sm" type="none"/>
+                    </a:lnT>
+                    <a:lnB cap="flat" cmpd="sng" w="9525">
+                      <a:solidFill>
+                        <a:srgbClr val="CCCCCC"/>
+                      </a:solidFill>
+                      <a:prstDash val="solid"/>
+                      <a:round/>
+                      <a:headEnd len="sm" w="sm" type="none"/>
+                      <a:tailEnd len="sm" w="sm" type="none"/>
+                    </a:lnB>
+                  </a:tcPr>
+                </a:tc>
+                <a:tc>
+                  <a:txBody>
+                    <a:bodyPr/>
+                    <a:lstStyle/>
+                    <a:p>
+                      <a:pPr indent="0" lvl="0" marL="0" rtl="0" algn="r">
+                        <a:lnSpc>
+                          <a:spcPct val="115000"/>
+                        </a:lnSpc>
+                        <a:spcBef>
+                          <a:spcPts val="0"/>
+                        </a:spcBef>
+                        <a:spcAft>
+                          <a:spcPts val="0"/>
+                        </a:spcAft>
+                        <a:buNone/>
+                      </a:pPr>
+                      <a:r>
+                        <a:rPr lang="en"/>
+                        <a:t>3</a:t>
+                      </a:r>
+                      <a:endParaRPr/>
+                    </a:p>
+                  </a:txBody>
+                  <a:tcPr marT="91425" marB="91425" marR="28575" marL="28575" anchor="b">
+                    <a:lnL cap="flat" cmpd="sng" w="9525">
+                      <a:solidFill>
+                        <a:srgbClr val="CCCCCC"/>
+                      </a:solidFill>
+                      <a:prstDash val="solid"/>
+                      <a:round/>
+                      <a:headEnd len="sm" w="sm" type="none"/>
+                      <a:tailEnd len="sm" w="sm" type="none"/>
+                    </a:lnL>
+                    <a:lnR cap="flat" cmpd="sng" w="9525">
+                      <a:solidFill>
+                        <a:srgbClr val="CCCCCC"/>
+                      </a:solidFill>
+                      <a:prstDash val="solid"/>
+                      <a:round/>
+                      <a:headEnd len="sm" w="sm" type="none"/>
+                      <a:tailEnd len="sm" w="sm" type="none"/>
+                    </a:lnR>
+                    <a:lnT cap="flat" cmpd="sng" w="9525">
+                      <a:solidFill>
+                        <a:srgbClr val="CCCCCC"/>
+                      </a:solidFill>
+                      <a:prstDash val="solid"/>
+                      <a:round/>
+                      <a:headEnd len="sm" w="sm" type="none"/>
+                      <a:tailEnd len="sm" w="sm" type="none"/>
+                    </a:lnT>
+                    <a:lnB cap="flat" cmpd="sng" w="9525">
+                      <a:solidFill>
+                        <a:srgbClr val="CCCCCC"/>
+                      </a:solidFill>
+                      <a:prstDash val="solid"/>
+                      <a:round/>
+                      <a:headEnd len="sm" w="sm" type="none"/>
+                      <a:tailEnd len="sm" w="sm" type="none"/>
+                    </a:lnB>
+                  </a:tcPr>
+                </a:tc>
+                <a:tc>
+                  <a:txBody>
+                    <a:bodyPr/>
+                    <a:lstStyle/>
+                    <a:p>
+                      <a:pPr indent="0" lvl="0" marL="0" rtl="0" algn="r">
+                        <a:lnSpc>
+                          <a:spcPct val="115000"/>
+                        </a:lnSpc>
+                        <a:spcBef>
+                          <a:spcPts val="0"/>
+                        </a:spcBef>
+                        <a:spcAft>
+                          <a:spcPts val="0"/>
+                        </a:spcAft>
+                        <a:buNone/>
+                      </a:pPr>
+                      <a:r>
+                        <a:rPr lang="en"/>
+                        <a:t>1</a:t>
+                      </a:r>
+                      <a:endParaRPr/>
+                    </a:p>
+                  </a:txBody>
+                  <a:tcPr marT="91425" marB="91425" marR="28575" marL="28575" anchor="b">
+                    <a:lnL cap="flat" cmpd="sng" w="9525">
+                      <a:solidFill>
+                        <a:srgbClr val="CCCCCC"/>
+                      </a:solidFill>
+                      <a:prstDash val="solid"/>
+                      <a:round/>
+                      <a:headEnd len="sm" w="sm" type="none"/>
+                      <a:tailEnd len="sm" w="sm" type="none"/>
+                    </a:lnL>
+                    <a:lnR cap="flat" cmpd="sng" w="9525">
+                      <a:solidFill>
+                        <a:srgbClr val="CCCCCC"/>
+                      </a:solidFill>
+                      <a:prstDash val="solid"/>
+                      <a:round/>
+                      <a:headEnd len="sm" w="sm" type="none"/>
+                      <a:tailEnd len="sm" w="sm" type="none"/>
+                    </a:lnR>
+                    <a:lnT cap="flat" cmpd="sng" w="9525">
+                      <a:solidFill>
+                        <a:srgbClr val="CCCCCC"/>
+                      </a:solidFill>
+                      <a:prstDash val="solid"/>
+                      <a:round/>
+                      <a:headEnd len="sm" w="sm" type="none"/>
+                      <a:tailEnd len="sm" w="sm" type="none"/>
+                    </a:lnT>
+                    <a:lnB cap="flat" cmpd="sng" w="9525">
+                      <a:solidFill>
+                        <a:srgbClr val="CCCCCC"/>
+                      </a:solidFill>
+                      <a:prstDash val="solid"/>
+                      <a:round/>
+                      <a:headEnd len="sm" w="sm" type="none"/>
+                      <a:tailEnd len="sm" w="sm" type="none"/>
+                    </a:lnB>
+                  </a:tcPr>
+                </a:tc>
+                <a:tc>
+                  <a:txBody>
+                    <a:bodyPr/>
+                    <a:lstStyle/>
+                    <a:p>
+                      <a:pPr indent="0" lvl="0" marL="0" rtl="0" algn="r">
+                        <a:lnSpc>
+                          <a:spcPct val="115000"/>
+                        </a:lnSpc>
+                        <a:spcBef>
+                          <a:spcPts val="0"/>
+                        </a:spcBef>
+                        <a:spcAft>
+                          <a:spcPts val="0"/>
+                        </a:spcAft>
+                        <a:buNone/>
+                      </a:pPr>
+                      <a:r>
+                        <a:rPr lang="en"/>
+                        <a:t>1</a:t>
+                      </a:r>
+                      <a:endParaRPr/>
+                    </a:p>
+                  </a:txBody>
+                  <a:tcPr marT="91425" marB="91425" marR="28575" marL="28575" anchor="b">
+                    <a:lnL cap="flat" cmpd="sng" w="9525">
+                      <a:solidFill>
+                        <a:srgbClr val="CCCCCC"/>
+                      </a:solidFill>
+                      <a:prstDash val="solid"/>
+                      <a:round/>
+                      <a:headEnd len="sm" w="sm" type="none"/>
+                      <a:tailEnd len="sm" w="sm" type="none"/>
+                    </a:lnL>
+                    <a:lnR cap="flat" cmpd="sng" w="9525">
+                      <a:solidFill>
+                        <a:srgbClr val="CCCCCC"/>
+                      </a:solidFill>
+                      <a:prstDash val="solid"/>
+                      <a:round/>
+                      <a:headEnd len="sm" w="sm" type="none"/>
+                      <a:tailEnd len="sm" w="sm" type="none"/>
+                    </a:lnR>
+                    <a:lnT cap="flat" cmpd="sng" w="9525">
+                      <a:solidFill>
+                        <a:srgbClr val="CCCCCC"/>
+                      </a:solidFill>
+                      <a:prstDash val="solid"/>
+                      <a:round/>
+                      <a:headEnd len="sm" w="sm" type="none"/>
+                      <a:tailEnd len="sm" w="sm" type="none"/>
+                    </a:lnT>
+                    <a:lnB cap="flat" cmpd="sng" w="9525">
+                      <a:solidFill>
+                        <a:srgbClr val="CCCCCC"/>
+                      </a:solidFill>
+                      <a:prstDash val="solid"/>
+                      <a:round/>
+                      <a:headEnd len="sm" w="sm" type="none"/>
+                      <a:tailEnd len="sm" w="sm" type="none"/>
+                    </a:lnB>
+                  </a:tcPr>
+                </a:tc>
+              </a:tr>
+              <a:tr h="190500">
+                <a:tc>
+                  <a:txBody>
+                    <a:bodyPr/>
+                    <a:lstStyle/>
+                    <a:p>
+                      <a:pPr indent="0" lvl="0" marL="0" rtl="0" algn="r">
+                        <a:lnSpc>
+                          <a:spcPct val="115000"/>
+                        </a:lnSpc>
+                        <a:spcBef>
+                          <a:spcPts val="0"/>
+                        </a:spcBef>
+                        <a:spcAft>
+                          <a:spcPts val="0"/>
+                        </a:spcAft>
+                        <a:buNone/>
+                      </a:pPr>
+                      <a:r>
+                        <a:rPr lang="en"/>
+                        <a:t>20</a:t>
+                      </a:r>
+                      <a:endParaRPr/>
+                    </a:p>
+                  </a:txBody>
+                  <a:tcPr marT="91425" marB="91425" marR="28575" marL="28575" anchor="b">
+                    <a:lnL cap="flat" cmpd="sng" w="9525">
+                      <a:solidFill>
+                        <a:srgbClr val="CCCCCC"/>
+                      </a:solidFill>
+                      <a:prstDash val="solid"/>
+                      <a:round/>
+                      <a:headEnd len="sm" w="sm" type="none"/>
+                      <a:tailEnd len="sm" w="sm" type="none"/>
+                    </a:lnL>
+                    <a:lnR cap="flat" cmpd="sng" w="9525">
+                      <a:solidFill>
+                        <a:srgbClr val="CCCCCC"/>
+                      </a:solidFill>
+                      <a:prstDash val="solid"/>
+                      <a:round/>
+                      <a:headEnd len="sm" w="sm" type="none"/>
+                      <a:tailEnd len="sm" w="sm" type="none"/>
+                    </a:lnR>
+                    <a:lnT cap="flat" cmpd="sng" w="9525">
+                      <a:solidFill>
+                        <a:srgbClr val="CCCCCC"/>
+                      </a:solidFill>
+                      <a:prstDash val="solid"/>
+                      <a:round/>
+                      <a:headEnd len="sm" w="sm" type="none"/>
+                      <a:tailEnd len="sm" w="sm" type="none"/>
+                    </a:lnT>
+                    <a:lnB cap="flat" cmpd="sng" w="9525">
+                      <a:solidFill>
+                        <a:srgbClr val="CCCCCC"/>
+                      </a:solidFill>
+                      <a:prstDash val="solid"/>
+                      <a:round/>
+                      <a:headEnd len="sm" w="sm" type="none"/>
+                      <a:tailEnd len="sm" w="sm" type="none"/>
+                    </a:lnB>
+                  </a:tcPr>
+                </a:tc>
+                <a:tc>
+                  <a:txBody>
+                    <a:bodyPr/>
+                    <a:lstStyle/>
+                    <a:p>
+                      <a:pPr indent="0" lvl="0" marL="0" rtl="0" algn="r">
+                        <a:lnSpc>
+                          <a:spcPct val="115000"/>
+                        </a:lnSpc>
+                        <a:spcBef>
+                          <a:spcPts val="0"/>
+                        </a:spcBef>
+                        <a:spcAft>
+                          <a:spcPts val="0"/>
+                        </a:spcAft>
+                        <a:buNone/>
+                      </a:pPr>
+                      <a:r>
+                        <a:rPr lang="en"/>
+                        <a:t>3</a:t>
+                      </a:r>
+                      <a:endParaRPr/>
+                    </a:p>
+                  </a:txBody>
+                  <a:tcPr marT="91425" marB="91425" marR="28575" marL="28575" anchor="b">
+                    <a:lnL cap="flat" cmpd="sng" w="9525">
+                      <a:solidFill>
+                        <a:srgbClr val="CCCCCC"/>
+                      </a:solidFill>
+                      <a:prstDash val="solid"/>
+                      <a:round/>
+                      <a:headEnd len="sm" w="sm" type="none"/>
+                      <a:tailEnd len="sm" w="sm" type="none"/>
+                    </a:lnL>
+                    <a:lnR cap="flat" cmpd="sng" w="9525">
+                      <a:solidFill>
+                        <a:srgbClr val="CCCCCC"/>
+                      </a:solidFill>
+                      <a:prstDash val="solid"/>
+                      <a:round/>
+                      <a:headEnd len="sm" w="sm" type="none"/>
+                      <a:tailEnd len="sm" w="sm" type="none"/>
+                    </a:lnR>
+                    <a:lnT cap="flat" cmpd="sng" w="9525">
+                      <a:solidFill>
+                        <a:srgbClr val="CCCCCC"/>
+                      </a:solidFill>
+                      <a:prstDash val="solid"/>
+                      <a:round/>
+                      <a:headEnd len="sm" w="sm" type="none"/>
+                      <a:tailEnd len="sm" w="sm" type="none"/>
+                    </a:lnT>
+                    <a:lnB cap="flat" cmpd="sng" w="9525">
+                      <a:solidFill>
+                        <a:srgbClr val="CCCCCC"/>
+                      </a:solidFill>
+                      <a:prstDash val="solid"/>
+                      <a:round/>
+                      <a:headEnd len="sm" w="sm" type="none"/>
+                      <a:tailEnd len="sm" w="sm" type="none"/>
+                    </a:lnB>
+                  </a:tcPr>
+                </a:tc>
+                <a:tc>
+                  <a:txBody>
+                    <a:bodyPr/>
+                    <a:lstStyle/>
+                    <a:p>
+                      <a:pPr indent="0" lvl="0" marL="0" rtl="0" algn="r">
+                        <a:lnSpc>
+                          <a:spcPct val="115000"/>
+                        </a:lnSpc>
+                        <a:spcBef>
+                          <a:spcPts val="0"/>
+                        </a:spcBef>
+                        <a:spcAft>
+                          <a:spcPts val="0"/>
+                        </a:spcAft>
+                        <a:buNone/>
+                      </a:pPr>
+                      <a:r>
+                        <a:rPr lang="en"/>
+                        <a:t>3</a:t>
+                      </a:r>
+                      <a:endParaRPr/>
+                    </a:p>
+                  </a:txBody>
+                  <a:tcPr marT="91425" marB="91425" marR="28575" marL="28575" anchor="b">
+                    <a:lnL cap="flat" cmpd="sng" w="9525">
+                      <a:solidFill>
+                        <a:srgbClr val="CCCCCC"/>
+                      </a:solidFill>
+                      <a:prstDash val="solid"/>
+                      <a:round/>
+                      <a:headEnd len="sm" w="sm" type="none"/>
+                      <a:tailEnd len="sm" w="sm" type="none"/>
+                    </a:lnL>
+                    <a:lnR cap="flat" cmpd="sng" w="9525">
+                      <a:solidFill>
+                        <a:srgbClr val="CCCCCC"/>
+                      </a:solidFill>
+                      <a:prstDash val="solid"/>
+                      <a:round/>
+                      <a:headEnd len="sm" w="sm" type="none"/>
+                      <a:tailEnd len="sm" w="sm" type="none"/>
+                    </a:lnR>
+                    <a:lnT cap="flat" cmpd="sng" w="9525">
+                      <a:solidFill>
+                        <a:srgbClr val="CCCCCC"/>
+                      </a:solidFill>
+                      <a:prstDash val="solid"/>
+                      <a:round/>
+                      <a:headEnd len="sm" w="sm" type="none"/>
+                      <a:tailEnd len="sm" w="sm" type="none"/>
+                    </a:lnT>
+                    <a:lnB cap="flat" cmpd="sng" w="9525">
+                      <a:solidFill>
+                        <a:srgbClr val="CCCCCC"/>
+                      </a:solidFill>
+                      <a:prstDash val="solid"/>
+                      <a:round/>
+                      <a:headEnd len="sm" w="sm" type="none"/>
+                      <a:tailEnd len="sm" w="sm" type="none"/>
+                    </a:lnB>
+                  </a:tcPr>
+                </a:tc>
+                <a:tc>
+                  <a:txBody>
+                    <a:bodyPr/>
+                    <a:lstStyle/>
+                    <a:p>
+                      <a:pPr indent="0" lvl="0" marL="0" rtl="0" algn="r">
+                        <a:lnSpc>
+                          <a:spcPct val="115000"/>
+                        </a:lnSpc>
+                        <a:spcBef>
+                          <a:spcPts val="0"/>
+                        </a:spcBef>
+                        <a:spcAft>
+                          <a:spcPts val="0"/>
+                        </a:spcAft>
+                        <a:buNone/>
+                      </a:pPr>
+                      <a:r>
+                        <a:rPr lang="en"/>
+                        <a:t>2</a:t>
+                      </a:r>
+                      <a:endParaRPr/>
+                    </a:p>
+                  </a:txBody>
+                  <a:tcPr marT="91425" marB="91425" marR="28575" marL="28575" anchor="b">
+                    <a:lnL cap="flat" cmpd="sng" w="9525">
+                      <a:solidFill>
+                        <a:srgbClr val="CCCCCC"/>
+                      </a:solidFill>
+                      <a:prstDash val="solid"/>
+                      <a:round/>
+                      <a:headEnd len="sm" w="sm" type="none"/>
+                      <a:tailEnd len="sm" w="sm" type="none"/>
+                    </a:lnL>
+                    <a:lnR cap="flat" cmpd="sng" w="9525">
+                      <a:solidFill>
+                        <a:srgbClr val="CCCCCC"/>
+                      </a:solidFill>
+                      <a:prstDash val="solid"/>
+                      <a:round/>
+                      <a:headEnd len="sm" w="sm" type="none"/>
+                      <a:tailEnd len="sm" w="sm" type="none"/>
+                    </a:lnR>
+                    <a:lnT cap="flat" cmpd="sng" w="9525">
+                      <a:solidFill>
+                        <a:srgbClr val="CCCCCC"/>
+                      </a:solidFill>
+                      <a:prstDash val="solid"/>
+                      <a:round/>
+                      <a:headEnd len="sm" w="sm" type="none"/>
+                      <a:tailEnd len="sm" w="sm" type="none"/>
+                    </a:lnT>
+                    <a:lnB cap="flat" cmpd="sng" w="9525">
+                      <a:solidFill>
+                        <a:srgbClr val="CCCCCC"/>
+                      </a:solidFill>
+                      <a:prstDash val="solid"/>
+                      <a:round/>
+                      <a:headEnd len="sm" w="sm" type="none"/>
+                      <a:tailEnd len="sm" w="sm" type="none"/>
+                    </a:lnB>
+                  </a:tcPr>
+                </a:tc>
+              </a:tr>
+              <a:tr h="190500">
+                <a:tc>
+                  <a:txBody>
+                    <a:bodyPr/>
+                    <a:lstStyle/>
+                    <a:p>
+                      <a:pPr indent="0" lvl="0" marL="0" rtl="0" algn="r">
+                        <a:lnSpc>
+                          <a:spcPct val="115000"/>
+                        </a:lnSpc>
+                        <a:spcBef>
+                          <a:spcPts val="0"/>
+                        </a:spcBef>
+                        <a:spcAft>
+                          <a:spcPts val="0"/>
+                        </a:spcAft>
+                        <a:buNone/>
+                      </a:pPr>
+                      <a:r>
+                        <a:rPr lang="en"/>
+                        <a:t>30</a:t>
+                      </a:r>
+                      <a:endParaRPr/>
+                    </a:p>
+                  </a:txBody>
+                  <a:tcPr marT="91425" marB="91425" marR="28575" marL="28575" anchor="b">
+                    <a:lnL cap="flat" cmpd="sng" w="9525">
+                      <a:solidFill>
+                        <a:srgbClr val="CCCCCC"/>
+                      </a:solidFill>
+                      <a:prstDash val="solid"/>
+                      <a:round/>
+                      <a:headEnd len="sm" w="sm" type="none"/>
+                      <a:tailEnd len="sm" w="sm" type="none"/>
+                    </a:lnL>
+                    <a:lnR cap="flat" cmpd="sng" w="9525">
+                      <a:solidFill>
+                        <a:srgbClr val="CCCCCC"/>
+                      </a:solidFill>
+                      <a:prstDash val="solid"/>
+                      <a:round/>
+                      <a:headEnd len="sm" w="sm" type="none"/>
+                      <a:tailEnd len="sm" w="sm" type="none"/>
+                    </a:lnR>
+                    <a:lnT cap="flat" cmpd="sng" w="9525">
+                      <a:solidFill>
+                        <a:srgbClr val="CCCCCC"/>
+                      </a:solidFill>
+                      <a:prstDash val="solid"/>
+                      <a:round/>
+                      <a:headEnd len="sm" w="sm" type="none"/>
+                      <a:tailEnd len="sm" w="sm" type="none"/>
+                    </a:lnT>
+                    <a:lnB cap="flat" cmpd="sng" w="9525">
+                      <a:solidFill>
+                        <a:srgbClr val="CCCCCC"/>
+                      </a:solidFill>
+                      <a:prstDash val="solid"/>
+                      <a:round/>
+                      <a:headEnd len="sm" w="sm" type="none"/>
+                      <a:tailEnd len="sm" w="sm" type="none"/>
+                    </a:lnB>
+                  </a:tcPr>
+                </a:tc>
+                <a:tc>
+                  <a:txBody>
+                    <a:bodyPr/>
+                    <a:lstStyle/>
+                    <a:p>
+                      <a:pPr indent="0" lvl="0" marL="0" rtl="0" algn="r">
+                        <a:lnSpc>
+                          <a:spcPct val="115000"/>
+                        </a:lnSpc>
+                        <a:spcBef>
+                          <a:spcPts val="0"/>
+                        </a:spcBef>
+                        <a:spcAft>
+                          <a:spcPts val="0"/>
+                        </a:spcAft>
+                        <a:buNone/>
+                      </a:pPr>
+                      <a:r>
+                        <a:rPr lang="en"/>
+                        <a:t>8</a:t>
+                      </a:r>
+                      <a:endParaRPr/>
+                    </a:p>
+                  </a:txBody>
+                  <a:tcPr marT="91425" marB="91425" marR="28575" marL="28575" anchor="b">
+                    <a:lnL cap="flat" cmpd="sng" w="9525">
+                      <a:solidFill>
+                        <a:srgbClr val="CCCCCC"/>
+                      </a:solidFill>
+                      <a:prstDash val="solid"/>
+                      <a:round/>
+                      <a:headEnd len="sm" w="sm" type="none"/>
+                      <a:tailEnd len="sm" w="sm" type="none"/>
+                    </a:lnL>
+                    <a:lnR cap="flat" cmpd="sng" w="9525">
+                      <a:solidFill>
+                        <a:srgbClr val="CCCCCC"/>
+                      </a:solidFill>
+                      <a:prstDash val="solid"/>
+                      <a:round/>
+                      <a:headEnd len="sm" w="sm" type="none"/>
+                      <a:tailEnd len="sm" w="sm" type="none"/>
+                    </a:lnR>
+                    <a:lnT cap="flat" cmpd="sng" w="9525">
+                      <a:solidFill>
+                        <a:srgbClr val="CCCCCC"/>
+                      </a:solidFill>
+                      <a:prstDash val="solid"/>
+                      <a:round/>
+                      <a:headEnd len="sm" w="sm" type="none"/>
+                      <a:tailEnd len="sm" w="sm" type="none"/>
+                    </a:lnT>
+                    <a:lnB cap="flat" cmpd="sng" w="9525">
+                      <a:solidFill>
+                        <a:srgbClr val="CCCCCC"/>
+                      </a:solidFill>
+                      <a:prstDash val="solid"/>
+                      <a:round/>
+                      <a:headEnd len="sm" w="sm" type="none"/>
+                      <a:tailEnd len="sm" w="sm" type="none"/>
+                    </a:lnB>
+                  </a:tcPr>
+                </a:tc>
+                <a:tc>
+                  <a:txBody>
+                    <a:bodyPr/>
+                    <a:lstStyle/>
+                    <a:p>
+                      <a:pPr indent="0" lvl="0" marL="0" rtl="0" algn="r">
+                        <a:lnSpc>
+                          <a:spcPct val="115000"/>
+                        </a:lnSpc>
+                        <a:spcBef>
+                          <a:spcPts val="0"/>
+                        </a:spcBef>
+                        <a:spcAft>
+                          <a:spcPts val="0"/>
+                        </a:spcAft>
+                        <a:buNone/>
+                      </a:pPr>
+                      <a:r>
+                        <a:rPr lang="en"/>
+                        <a:t>4</a:t>
+                      </a:r>
+                      <a:endParaRPr/>
+                    </a:p>
+                  </a:txBody>
+                  <a:tcPr marT="91425" marB="91425" marR="28575" marL="28575" anchor="b">
+                    <a:lnL cap="flat" cmpd="sng" w="9525">
+                      <a:solidFill>
+                        <a:srgbClr val="CCCCCC"/>
+                      </a:solidFill>
+                      <a:prstDash val="solid"/>
+                      <a:round/>
+                      <a:headEnd len="sm" w="sm" type="none"/>
+                      <a:tailEnd len="sm" w="sm" type="none"/>
+                    </a:lnL>
+                    <a:lnR cap="flat" cmpd="sng" w="9525">
+                      <a:solidFill>
+                        <a:srgbClr val="CCCCCC"/>
+                      </a:solidFill>
+                      <a:prstDash val="solid"/>
+                      <a:round/>
+                      <a:headEnd len="sm" w="sm" type="none"/>
+                      <a:tailEnd len="sm" w="sm" type="none"/>
+                    </a:lnR>
+                    <a:lnT cap="flat" cmpd="sng" w="9525">
+                      <a:solidFill>
+                        <a:srgbClr val="CCCCCC"/>
+                      </a:solidFill>
+                      <a:prstDash val="solid"/>
+                      <a:round/>
+                      <a:headEnd len="sm" w="sm" type="none"/>
+                      <a:tailEnd len="sm" w="sm" type="none"/>
+                    </a:lnT>
+                    <a:lnB cap="flat" cmpd="sng" w="9525">
+                      <a:solidFill>
+                        <a:srgbClr val="CCCCCC"/>
+                      </a:solidFill>
+                      <a:prstDash val="solid"/>
+                      <a:round/>
+                      <a:headEnd len="sm" w="sm" type="none"/>
+                      <a:tailEnd len="sm" w="sm" type="none"/>
+                    </a:lnB>
+                  </a:tcPr>
+                </a:tc>
+                <a:tc>
+                  <a:txBody>
+                    <a:bodyPr/>
+                    <a:lstStyle/>
+                    <a:p>
+                      <a:pPr indent="0" lvl="0" marL="0" rtl="0" algn="r">
+                        <a:lnSpc>
+                          <a:spcPct val="115000"/>
+                        </a:lnSpc>
+                        <a:spcBef>
+                          <a:spcPts val="0"/>
+                        </a:spcBef>
+                        <a:spcAft>
+                          <a:spcPts val="0"/>
+                        </a:spcAft>
+                        <a:buNone/>
+                      </a:pPr>
+                      <a:r>
+                        <a:rPr lang="en"/>
+                        <a:t>5</a:t>
+                      </a:r>
+                      <a:endParaRPr/>
+                    </a:p>
+                  </a:txBody>
+                  <a:tcPr marT="91425" marB="91425" marR="28575" marL="28575" anchor="b">
+                    <a:lnL cap="flat" cmpd="sng" w="9525">
+                      <a:solidFill>
+                        <a:srgbClr val="CCCCCC"/>
+                      </a:solidFill>
+                      <a:prstDash val="solid"/>
+                      <a:round/>
+                      <a:headEnd len="sm" w="sm" type="none"/>
+                      <a:tailEnd len="sm" w="sm" type="none"/>
+                    </a:lnL>
+                    <a:lnR cap="flat" cmpd="sng" w="9525">
+                      <a:solidFill>
+                        <a:srgbClr val="CCCCCC"/>
+                      </a:solidFill>
+                      <a:prstDash val="solid"/>
+                      <a:round/>
+                      <a:headEnd len="sm" w="sm" type="none"/>
+                      <a:tailEnd len="sm" w="sm" type="none"/>
+                    </a:lnR>
+                    <a:lnT cap="flat" cmpd="sng" w="9525">
+                      <a:solidFill>
+                        <a:srgbClr val="CCCCCC"/>
+                      </a:solidFill>
+                      <a:prstDash val="solid"/>
+                      <a:round/>
+                      <a:headEnd len="sm" w="sm" type="none"/>
+                      <a:tailEnd len="sm" w="sm" type="none"/>
+                    </a:lnT>
+                    <a:lnB cap="flat" cmpd="sng" w="9525">
+                      <a:solidFill>
+                        <a:srgbClr val="CCCCCC"/>
+                      </a:solidFill>
+                      <a:prstDash val="solid"/>
+                      <a:round/>
+                      <a:headEnd len="sm" w="sm" type="none"/>
+                      <a:tailEnd len="sm" w="sm" type="none"/>
+                    </a:lnB>
+                  </a:tcPr>
+                </a:tc>
+              </a:tr>
+              <a:tr h="190500">
+                <a:tc>
+                  <a:txBody>
+                    <a:bodyPr/>
+                    <a:lstStyle/>
+                    <a:p>
+                      <a:pPr indent="0" lvl="0" marL="0" rtl="0" algn="r">
+                        <a:lnSpc>
+                          <a:spcPct val="115000"/>
+                        </a:lnSpc>
+                        <a:spcBef>
+                          <a:spcPts val="0"/>
+                        </a:spcBef>
+                        <a:spcAft>
+                          <a:spcPts val="0"/>
+                        </a:spcAft>
+                        <a:buNone/>
+                      </a:pPr>
+                      <a:r>
+                        <a:rPr lang="en"/>
+                        <a:t>40</a:t>
+                      </a:r>
+                      <a:endParaRPr/>
+                    </a:p>
+                  </a:txBody>
+                  <a:tcPr marT="91425" marB="91425" marR="28575" marL="28575" anchor="b">
+                    <a:lnL cap="flat" cmpd="sng" w="9525">
+                      <a:solidFill>
+                        <a:srgbClr val="CCCCCC"/>
+                      </a:solidFill>
+                      <a:prstDash val="solid"/>
+                      <a:round/>
+                      <a:headEnd len="sm" w="sm" type="none"/>
+                      <a:tailEnd len="sm" w="sm" type="none"/>
+                    </a:lnL>
+                    <a:lnR cap="flat" cmpd="sng" w="9525">
+                      <a:solidFill>
+                        <a:srgbClr val="CCCCCC"/>
+                      </a:solidFill>
+                      <a:prstDash val="solid"/>
+                      <a:round/>
+                      <a:headEnd len="sm" w="sm" type="none"/>
+                      <a:tailEnd len="sm" w="sm" type="none"/>
+                    </a:lnR>
+                    <a:lnT cap="flat" cmpd="sng" w="9525">
+                      <a:solidFill>
+                        <a:srgbClr val="CCCCCC"/>
+                      </a:solidFill>
+                      <a:prstDash val="solid"/>
+                      <a:round/>
+                      <a:headEnd len="sm" w="sm" type="none"/>
+                      <a:tailEnd len="sm" w="sm" type="none"/>
+                    </a:lnT>
+                    <a:lnB cap="flat" cmpd="sng" w="9525">
+                      <a:solidFill>
+                        <a:srgbClr val="CCCCCC"/>
+                      </a:solidFill>
+                      <a:prstDash val="solid"/>
+                      <a:round/>
+                      <a:headEnd len="sm" w="sm" type="none"/>
+                      <a:tailEnd len="sm" w="sm" type="none"/>
+                    </a:lnB>
+                  </a:tcPr>
+                </a:tc>
+                <a:tc>
+                  <a:txBody>
+                    <a:bodyPr/>
+                    <a:lstStyle/>
+                    <a:p>
+                      <a:pPr indent="0" lvl="0" marL="0" rtl="0" algn="r">
+                        <a:lnSpc>
+                          <a:spcPct val="115000"/>
+                        </a:lnSpc>
+                        <a:spcBef>
+                          <a:spcPts val="0"/>
+                        </a:spcBef>
+                        <a:spcAft>
+                          <a:spcPts val="0"/>
+                        </a:spcAft>
+                        <a:buNone/>
+                      </a:pPr>
+                      <a:r>
+                        <a:rPr lang="en"/>
+                        <a:t>5</a:t>
+                      </a:r>
+                      <a:endParaRPr/>
+                    </a:p>
+                  </a:txBody>
+                  <a:tcPr marT="91425" marB="91425" marR="28575" marL="28575" anchor="b">
+                    <a:lnL cap="flat" cmpd="sng" w="9525">
+                      <a:solidFill>
+                        <a:srgbClr val="CCCCCC"/>
+                      </a:solidFill>
+                      <a:prstDash val="solid"/>
+                      <a:round/>
+                      <a:headEnd len="sm" w="sm" type="none"/>
+                      <a:tailEnd len="sm" w="sm" type="none"/>
+                    </a:lnL>
+                    <a:lnR cap="flat" cmpd="sng" w="9525">
+                      <a:solidFill>
+                        <a:srgbClr val="CCCCCC"/>
+                      </a:solidFill>
+                      <a:prstDash val="solid"/>
+                      <a:round/>
+                      <a:headEnd len="sm" w="sm" type="none"/>
+                      <a:tailEnd len="sm" w="sm" type="none"/>
+                    </a:lnR>
+                    <a:lnT cap="flat" cmpd="sng" w="9525">
+                      <a:solidFill>
+                        <a:srgbClr val="CCCCCC"/>
+                      </a:solidFill>
+                      <a:prstDash val="solid"/>
+                      <a:round/>
+                      <a:headEnd len="sm" w="sm" type="none"/>
+                      <a:tailEnd len="sm" w="sm" type="none"/>
+                    </a:lnT>
+                    <a:lnB cap="flat" cmpd="sng" w="9525">
+                      <a:solidFill>
+                        <a:srgbClr val="CCCCCC"/>
+                      </a:solidFill>
+                      <a:prstDash val="solid"/>
+                      <a:round/>
+                      <a:headEnd len="sm" w="sm" type="none"/>
+                      <a:tailEnd len="sm" w="sm" type="none"/>
+                    </a:lnB>
+                  </a:tcPr>
+                </a:tc>
+                <a:tc>
+                  <a:txBody>
+                    <a:bodyPr/>
+                    <a:lstStyle/>
+                    <a:p>
+                      <a:pPr indent="0" lvl="0" marL="0" rtl="0" algn="r">
+                        <a:lnSpc>
+                          <a:spcPct val="115000"/>
+                        </a:lnSpc>
+                        <a:spcBef>
+                          <a:spcPts val="0"/>
+                        </a:spcBef>
+                        <a:spcAft>
+                          <a:spcPts val="0"/>
+                        </a:spcAft>
+                        <a:buNone/>
+                      </a:pPr>
+                      <a:r>
+                        <a:rPr lang="en"/>
+                        <a:t>11</a:t>
+                      </a:r>
+                      <a:endParaRPr/>
+                    </a:p>
+                  </a:txBody>
+                  <a:tcPr marT="91425" marB="91425" marR="28575" marL="28575" anchor="b">
+                    <a:lnL cap="flat" cmpd="sng" w="9525">
+                      <a:solidFill>
+                        <a:srgbClr val="CCCCCC"/>
+                      </a:solidFill>
+                      <a:prstDash val="solid"/>
+                      <a:round/>
+                      <a:headEnd len="sm" w="sm" type="none"/>
+                      <a:tailEnd len="sm" w="sm" type="none"/>
+                    </a:lnL>
+                    <a:lnR cap="flat" cmpd="sng" w="9525">
+                      <a:solidFill>
+                        <a:srgbClr val="CCCCCC"/>
+                      </a:solidFill>
+                      <a:prstDash val="solid"/>
+                      <a:round/>
+                      <a:headEnd len="sm" w="sm" type="none"/>
+                      <a:tailEnd len="sm" w="sm" type="none"/>
+                    </a:lnR>
+                    <a:lnT cap="flat" cmpd="sng" w="9525">
+                      <a:solidFill>
+                        <a:srgbClr val="CCCCCC"/>
+                      </a:solidFill>
+                      <a:prstDash val="solid"/>
+                      <a:round/>
+                      <a:headEnd len="sm" w="sm" type="none"/>
+                      <a:tailEnd len="sm" w="sm" type="none"/>
+                    </a:lnT>
+                    <a:lnB cap="flat" cmpd="sng" w="9525">
+                      <a:solidFill>
+                        <a:srgbClr val="CCCCCC"/>
+                      </a:solidFill>
+                      <a:prstDash val="solid"/>
+                      <a:round/>
+                      <a:headEnd len="sm" w="sm" type="none"/>
+                      <a:tailEnd len="sm" w="sm" type="none"/>
+                    </a:lnB>
+                  </a:tcPr>
+                </a:tc>
+                <a:tc>
+                  <a:txBody>
+                    <a:bodyPr/>
+                    <a:lstStyle/>
+                    <a:p>
+                      <a:pPr indent="0" lvl="0" marL="0" rtl="0" algn="r">
+                        <a:lnSpc>
+                          <a:spcPct val="115000"/>
+                        </a:lnSpc>
+                        <a:spcBef>
+                          <a:spcPts val="0"/>
+                        </a:spcBef>
+                        <a:spcAft>
+                          <a:spcPts val="0"/>
+                        </a:spcAft>
+                        <a:buNone/>
+                      </a:pPr>
+                      <a:r>
+                        <a:rPr lang="en"/>
+                        <a:t>4</a:t>
+                      </a:r>
+                      <a:endParaRPr/>
+                    </a:p>
+                  </a:txBody>
+                  <a:tcPr marT="91425" marB="91425" marR="28575" marL="28575" anchor="b">
+                    <a:lnL cap="flat" cmpd="sng" w="9525">
+                      <a:solidFill>
+                        <a:srgbClr val="CCCCCC"/>
+                      </a:solidFill>
+                      <a:prstDash val="solid"/>
+                      <a:round/>
+                      <a:headEnd len="sm" w="sm" type="none"/>
+                      <a:tailEnd len="sm" w="sm" type="none"/>
+                    </a:lnL>
+                    <a:lnR cap="flat" cmpd="sng" w="9525">
+                      <a:solidFill>
+                        <a:srgbClr val="CCCCCC"/>
+                      </a:solidFill>
+                      <a:prstDash val="solid"/>
+                      <a:round/>
+                      <a:headEnd len="sm" w="sm" type="none"/>
+                      <a:tailEnd len="sm" w="sm" type="none"/>
+                    </a:lnR>
+                    <a:lnT cap="flat" cmpd="sng" w="9525">
+                      <a:solidFill>
+                        <a:srgbClr val="CCCCCC"/>
+                      </a:solidFill>
+                      <a:prstDash val="solid"/>
+                      <a:round/>
+                      <a:headEnd len="sm" w="sm" type="none"/>
+                      <a:tailEnd len="sm" w="sm" type="none"/>
+                    </a:lnT>
+                    <a:lnB cap="flat" cmpd="sng" w="9525">
+                      <a:solidFill>
+                        <a:srgbClr val="CCCCCC"/>
+                      </a:solidFill>
+                      <a:prstDash val="solid"/>
+                      <a:round/>
+                      <a:headEnd len="sm" w="sm" type="none"/>
+                      <a:tailEnd len="sm" w="sm" type="none"/>
+                    </a:lnB>
+                  </a:tcPr>
+                </a:tc>
+              </a:tr>
+              <a:tr h="190500">
+                <a:tc>
+                  <a:txBody>
+                    <a:bodyPr/>
+                    <a:lstStyle/>
+                    <a:p>
+                      <a:pPr indent="0" lvl="0" marL="0" rtl="0" algn="r">
+                        <a:lnSpc>
+                          <a:spcPct val="115000"/>
+                        </a:lnSpc>
+                        <a:spcBef>
+                          <a:spcPts val="0"/>
+                        </a:spcBef>
+                        <a:spcAft>
+                          <a:spcPts val="0"/>
+                        </a:spcAft>
+                        <a:buNone/>
+                      </a:pPr>
+                      <a:r>
+                        <a:rPr lang="en"/>
+                        <a:t>50</a:t>
+                      </a:r>
+                      <a:endParaRPr/>
+                    </a:p>
+                  </a:txBody>
+                  <a:tcPr marT="91425" marB="91425" marR="28575" marL="28575" anchor="b">
+                    <a:lnL cap="flat" cmpd="sng" w="9525">
+                      <a:solidFill>
+                        <a:srgbClr val="CCCCCC"/>
+                      </a:solidFill>
+                      <a:prstDash val="solid"/>
+                      <a:round/>
+                      <a:headEnd len="sm" w="sm" type="none"/>
+                      <a:tailEnd len="sm" w="sm" type="none"/>
+                    </a:lnL>
+                    <a:lnR cap="flat" cmpd="sng" w="9525">
+                      <a:solidFill>
+                        <a:srgbClr val="CCCCCC"/>
+                      </a:solidFill>
+                      <a:prstDash val="solid"/>
+                      <a:round/>
+                      <a:headEnd len="sm" w="sm" type="none"/>
+                      <a:tailEnd len="sm" w="sm" type="none"/>
+                    </a:lnR>
+                    <a:lnT cap="flat" cmpd="sng" w="9525">
+                      <a:solidFill>
+                        <a:srgbClr val="CCCCCC"/>
+                      </a:solidFill>
+                      <a:prstDash val="solid"/>
+                      <a:round/>
+                      <a:headEnd len="sm" w="sm" type="none"/>
+                      <a:tailEnd len="sm" w="sm" type="none"/>
+                    </a:lnT>
+                    <a:lnB cap="flat" cmpd="sng" w="9525">
+                      <a:solidFill>
+                        <a:srgbClr val="CCCCCC"/>
+                      </a:solidFill>
+                      <a:prstDash val="solid"/>
+                      <a:round/>
+                      <a:headEnd len="sm" w="sm" type="none"/>
+                      <a:tailEnd len="sm" w="sm" type="none"/>
+                    </a:lnB>
+                  </a:tcPr>
+                </a:tc>
+                <a:tc>
+                  <a:txBody>
+                    <a:bodyPr/>
+                    <a:lstStyle/>
+                    <a:p>
+                      <a:pPr indent="0" lvl="0" marL="0" rtl="0" algn="r">
+                        <a:lnSpc>
+                          <a:spcPct val="115000"/>
+                        </a:lnSpc>
+                        <a:spcBef>
+                          <a:spcPts val="0"/>
+                        </a:spcBef>
+                        <a:spcAft>
+                          <a:spcPts val="0"/>
+                        </a:spcAft>
+                        <a:buNone/>
+                      </a:pPr>
+                      <a:r>
+                        <a:rPr lang="en"/>
+                        <a:t>5</a:t>
+                      </a:r>
+                      <a:endParaRPr/>
+                    </a:p>
+                  </a:txBody>
+                  <a:tcPr marT="91425" marB="91425" marR="28575" marL="28575" anchor="b">
+                    <a:lnL cap="flat" cmpd="sng" w="9525">
+                      <a:solidFill>
+                        <a:srgbClr val="CCCCCC"/>
+                      </a:solidFill>
+                      <a:prstDash val="solid"/>
+                      <a:round/>
+                      <a:headEnd len="sm" w="sm" type="none"/>
+                      <a:tailEnd len="sm" w="sm" type="none"/>
+                    </a:lnL>
+                    <a:lnR cap="flat" cmpd="sng" w="9525">
+                      <a:solidFill>
+                        <a:srgbClr val="CCCCCC"/>
+                      </a:solidFill>
+                      <a:prstDash val="solid"/>
+                      <a:round/>
+                      <a:headEnd len="sm" w="sm" type="none"/>
+                      <a:tailEnd len="sm" w="sm" type="none"/>
+                    </a:lnR>
+                    <a:lnT cap="flat" cmpd="sng" w="9525">
+                      <a:solidFill>
+                        <a:srgbClr val="CCCCCC"/>
+                      </a:solidFill>
+                      <a:prstDash val="solid"/>
+                      <a:round/>
+                      <a:headEnd len="sm" w="sm" type="none"/>
+                      <a:tailEnd len="sm" w="sm" type="none"/>
+                    </a:lnT>
+                    <a:lnB cap="flat" cmpd="sng" w="9525">
+                      <a:solidFill>
+                        <a:srgbClr val="CCCCCC"/>
+                      </a:solidFill>
+                      <a:prstDash val="solid"/>
+                      <a:round/>
+                      <a:headEnd len="sm" w="sm" type="none"/>
+                      <a:tailEnd len="sm" w="sm" type="none"/>
+                    </a:lnB>
+                  </a:tcPr>
+                </a:tc>
+                <a:tc>
+                  <a:txBody>
+                    <a:bodyPr/>
+                    <a:lstStyle/>
+                    <a:p>
+                      <a:pPr indent="0" lvl="0" marL="0" rtl="0" algn="r">
+                        <a:lnSpc>
+                          <a:spcPct val="115000"/>
+                        </a:lnSpc>
+                        <a:spcBef>
+                          <a:spcPts val="0"/>
+                        </a:spcBef>
+                        <a:spcAft>
+                          <a:spcPts val="0"/>
+                        </a:spcAft>
+                        <a:buNone/>
+                      </a:pPr>
+                      <a:r>
+                        <a:rPr lang="en"/>
+                        <a:t>13</a:t>
+                      </a:r>
+                      <a:endParaRPr/>
+                    </a:p>
+                  </a:txBody>
+                  <a:tcPr marT="91425" marB="91425" marR="28575" marL="28575" anchor="b">
+                    <a:lnL cap="flat" cmpd="sng" w="9525">
+                      <a:solidFill>
+                        <a:srgbClr val="CCCCCC"/>
+                      </a:solidFill>
+                      <a:prstDash val="solid"/>
+                      <a:round/>
+                      <a:headEnd len="sm" w="sm" type="none"/>
+                      <a:tailEnd len="sm" w="sm" type="none"/>
+                    </a:lnL>
+                    <a:lnR cap="flat" cmpd="sng" w="9525">
+                      <a:solidFill>
+                        <a:srgbClr val="CCCCCC"/>
+                      </a:solidFill>
+                      <a:prstDash val="solid"/>
+                      <a:round/>
+                      <a:headEnd len="sm" w="sm" type="none"/>
+                      <a:tailEnd len="sm" w="sm" type="none"/>
+                    </a:lnR>
+                    <a:lnT cap="flat" cmpd="sng" w="9525">
+                      <a:solidFill>
+                        <a:srgbClr val="CCCCCC"/>
+                      </a:solidFill>
+                      <a:prstDash val="solid"/>
+                      <a:round/>
+                      <a:headEnd len="sm" w="sm" type="none"/>
+                      <a:tailEnd len="sm" w="sm" type="none"/>
+                    </a:lnT>
+                    <a:lnB cap="flat" cmpd="sng" w="9525">
+                      <a:solidFill>
+                        <a:srgbClr val="CCCCCC"/>
+                      </a:solidFill>
+                      <a:prstDash val="solid"/>
+                      <a:round/>
+                      <a:headEnd len="sm" w="sm" type="none"/>
+                      <a:tailEnd len="sm" w="sm" type="none"/>
+                    </a:lnB>
+                  </a:tcPr>
+                </a:tc>
+                <a:tc>
+                  <a:txBody>
+                    <a:bodyPr/>
+                    <a:lstStyle/>
+                    <a:p>
+                      <a:pPr indent="0" lvl="0" marL="0" rtl="0" algn="r">
+                        <a:lnSpc>
+                          <a:spcPct val="115000"/>
+                        </a:lnSpc>
+                        <a:spcBef>
+                          <a:spcPts val="0"/>
+                        </a:spcBef>
+                        <a:spcAft>
+                          <a:spcPts val="0"/>
+                        </a:spcAft>
+                        <a:buNone/>
+                      </a:pPr>
+                      <a:r>
+                        <a:rPr lang="en"/>
+                        <a:t>5</a:t>
+                      </a:r>
+                      <a:endParaRPr/>
+                    </a:p>
+                  </a:txBody>
+                  <a:tcPr marT="91425" marB="91425" marR="28575" marL="28575" anchor="b">
+                    <a:lnL cap="flat" cmpd="sng" w="9525">
+                      <a:solidFill>
+                        <a:srgbClr val="CCCCCC"/>
+                      </a:solidFill>
+                      <a:prstDash val="solid"/>
+                      <a:round/>
+                      <a:headEnd len="sm" w="sm" type="none"/>
+                      <a:tailEnd len="sm" w="sm" type="none"/>
+                    </a:lnL>
+                    <a:lnR cap="flat" cmpd="sng" w="9525">
+                      <a:solidFill>
+                        <a:srgbClr val="CCCCCC"/>
+                      </a:solidFill>
+                      <a:prstDash val="solid"/>
+                      <a:round/>
+                      <a:headEnd len="sm" w="sm" type="none"/>
+                      <a:tailEnd len="sm" w="sm" type="none"/>
+                    </a:lnR>
+                    <a:lnT cap="flat" cmpd="sng" w="9525">
+                      <a:solidFill>
+                        <a:srgbClr val="CCCCCC"/>
+                      </a:solidFill>
+                      <a:prstDash val="solid"/>
+                      <a:round/>
+                      <a:headEnd len="sm" w="sm" type="none"/>
+                      <a:tailEnd len="sm" w="sm" type="none"/>
+                    </a:lnT>
+                    <a:lnB cap="flat" cmpd="sng" w="9525">
+                      <a:solidFill>
+                        <a:srgbClr val="CCCCCC"/>
+                      </a:solidFill>
+                      <a:prstDash val="solid"/>
+                      <a:round/>
+                      <a:headEnd len="sm" w="sm" type="none"/>
+                      <a:tailEnd len="sm" w="sm" type="none"/>
+                    </a:lnB>
+                  </a:tcPr>
+                </a:tc>
+              </a:tr>
+            </a:tbl>
+          </a:graphicData>
+        </a:graphic>
+      </p:graphicFrame>
+    </p:spTree>
+  </p:cSld>
+  <p:clrMapOvr>
+    <a:masterClrMapping/>
+  </p:clrMapOvr>
+</p:sld>
+</file>
+
+<file path=ppt/slides/slide13.xml><?xml version="1.0" encoding="utf-8"?>
+<p:sld xmlns:a="http://schemas.openxmlformats.org/drawingml/2006/main" xmlns:r="http://schemas.openxmlformats.org/officeDocument/2006/relationships" xmlns:mc="http://schemas.openxmlformats.org/markup-compatibility/2006" xmlns:mv="urn:schemas-microsoft-com:mac:vml" xmlns:p="http://schemas.openxmlformats.org/presentationml/2006/main" xmlns:c="http://schemas.openxmlformats.org/drawingml/2006/chart" xmlns:dgm="http://schemas.openxmlformats.org/drawingml/2006/diagram" xmlns:o="urn:schemas-microsoft-com:office:office" xmlns:v="urn:schemas-microsoft-com:vml" xmlns:pvml="urn:schemas-microsoft-com:office:powerpoint" xmlns:com="http://schemas.openxmlformats.org/drawingml/2006/compatibility" xmlns:p14="http://schemas.microsoft.com/office/powerpoint/2010/main" xmlns:p15="http://schemas.microsoft.com/office/powerpoint/2012/main" xmlns:ahyp="http://schemas.microsoft.com/office/drawing/2018/hyperlinkcolor">
+  <p:cSld>
+    <p:spTree>
+      <p:nvGrpSpPr>
+        <p:cNvPr id="142" name="Shape 142"/>
+        <p:cNvGrpSpPr/>
+        <p:nvPr/>
+      </p:nvGrpSpPr>
+      <p:grpSpPr>
+        <a:xfrm>
+          <a:off x="0" y="0"/>
+          <a:ext cx="0" cy="0"/>
+          <a:chOff x="0" y="0"/>
+          <a:chExt cx="0" cy="0"/>
+        </a:xfrm>
+      </p:grpSpPr>
+      <p:sp>
+        <p:nvSpPr>
+          <p:cNvPr id="143" name="Google Shape;143;p25"/>
+          <p:cNvSpPr txBox="1"/>
+          <p:nvPr>
+            <p:ph type="title"/>
+          </p:nvPr>
+        </p:nvSpPr>
+        <p:spPr>
+          <a:xfrm>
+            <a:off x="311725" y="500925"/>
+            <a:ext cx="3706500" cy="2508900"/>
+          </a:xfrm>
+          <a:prstGeom prst="rect">
+            <a:avLst/>
+          </a:prstGeom>
+        </p:spPr>
+        <p:txBody>
+          <a:bodyPr anchorCtr="0" anchor="t" bIns="91425" lIns="91425" spcFirstLastPara="1" rIns="91425" wrap="square" tIns="91425">
+            <a:normAutofit/>
+          </a:bodyPr>
+          <a:lstStyle/>
+          <a:p>
+            <a:pPr indent="0" lvl="0" marL="0" rtl="0" algn="l">
+              <a:spcBef>
+                <a:spcPts val="0"/>
+              </a:spcBef>
+              <a:spcAft>
+                <a:spcPts val="0"/>
+              </a:spcAft>
+              <a:buNone/>
+            </a:pPr>
+            <a:r>
+              <a:rPr lang="en"/>
+              <a:t>Retrospective</a:t>
+            </a:r>
+            <a:endParaRPr/>
+          </a:p>
+        </p:txBody>
+      </p:sp>
+      <p:sp>
+        <p:nvSpPr>
+          <p:cNvPr id="144" name="Google Shape;144;p25"/>
+          <p:cNvSpPr txBox="1"/>
+          <p:nvPr>
+            <p:ph idx="1" type="body"/>
+          </p:nvPr>
+        </p:nvSpPr>
+        <p:spPr>
+          <a:xfrm>
+            <a:off x="4644675" y="500925"/>
+            <a:ext cx="4166400" cy="4098600"/>
+          </a:xfrm>
+          <a:prstGeom prst="rect">
+            <a:avLst/>
+          </a:prstGeom>
+        </p:spPr>
+        <p:txBody>
+          <a:bodyPr anchorCtr="0" anchor="t" bIns="91425" lIns="91425" spcFirstLastPara="1" rIns="91425" wrap="square" tIns="91425">
+            <a:normAutofit/>
+          </a:bodyPr>
+          <a:lstStyle/>
+          <a:p>
+            <a:pPr indent="-311150" lvl="0" marL="457200" rtl="0" algn="l">
+              <a:spcBef>
+                <a:spcPts val="0"/>
+              </a:spcBef>
+              <a:spcAft>
+                <a:spcPts val="0"/>
+              </a:spcAft>
+              <a:buSzPts val="1300"/>
+              <a:buChar char="●"/>
+            </a:pPr>
+            <a:r>
+              <a:rPr lang="en"/>
+              <a:t>Problems of e</a:t>
+            </a:r>
+            <a:r>
+              <a:rPr lang="en"/>
+              <a:t>xponential</a:t>
+            </a:r>
+            <a:r>
+              <a:rPr lang="en"/>
+              <a:t> time such as the Rod-Cutting problem can drastically increase their running time.</a:t>
+            </a:r>
+            <a:endParaRPr/>
+          </a:p>
+          <a:p>
+            <a:pPr indent="-311150" lvl="0" marL="457200" rtl="0" algn="l">
+              <a:spcBef>
+                <a:spcPts val="0"/>
+              </a:spcBef>
+              <a:spcAft>
+                <a:spcPts val="0"/>
+              </a:spcAft>
+              <a:buSzPts val="1300"/>
+              <a:buChar char="●"/>
+            </a:pPr>
+            <a:r>
+              <a:rPr lang="en"/>
+              <a:t>Racket can implement iterative and recursive procedures alike.</a:t>
+            </a:r>
+            <a:endParaRPr/>
+          </a:p>
+          <a:p>
+            <a:pPr indent="-311150" lvl="0" marL="457200" rtl="0" algn="l">
+              <a:spcBef>
+                <a:spcPts val="0"/>
+              </a:spcBef>
+              <a:spcAft>
+                <a:spcPts val="0"/>
+              </a:spcAft>
+              <a:buSzPts val="1300"/>
+              <a:buChar char="●"/>
+            </a:pPr>
+            <a:r>
+              <a:rPr lang="en"/>
+              <a:t>Racket has additional testing functions such as (test) and (time).</a:t>
+            </a:r>
+            <a:endParaRPr/>
+          </a:p>
+          <a:p>
+            <a:pPr indent="-311150" lvl="0" marL="457200" rtl="0" algn="l">
+              <a:spcBef>
+                <a:spcPts val="0"/>
+              </a:spcBef>
+              <a:spcAft>
+                <a:spcPts val="0"/>
+              </a:spcAft>
+              <a:buSzPts val="1300"/>
+              <a:buChar char="●"/>
+            </a:pPr>
+            <a:r>
+              <a:rPr lang="en"/>
+              <a:t>How to structure an optimal solution for a related problem.</a:t>
+            </a:r>
+            <a:endParaRPr/>
+          </a:p>
+        </p:txBody>
+      </p:sp>
+    </p:spTree>
+  </p:cSld>
+  <p:clrMapOvr>
+    <a:masterClrMapping/>
+  </p:clrMapOvr>
+</p:sld>
+</file>
+
+<file path=ppt/slides/slide2.xml><?xml version="1.0" encoding="utf-8"?>
+<p:sld xmlns:a="http://schemas.openxmlformats.org/drawingml/2006/main" xmlns:r="http://schemas.openxmlformats.org/officeDocument/2006/relationships" xmlns:mc="http://schemas.openxmlformats.org/markup-compatibility/2006" xmlns:mv="urn:schemas-microsoft-com:mac:vml" xmlns:p="http://schemas.openxmlformats.org/presentationml/2006/main" xmlns:c="http://schemas.openxmlformats.org/drawingml/2006/chart" xmlns:dgm="http://schemas.openxmlformats.org/drawingml/2006/diagram" xmlns:o="urn:schemas-microsoft-com:office:office" xmlns:v="urn:schemas-microsoft-com:vml" xmlns:pvml="urn:schemas-microsoft-com:office:powerpoint" xmlns:com="http://schemas.openxmlformats.org/drawingml/2006/compatibility" xmlns:p14="http://schemas.microsoft.com/office/powerpoint/2010/main" xmlns:p15="http://schemas.microsoft.com/office/powerpoint/2012/main" xmlns:ahyp="http://schemas.microsoft.com/office/drawing/2018/hyperlinkcolor">
+  <p:cSld>
+    <p:spTree>
+      <p:nvGrpSpPr>
+        <p:cNvPr id="69" name="Shape 69"/>
+        <p:cNvGrpSpPr/>
+        <p:nvPr/>
+      </p:nvGrpSpPr>
+      <p:grpSpPr>
+        <a:xfrm>
+          <a:off x="0" y="0"/>
+          <a:ext cx="0" cy="0"/>
+          <a:chOff x="0" y="0"/>
+          <a:chExt cx="0" cy="0"/>
+        </a:xfrm>
+      </p:grpSpPr>
+      <p:sp>
+        <p:nvSpPr>
+          <p:cNvPr id="70" name="Google Shape;70;p14"/>
+          <p:cNvSpPr txBox="1"/>
+          <p:nvPr>
+            <p:ph type="title"/>
+          </p:nvPr>
+        </p:nvSpPr>
+        <p:spPr>
+          <a:xfrm>
+            <a:off x="311725" y="500925"/>
+            <a:ext cx="3706500" cy="2508900"/>
+          </a:xfrm>
+          <a:prstGeom prst="rect">
+            <a:avLst/>
+          </a:prstGeom>
+        </p:spPr>
+        <p:txBody>
+          <a:bodyPr anchorCtr="0" anchor="t" bIns="91425" lIns="91425" spcFirstLastPara="1" rIns="91425" wrap="square" tIns="91425">
+            <a:normAutofit/>
+          </a:bodyPr>
+          <a:lstStyle/>
+          <a:p>
+            <a:pPr indent="0" lvl="0" marL="0" rtl="0" algn="l">
+              <a:spcBef>
+                <a:spcPts val="0"/>
+              </a:spcBef>
+              <a:spcAft>
+                <a:spcPts val="0"/>
+              </a:spcAft>
+              <a:buNone/>
+            </a:pPr>
+            <a:r>
+              <a:rPr lang="en"/>
+              <a:t>A </a:t>
+            </a:r>
+            <a:r>
+              <a:rPr lang="en"/>
+              <a:t>Brief</a:t>
+            </a:r>
+            <a:r>
+              <a:rPr lang="en"/>
+              <a:t> Intro</a:t>
+            </a:r>
+            <a:endParaRPr/>
+          </a:p>
+        </p:txBody>
+      </p:sp>
+      <p:sp>
+        <p:nvSpPr>
+          <p:cNvPr id="71" name="Google Shape;71;p14"/>
+          <p:cNvSpPr txBox="1"/>
+          <p:nvPr>
+            <p:ph idx="1" type="body"/>
+          </p:nvPr>
+        </p:nvSpPr>
+        <p:spPr>
+          <a:xfrm>
+            <a:off x="4644675" y="500925"/>
+            <a:ext cx="4166400" cy="4098600"/>
+          </a:xfrm>
+          <a:prstGeom prst="rect">
+            <a:avLst/>
+          </a:prstGeom>
+        </p:spPr>
+        <p:txBody>
+          <a:bodyPr anchorCtr="0" anchor="t" bIns="91425" lIns="91425" spcFirstLastPara="1" rIns="91425" wrap="square" tIns="91425">
+            <a:normAutofit/>
+          </a:bodyPr>
+          <a:lstStyle/>
+          <a:p>
+            <a:pPr indent="0" lvl="0" marL="457200" rtl="0" algn="l">
+              <a:spcBef>
+                <a:spcPts val="0"/>
+              </a:spcBef>
+              <a:spcAft>
+                <a:spcPts val="0"/>
+              </a:spcAft>
+              <a:buNone/>
+            </a:pPr>
+            <a:r>
+              <a:rPr lang="en"/>
+              <a:t>Implementing a solution to the Rod-Cutting problem led our group to answer three </a:t>
+            </a:r>
+            <a:r>
+              <a:rPr lang="en"/>
+              <a:t>different</a:t>
+            </a:r>
+            <a:r>
+              <a:rPr lang="en"/>
+              <a:t> questions:</a:t>
+            </a:r>
+            <a:endParaRPr/>
+          </a:p>
+          <a:p>
+            <a:pPr indent="-311150" lvl="0" marL="914400" rtl="0" algn="l">
+              <a:spcBef>
+                <a:spcPts val="1200"/>
+              </a:spcBef>
+              <a:spcAft>
+                <a:spcPts val="0"/>
+              </a:spcAft>
+              <a:buSzPts val="1300"/>
+              <a:buChar char="●"/>
+            </a:pPr>
+            <a:r>
+              <a:rPr lang="en"/>
+              <a:t>Why a </a:t>
+            </a:r>
+            <a:r>
+              <a:rPr lang="en"/>
+              <a:t>Dynamic</a:t>
+            </a:r>
+            <a:r>
+              <a:rPr lang="en"/>
+              <a:t> Programming Solution may be needed</a:t>
+            </a:r>
+            <a:endParaRPr/>
+          </a:p>
+          <a:p>
+            <a:pPr indent="0" lvl="0" marL="1371600" rtl="0" algn="l">
+              <a:spcBef>
+                <a:spcPts val="1200"/>
+              </a:spcBef>
+              <a:spcAft>
+                <a:spcPts val="0"/>
+              </a:spcAft>
+              <a:buNone/>
+            </a:pPr>
+            <a:r>
+              <a:t/>
+            </a:r>
+            <a:endParaRPr/>
+          </a:p>
+          <a:p>
+            <a:pPr indent="-311150" lvl="0" marL="914400" rtl="0" algn="l">
+              <a:spcBef>
+                <a:spcPts val="1200"/>
+              </a:spcBef>
+              <a:spcAft>
+                <a:spcPts val="0"/>
+              </a:spcAft>
+              <a:buSzPts val="1300"/>
+              <a:buChar char="●"/>
+            </a:pPr>
+            <a:r>
+              <a:rPr lang="en"/>
+              <a:t>What ways a Dynamic Programming solution may be implemented</a:t>
+            </a:r>
+            <a:endParaRPr/>
+          </a:p>
+          <a:p>
+            <a:pPr indent="0" lvl="0" marL="1371600" rtl="0" algn="l">
+              <a:spcBef>
+                <a:spcPts val="1200"/>
+              </a:spcBef>
+              <a:spcAft>
+                <a:spcPts val="0"/>
+              </a:spcAft>
+              <a:buNone/>
+            </a:pPr>
+            <a:r>
+              <a:t/>
+            </a:r>
+            <a:endParaRPr/>
+          </a:p>
+          <a:p>
+            <a:pPr indent="-311150" lvl="0" marL="914400" rtl="0" algn="l">
+              <a:spcBef>
+                <a:spcPts val="1200"/>
+              </a:spcBef>
+              <a:spcAft>
+                <a:spcPts val="0"/>
+              </a:spcAft>
+              <a:buSzPts val="1300"/>
+              <a:buChar char="●"/>
+            </a:pPr>
+            <a:r>
+              <a:rPr lang="en"/>
+              <a:t>When a Dynamic Programming solution may be beneficial in similar projects </a:t>
+            </a:r>
+            <a:endParaRPr/>
+          </a:p>
+        </p:txBody>
+      </p:sp>
+    </p:spTree>
+  </p:cSld>
+  <p:clrMapOvr>
+    <a:masterClrMapping/>
+  </p:clrMapOvr>
+</p:sld>
+</file>
+
+<file path=ppt/slides/slide3.xml><?xml version="1.0" encoding="utf-8"?>
+<p:sld xmlns:a="http://schemas.openxmlformats.org/drawingml/2006/main" xmlns:r="http://schemas.openxmlformats.org/officeDocument/2006/relationships" xmlns:mc="http://schemas.openxmlformats.org/markup-compatibility/2006" xmlns:mv="urn:schemas-microsoft-com:mac:vml" xmlns:p="http://schemas.openxmlformats.org/presentationml/2006/main" xmlns:c="http://schemas.openxmlformats.org/drawingml/2006/chart" xmlns:dgm="http://schemas.openxmlformats.org/drawingml/2006/diagram" xmlns:o="urn:schemas-microsoft-com:office:office" xmlns:v="urn:schemas-microsoft-com:vml" xmlns:pvml="urn:schemas-microsoft-com:office:powerpoint" xmlns:com="http://schemas.openxmlformats.org/drawingml/2006/compatibility" xmlns:p14="http://schemas.microsoft.com/office/powerpoint/2010/main" xmlns:p15="http://schemas.microsoft.com/office/powerpoint/2012/main" xmlns:ahyp="http://schemas.microsoft.com/office/drawing/2018/hyperlinkcolor">
+  <p:cSld>
+    <p:spTree>
+      <p:nvGrpSpPr>
+        <p:cNvPr id="75" name="Shape 75"/>
+        <p:cNvGrpSpPr/>
+        <p:nvPr/>
+      </p:nvGrpSpPr>
+      <p:grpSpPr>
+        <a:xfrm>
+          <a:off x="0" y="0"/>
+          <a:ext cx="0" cy="0"/>
+          <a:chOff x="0" y="0"/>
+          <a:chExt cx="0" cy="0"/>
+        </a:xfrm>
+      </p:grpSpPr>
+      <p:sp>
+        <p:nvSpPr>
+          <p:cNvPr id="76" name="Google Shape;76;p15"/>
+          <p:cNvSpPr txBox="1"/>
+          <p:nvPr>
+            <p:ph type="title"/>
+          </p:nvPr>
+        </p:nvSpPr>
+        <p:spPr>
+          <a:xfrm>
+            <a:off x="311725" y="500925"/>
+            <a:ext cx="8520600" cy="623700"/>
+          </a:xfrm>
+          <a:prstGeom prst="rect">
+            <a:avLst/>
+          </a:prstGeom>
+        </p:spPr>
+        <p:txBody>
+          <a:bodyPr anchorCtr="0" anchor="t" bIns="91425" lIns="91425" spcFirstLastPara="1" rIns="91425" wrap="square" tIns="91425">
+            <a:normAutofit/>
+          </a:bodyPr>
+          <a:lstStyle/>
+          <a:p>
+            <a:pPr indent="0" lvl="0" marL="0" rtl="0" algn="l">
+              <a:spcBef>
+                <a:spcPts val="0"/>
+              </a:spcBef>
+              <a:spcAft>
+                <a:spcPts val="0"/>
+              </a:spcAft>
+              <a:buNone/>
+            </a:pPr>
+            <a:r>
+              <a:rPr lang="en"/>
+              <a:t>Problems with Naïve </a:t>
+            </a:r>
+            <a:r>
+              <a:rPr lang="en"/>
+              <a:t>Recursion</a:t>
+            </a:r>
+            <a:endParaRPr/>
+          </a:p>
+        </p:txBody>
+      </p:sp>
+      <p:sp>
+        <p:nvSpPr>
+          <p:cNvPr id="77" name="Google Shape;77;p15"/>
+          <p:cNvSpPr txBox="1"/>
+          <p:nvPr>
+            <p:ph idx="1" type="body"/>
+          </p:nvPr>
+        </p:nvSpPr>
+        <p:spPr>
+          <a:xfrm>
+            <a:off x="311700" y="1505700"/>
+            <a:ext cx="3999900" cy="3076200"/>
+          </a:xfrm>
+          <a:prstGeom prst="rect">
+            <a:avLst/>
+          </a:prstGeom>
+        </p:spPr>
+        <p:txBody>
+          <a:bodyPr anchorCtr="0" anchor="t" bIns="91425" lIns="91425" spcFirstLastPara="1" rIns="91425" wrap="square" tIns="91425">
+            <a:normAutofit/>
+          </a:bodyPr>
+          <a:lstStyle/>
+          <a:p>
+            <a:pPr indent="-311150" lvl="0" marL="457200" rtl="0" algn="l">
+              <a:spcBef>
+                <a:spcPts val="0"/>
+              </a:spcBef>
+              <a:spcAft>
+                <a:spcPts val="0"/>
+              </a:spcAft>
+              <a:buSzPts val="1300"/>
+              <a:buChar char="●"/>
+            </a:pPr>
+            <a:r>
+              <a:rPr lang="en"/>
+              <a:t>Within each recursive step all previous recursive steps are iterated through to find</a:t>
+            </a:r>
+            <a:r>
+              <a:rPr lang="en"/>
+              <a:t> the </a:t>
+            </a:r>
+            <a:r>
+              <a:rPr lang="en"/>
+              <a:t>maximum revenue.</a:t>
+            </a:r>
+            <a:endParaRPr/>
+          </a:p>
+          <a:p>
+            <a:pPr indent="-311150" lvl="0" marL="457200" rtl="0" algn="l">
+              <a:spcBef>
+                <a:spcPts val="0"/>
+              </a:spcBef>
+              <a:spcAft>
+                <a:spcPts val="0"/>
+              </a:spcAft>
+              <a:buSzPts val="1300"/>
+              <a:buChar char="●"/>
+            </a:pPr>
+            <a:r>
+              <a:rPr lang="en"/>
+              <a:t>Solutions for subproblems are re-</a:t>
+            </a:r>
+            <a:r>
+              <a:rPr lang="en"/>
+              <a:t>computed</a:t>
+            </a:r>
+            <a:r>
+              <a:rPr lang="en"/>
+              <a:t> </a:t>
+            </a:r>
+            <a:r>
+              <a:rPr lang="en"/>
+              <a:t>multiple</a:t>
+            </a:r>
+            <a:r>
+              <a:rPr lang="en"/>
+              <a:t> times. </a:t>
+            </a:r>
+            <a:endParaRPr/>
+          </a:p>
+          <a:p>
+            <a:pPr indent="-311150" lvl="0" marL="457200" rtl="0" algn="l">
+              <a:spcBef>
+                <a:spcPts val="0"/>
+              </a:spcBef>
+              <a:spcAft>
+                <a:spcPts val="0"/>
+              </a:spcAft>
+              <a:buSzPts val="1300"/>
+              <a:buChar char="●"/>
+            </a:pPr>
+            <a:r>
+              <a:rPr lang="en"/>
+              <a:t>As a</a:t>
+            </a:r>
+            <a:r>
+              <a:rPr lang="en"/>
+              <a:t>ll 2^(N-1) ways to cut a rod are considered (as shown by the graph), the</a:t>
+            </a:r>
+            <a:r>
+              <a:rPr lang="en"/>
+              <a:t> running complexity of the program has an upper bound of O(2^N) for a rod of length N.</a:t>
+            </a:r>
+            <a:endParaRPr/>
+          </a:p>
+        </p:txBody>
+      </p:sp>
+      <p:sp>
+        <p:nvSpPr>
+          <p:cNvPr id="78" name="Google Shape;78;p15"/>
+          <p:cNvSpPr txBox="1"/>
+          <p:nvPr>
+            <p:ph idx="2" type="body"/>
+          </p:nvPr>
+        </p:nvSpPr>
+        <p:spPr>
+          <a:xfrm>
+            <a:off x="4832400" y="1505700"/>
+            <a:ext cx="3999900" cy="3076200"/>
+          </a:xfrm>
+          <a:prstGeom prst="rect">
+            <a:avLst/>
+          </a:prstGeom>
+        </p:spPr>
+        <p:txBody>
+          <a:bodyPr anchorCtr="0" anchor="t" bIns="91425" lIns="91425" spcFirstLastPara="1" rIns="91425" wrap="square" tIns="91425">
+            <a:normAutofit/>
+          </a:bodyPr>
+          <a:lstStyle/>
+          <a:p>
+            <a:pPr indent="0" lvl="0" marL="0" rtl="0" algn="l">
+              <a:spcBef>
+                <a:spcPts val="0"/>
+              </a:spcBef>
+              <a:spcAft>
+                <a:spcPts val="0"/>
+              </a:spcAft>
+              <a:buNone/>
+            </a:pPr>
+            <a:r>
+              <a:t/>
+            </a:r>
+            <a:endParaRPr/>
+          </a:p>
+          <a:p>
+            <a:pPr indent="0" lvl="0" marL="0" rtl="0" algn="l">
+              <a:spcBef>
+                <a:spcPts val="1200"/>
+              </a:spcBef>
+              <a:spcAft>
+                <a:spcPts val="1200"/>
+              </a:spcAft>
+              <a:buNone/>
+            </a:pPr>
+            <a:r>
+              <a:t/>
+            </a:r>
+            <a:endParaRPr/>
+          </a:p>
+        </p:txBody>
+      </p:sp>
+      <p:pic>
+        <p:nvPicPr>
+          <p:cNvPr id="79" name="Google Shape;79;p15"/>
+          <p:cNvPicPr preferRelativeResize="0"/>
+          <p:nvPr/>
+        </p:nvPicPr>
+        <p:blipFill rotWithShape="1">
+          <a:blip r:embed="rId3">
+            <a:alphaModFix/>
+          </a:blip>
+          <a:srcRect b="0" l="4417" r="42163" t="0"/>
+          <a:stretch/>
+        </p:blipFill>
+        <p:spPr>
+          <a:xfrm>
+            <a:off x="4832400" y="1346100"/>
+            <a:ext cx="4311599" cy="3351919"/>
+          </a:xfrm>
+          <a:prstGeom prst="rect">
+            <a:avLst/>
+          </a:prstGeom>
+          <a:noFill/>
+          <a:ln>
+            <a:noFill/>
+          </a:ln>
+        </p:spPr>
+      </p:pic>
+    </p:spTree>
+  </p:cSld>
+  <p:clrMapOvr>
+    <a:masterClrMapping/>
+  </p:clrMapOvr>
+</p:sld>
+</file>
+
+<file path=ppt/slides/slide4.xml><?xml version="1.0" encoding="utf-8"?>
+<p:sld xmlns:a="http://schemas.openxmlformats.org/drawingml/2006/main" xmlns:r="http://schemas.openxmlformats.org/officeDocument/2006/relationships" xmlns:mc="http://schemas.openxmlformats.org/markup-compatibility/2006" xmlns:mv="urn:schemas-microsoft-com:mac:vml" xmlns:p="http://schemas.openxmlformats.org/presentationml/2006/main" xmlns:c="http://schemas.openxmlformats.org/drawingml/2006/chart" xmlns:dgm="http://schemas.openxmlformats.org/drawingml/2006/diagram" xmlns:o="urn:schemas-microsoft-com:office:office" xmlns:v="urn:schemas-microsoft-com:vml" xmlns:pvml="urn:schemas-microsoft-com:office:powerpoint" xmlns:com="http://schemas.openxmlformats.org/drawingml/2006/compatibility" xmlns:p14="http://schemas.microsoft.com/office/powerpoint/2010/main" xmlns:p15="http://schemas.microsoft.com/office/powerpoint/2012/main" xmlns:ahyp="http://schemas.microsoft.com/office/drawing/2018/hyperlinkcolor">
+  <p:cSld>
+    <p:bg>
+      <p:bgPr>
+        <a:solidFill>
+          <a:schemeClr val="lt1"/>
+        </a:solidFill>
+      </p:bgPr>
+    </p:bg>
+    <p:spTree>
+      <p:nvGrpSpPr>
+        <p:cNvPr id="83" name="Shape 83"/>
+        <p:cNvGrpSpPr/>
+        <p:nvPr/>
+      </p:nvGrpSpPr>
+      <p:grpSpPr>
+        <a:xfrm>
+          <a:off x="0" y="0"/>
+          <a:ext cx="0" cy="0"/>
+          <a:chOff x="0" y="0"/>
+          <a:chExt cx="0" cy="0"/>
+        </a:xfrm>
+      </p:grpSpPr>
+      <p:sp>
+        <p:nvSpPr>
+          <p:cNvPr id="84" name="Google Shape;84;p16"/>
+          <p:cNvSpPr txBox="1"/>
+          <p:nvPr>
+            <p:ph type="title"/>
+          </p:nvPr>
+        </p:nvSpPr>
+        <p:spPr>
+          <a:xfrm>
+            <a:off x="311725" y="500925"/>
+            <a:ext cx="8520600" cy="623700"/>
+          </a:xfrm>
+          <a:prstGeom prst="rect">
+            <a:avLst/>
+          </a:prstGeom>
+        </p:spPr>
+        <p:txBody>
+          <a:bodyPr anchorCtr="0" anchor="t" bIns="91425" lIns="91425" spcFirstLastPara="1" rIns="91425" wrap="square" tIns="91425">
+            <a:normAutofit/>
+          </a:bodyPr>
+          <a:lstStyle/>
+          <a:p>
+            <a:pPr indent="0" lvl="0" marL="0" rtl="0" algn="l">
+              <a:spcBef>
+                <a:spcPts val="0"/>
+              </a:spcBef>
+              <a:spcAft>
+                <a:spcPts val="0"/>
+              </a:spcAft>
+              <a:buNone/>
+            </a:pPr>
+            <a:r>
+              <a:rPr lang="en"/>
+              <a:t>Recursive Implementation</a:t>
+            </a:r>
+            <a:endParaRPr/>
+          </a:p>
+        </p:txBody>
+      </p:sp>
+      <p:pic>
+        <p:nvPicPr>
+          <p:cNvPr id="85" name="Google Shape;85;p16"/>
+          <p:cNvPicPr preferRelativeResize="0"/>
+          <p:nvPr/>
+        </p:nvPicPr>
+        <p:blipFill rotWithShape="1">
+          <a:blip r:embed="rId3">
+            <a:alphaModFix/>
+          </a:blip>
+          <a:srcRect b="0" l="0" r="38778" t="0"/>
+          <a:stretch/>
+        </p:blipFill>
+        <p:spPr>
+          <a:xfrm>
+            <a:off x="0" y="1264000"/>
+            <a:ext cx="9144003" cy="3879500"/>
+          </a:xfrm>
+          <a:prstGeom prst="rect">
+            <a:avLst/>
+          </a:prstGeom>
+          <a:noFill/>
+          <a:ln>
+            <a:noFill/>
+          </a:ln>
+        </p:spPr>
+      </p:pic>
+    </p:spTree>
+  </p:cSld>
+  <p:clrMapOvr>
+    <a:masterClrMapping/>
+  </p:clrMapOvr>
+</p:sld>
+</file>
+
+<file path=ppt/slides/slide5.xml><?xml version="1.0" encoding="utf-8"?>
+<p:sld xmlns:a="http://schemas.openxmlformats.org/drawingml/2006/main" xmlns:r="http://schemas.openxmlformats.org/officeDocument/2006/relationships" xmlns:mc="http://schemas.openxmlformats.org/markup-compatibility/2006" xmlns:mv="urn:schemas-microsoft-com:mac:vml" xmlns:p="http://schemas.openxmlformats.org/presentationml/2006/main" xmlns:c="http://schemas.openxmlformats.org/drawingml/2006/chart" xmlns:dgm="http://schemas.openxmlformats.org/drawingml/2006/diagram" xmlns:o="urn:schemas-microsoft-com:office:office" xmlns:v="urn:schemas-microsoft-com:vml" xmlns:pvml="urn:schemas-microsoft-com:office:powerpoint" xmlns:com="http://schemas.openxmlformats.org/drawingml/2006/compatibility" xmlns:p14="http://schemas.microsoft.com/office/powerpoint/2010/main" xmlns:p15="http://schemas.microsoft.com/office/powerpoint/2012/main" xmlns:ahyp="http://schemas.microsoft.com/office/drawing/2018/hyperlinkcolor">
+  <p:cSld>
+    <p:bg>
+      <p:bgPr>
+        <a:solidFill>
+          <a:schemeClr val="lt1"/>
+        </a:solidFill>
+      </p:bgPr>
+    </p:bg>
+    <p:spTree>
+      <p:nvGrpSpPr>
+        <p:cNvPr id="89" name="Shape 89"/>
+        <p:cNvGrpSpPr/>
+        <p:nvPr/>
+      </p:nvGrpSpPr>
+      <p:grpSpPr>
+        <a:xfrm>
+          <a:off x="0" y="0"/>
+          <a:ext cx="0" cy="0"/>
+          <a:chOff x="0" y="0"/>
+          <a:chExt cx="0" cy="0"/>
+        </a:xfrm>
+      </p:grpSpPr>
+      <p:sp>
+        <p:nvSpPr>
+          <p:cNvPr id="90" name="Google Shape;90;p17"/>
+          <p:cNvSpPr txBox="1"/>
+          <p:nvPr>
+            <p:ph type="title"/>
+          </p:nvPr>
+        </p:nvSpPr>
+        <p:spPr>
+          <a:xfrm>
+            <a:off x="311725" y="500925"/>
+            <a:ext cx="8520600" cy="623700"/>
+          </a:xfrm>
+          <a:prstGeom prst="rect">
+            <a:avLst/>
+          </a:prstGeom>
+        </p:spPr>
+        <p:txBody>
+          <a:bodyPr anchorCtr="0" anchor="t" bIns="91425" lIns="91425" spcFirstLastPara="1" rIns="91425" wrap="square" tIns="91425">
+            <a:normAutofit fontScale="90000"/>
+          </a:bodyPr>
+          <a:lstStyle/>
+          <a:p>
+            <a:pPr indent="0" lvl="0" marL="0" rtl="0" algn="l">
+              <a:spcBef>
+                <a:spcPts val="0"/>
+              </a:spcBef>
+              <a:spcAft>
+                <a:spcPts val="0"/>
+              </a:spcAft>
+              <a:buNone/>
+            </a:pPr>
+            <a:r>
+              <a:rPr lang="en"/>
+              <a:t>Testing </a:t>
+            </a:r>
+            <a:r>
+              <a:rPr lang="en"/>
+              <a:t>Function Implementation</a:t>
+            </a:r>
+            <a:endParaRPr/>
+          </a:p>
+          <a:p>
+            <a:pPr indent="0" lvl="0" marL="0" rtl="0" algn="l">
+              <a:spcBef>
+                <a:spcPts val="0"/>
+              </a:spcBef>
+              <a:spcAft>
+                <a:spcPts val="0"/>
+              </a:spcAft>
+              <a:buNone/>
+            </a:pPr>
+            <a:r>
+              <a:t/>
+            </a:r>
+            <a:endParaRPr/>
+          </a:p>
+          <a:p>
+            <a:pPr indent="0" lvl="0" marL="0" rtl="0" algn="l">
+              <a:spcBef>
+                <a:spcPts val="0"/>
+              </a:spcBef>
+              <a:spcAft>
+                <a:spcPts val="0"/>
+              </a:spcAft>
+              <a:buNone/>
+            </a:pPr>
+            <a:r>
+              <a:t/>
+            </a:r>
+            <a:endParaRPr/>
+          </a:p>
+        </p:txBody>
+      </p:sp>
+      <p:pic>
+        <p:nvPicPr>
+          <p:cNvPr id="91" name="Google Shape;91;p17"/>
+          <p:cNvPicPr preferRelativeResize="0"/>
+          <p:nvPr/>
+        </p:nvPicPr>
+        <p:blipFill rotWithShape="1">
+          <a:blip r:embed="rId3">
+            <a:alphaModFix/>
+          </a:blip>
+          <a:srcRect b="0" l="0" r="13956" t="0"/>
+          <a:stretch/>
+        </p:blipFill>
+        <p:spPr>
+          <a:xfrm>
+            <a:off x="0" y="1284825"/>
+            <a:ext cx="9144003" cy="3904476"/>
+          </a:xfrm>
+          <a:prstGeom prst="rect">
+            <a:avLst/>
+          </a:prstGeom>
+          <a:noFill/>
+          <a:ln>
+            <a:noFill/>
+          </a:ln>
+        </p:spPr>
+      </p:pic>
+    </p:spTree>
+  </p:cSld>
+  <p:clrMapOvr>
+    <a:masterClrMapping/>
+  </p:clrMapOvr>
+</p:sld>
+</file>
+
+<file path=ppt/slides/slide6.xml><?xml version="1.0" encoding="utf-8"?>
+<p:sld xmlns:a="http://schemas.openxmlformats.org/drawingml/2006/main" xmlns:r="http://schemas.openxmlformats.org/officeDocument/2006/relationships" xmlns:mc="http://schemas.openxmlformats.org/markup-compatibility/2006" xmlns:mv="urn:schemas-microsoft-com:mac:vml" xmlns:p="http://schemas.openxmlformats.org/presentationml/2006/main" xmlns:c="http://schemas.openxmlformats.org/drawingml/2006/chart" xmlns:dgm="http://schemas.openxmlformats.org/drawingml/2006/diagram" xmlns:o="urn:schemas-microsoft-com:office:office" xmlns:v="urn:schemas-microsoft-com:vml" xmlns:pvml="urn:schemas-microsoft-com:office:powerpoint" xmlns:com="http://schemas.openxmlformats.org/drawingml/2006/compatibility" xmlns:p14="http://schemas.microsoft.com/office/powerpoint/2010/main" xmlns:p15="http://schemas.microsoft.com/office/powerpoint/2012/main" xmlns:ahyp="http://schemas.microsoft.com/office/drawing/2018/hyperlinkcolor">
+  <p:cSld>
+    <p:spTree>
+      <p:nvGrpSpPr>
+        <p:cNvPr id="95" name="Shape 95"/>
+        <p:cNvGrpSpPr/>
+        <p:nvPr/>
+      </p:nvGrpSpPr>
+      <p:grpSpPr>
+        <a:xfrm>
+          <a:off x="0" y="0"/>
+          <a:ext cx="0" cy="0"/>
+          <a:chOff x="0" y="0"/>
+          <a:chExt cx="0" cy="0"/>
+        </a:xfrm>
+      </p:grpSpPr>
+      <p:sp>
+        <p:nvSpPr>
+          <p:cNvPr id="96" name="Google Shape;96;p18"/>
+          <p:cNvSpPr txBox="1"/>
+          <p:nvPr>
+            <p:ph type="title"/>
+          </p:nvPr>
+        </p:nvSpPr>
+        <p:spPr>
+          <a:xfrm>
+            <a:off x="311725" y="500925"/>
+            <a:ext cx="8520600" cy="623700"/>
+          </a:xfrm>
+          <a:prstGeom prst="rect">
+            <a:avLst/>
+          </a:prstGeom>
+        </p:spPr>
+        <p:txBody>
+          <a:bodyPr anchorCtr="0" anchor="t" bIns="91425" lIns="91425" spcFirstLastPara="1" rIns="91425" wrap="square" tIns="91425">
+            <a:normAutofit/>
+          </a:bodyPr>
+          <a:lstStyle/>
+          <a:p>
+            <a:pPr indent="0" lvl="0" marL="0" rtl="0" algn="l">
+              <a:spcBef>
+                <a:spcPts val="0"/>
+              </a:spcBef>
+              <a:spcAft>
+                <a:spcPts val="0"/>
+              </a:spcAft>
+              <a:buNone/>
+            </a:pPr>
+            <a:r>
+              <a:rPr lang="en"/>
+              <a:t>Dynamic</a:t>
+            </a:r>
+            <a:r>
+              <a:rPr lang="en"/>
+              <a:t> Programing Features	</a:t>
+            </a:r>
+            <a:endParaRPr/>
+          </a:p>
+        </p:txBody>
+      </p:sp>
+      <p:sp>
+        <p:nvSpPr>
+          <p:cNvPr id="97" name="Google Shape;97;p18"/>
+          <p:cNvSpPr txBox="1"/>
+          <p:nvPr>
+            <p:ph idx="1" type="body"/>
+          </p:nvPr>
+        </p:nvSpPr>
+        <p:spPr>
+          <a:xfrm>
+            <a:off x="311700" y="1505700"/>
+            <a:ext cx="3999900" cy="3076200"/>
+          </a:xfrm>
+          <a:prstGeom prst="rect">
+            <a:avLst/>
+          </a:prstGeom>
+        </p:spPr>
+        <p:txBody>
+          <a:bodyPr anchorCtr="0" anchor="t" bIns="91425" lIns="91425" spcFirstLastPara="1" rIns="91425" wrap="square" tIns="91425">
+            <a:normAutofit/>
+          </a:bodyPr>
+          <a:lstStyle/>
+          <a:p>
+            <a:pPr indent="-311150" lvl="0" marL="457200" rtl="0" algn="l">
+              <a:spcBef>
+                <a:spcPts val="0"/>
+              </a:spcBef>
+              <a:spcAft>
+                <a:spcPts val="0"/>
+              </a:spcAft>
+              <a:buSzPts val="1300"/>
+              <a:buChar char="●"/>
+            </a:pPr>
+            <a:r>
+              <a:rPr lang="en"/>
+              <a:t>A </a:t>
+            </a:r>
+            <a:r>
+              <a:rPr lang="en"/>
+              <a:t>Dynamic</a:t>
+            </a:r>
+            <a:r>
+              <a:rPr lang="en"/>
+              <a:t> Programming solution can drastically reduce running time by using additional memory. </a:t>
+            </a:r>
+            <a:endParaRPr/>
+          </a:p>
+          <a:p>
+            <a:pPr indent="-311150" lvl="0" marL="457200" rtl="0" algn="l">
+              <a:spcBef>
+                <a:spcPts val="0"/>
+              </a:spcBef>
+              <a:spcAft>
+                <a:spcPts val="0"/>
+              </a:spcAft>
+              <a:buSzPts val="1300"/>
+              <a:buChar char="●"/>
+            </a:pPr>
+            <a:r>
+              <a:rPr lang="en"/>
+              <a:t>Subproblems are solved once and saved (usually in a table) to be referenced later.</a:t>
+            </a:r>
+            <a:endParaRPr/>
+          </a:p>
+          <a:p>
+            <a:pPr indent="-311150" lvl="0" marL="457200" rtl="0" algn="l">
+              <a:spcBef>
+                <a:spcPts val="0"/>
+              </a:spcBef>
+              <a:spcAft>
+                <a:spcPts val="0"/>
+              </a:spcAft>
+              <a:buSzPts val="1300"/>
+              <a:buChar char="●"/>
+            </a:pPr>
+            <a:r>
+              <a:rPr lang="en"/>
+              <a:t>As previous solutions to subproblems can referenced (as shown in the graph) the running complexity of the program has an upper bound of only O(N^2) for a rod of length N</a:t>
+            </a:r>
+            <a:r>
+              <a:rPr lang="en"/>
+              <a:t> </a:t>
+            </a:r>
+            <a:endParaRPr/>
+          </a:p>
+          <a:p>
+            <a:pPr indent="0" lvl="0" marL="457200" rtl="0" algn="l">
+              <a:spcBef>
+                <a:spcPts val="1200"/>
+              </a:spcBef>
+              <a:spcAft>
+                <a:spcPts val="1200"/>
+              </a:spcAft>
+              <a:buNone/>
+            </a:pPr>
+            <a:r>
+              <a:t/>
+            </a:r>
+            <a:endParaRPr/>
+          </a:p>
+        </p:txBody>
+      </p:sp>
+      <p:sp>
+        <p:nvSpPr>
+          <p:cNvPr id="98" name="Google Shape;98;p18"/>
+          <p:cNvSpPr txBox="1"/>
+          <p:nvPr>
+            <p:ph idx="2" type="body"/>
+          </p:nvPr>
+        </p:nvSpPr>
+        <p:spPr>
+          <a:xfrm>
+            <a:off x="4832400" y="1505700"/>
+            <a:ext cx="3999900" cy="3076200"/>
+          </a:xfrm>
+          <a:prstGeom prst="rect">
+            <a:avLst/>
+          </a:prstGeom>
+        </p:spPr>
+        <p:txBody>
+          <a:bodyPr anchorCtr="0" anchor="t" bIns="91425" lIns="91425" spcFirstLastPara="1" rIns="91425" wrap="square" tIns="91425">
+            <a:normAutofit/>
+          </a:bodyPr>
+          <a:lstStyle/>
+          <a:p>
+            <a:pPr indent="0" lvl="0" marL="0" rtl="0" algn="l">
+              <a:spcBef>
+                <a:spcPts val="0"/>
+              </a:spcBef>
+              <a:spcAft>
+                <a:spcPts val="0"/>
+              </a:spcAft>
+              <a:buNone/>
+            </a:pPr>
+            <a:r>
+              <a:t/>
+            </a:r>
+            <a:endParaRPr/>
+          </a:p>
+          <a:p>
+            <a:pPr indent="0" lvl="0" marL="0" rtl="0" algn="l">
+              <a:spcBef>
+                <a:spcPts val="1200"/>
+              </a:spcBef>
+              <a:spcAft>
+                <a:spcPts val="1200"/>
+              </a:spcAft>
+              <a:buNone/>
+            </a:pPr>
+            <a:r>
+              <a:t/>
+            </a:r>
+            <a:endParaRPr/>
+          </a:p>
+        </p:txBody>
+      </p:sp>
+      <p:pic>
+        <p:nvPicPr>
+          <p:cNvPr id="99" name="Google Shape;99;p18"/>
+          <p:cNvPicPr preferRelativeResize="0"/>
+          <p:nvPr/>
+        </p:nvPicPr>
+        <p:blipFill rotWithShape="1">
+          <a:blip r:embed="rId3">
+            <a:alphaModFix/>
+          </a:blip>
+          <a:srcRect b="0" l="0" r="27436" t="0"/>
+          <a:stretch/>
+        </p:blipFill>
+        <p:spPr>
+          <a:xfrm>
+            <a:off x="4572000" y="1310775"/>
+            <a:ext cx="4572000" cy="3832725"/>
+          </a:xfrm>
+          <a:prstGeom prst="rect">
+            <a:avLst/>
+          </a:prstGeom>
+          <a:noFill/>
+          <a:ln>
+            <a:noFill/>
+          </a:ln>
+        </p:spPr>
+      </p:pic>
+    </p:spTree>
+  </p:cSld>
+  <p:clrMapOvr>
+    <a:masterClrMapping/>
+  </p:clrMapOvr>
+</p:sld>
+</file>
+
+<file path=ppt/slides/slide7.xml><?xml version="1.0" encoding="utf-8"?>
+<p:sld xmlns:a="http://schemas.openxmlformats.org/drawingml/2006/main" xmlns:r="http://schemas.openxmlformats.org/officeDocument/2006/relationships" xmlns:mc="http://schemas.openxmlformats.org/markup-compatibility/2006" xmlns:mv="urn:schemas-microsoft-com:mac:vml" xmlns:p="http://schemas.openxmlformats.org/presentationml/2006/main" xmlns:c="http://schemas.openxmlformats.org/drawingml/2006/chart" xmlns:dgm="http://schemas.openxmlformats.org/drawingml/2006/diagram" xmlns:o="urn:schemas-microsoft-com:office:office" xmlns:v="urn:schemas-microsoft-com:vml" xmlns:pvml="urn:schemas-microsoft-com:office:powerpoint" xmlns:com="http://schemas.openxmlformats.org/drawingml/2006/compatibility" xmlns:p14="http://schemas.microsoft.com/office/powerpoint/2010/main" xmlns:p15="http://schemas.microsoft.com/office/powerpoint/2012/main" xmlns:ahyp="http://schemas.microsoft.com/office/drawing/2018/hyperlinkcolor">
+  <p:cSld>
+    <p:bg>
+      <p:bgPr>
+        <a:solidFill>
+          <a:schemeClr val="lt1"/>
+        </a:solidFill>
+      </p:bgPr>
+    </p:bg>
+    <p:spTree>
+      <p:nvGrpSpPr>
+        <p:cNvPr id="103" name="Shape 103"/>
+        <p:cNvGrpSpPr/>
+        <p:nvPr/>
+      </p:nvGrpSpPr>
+      <p:grpSpPr>
+        <a:xfrm>
+          <a:off x="0" y="0"/>
+          <a:ext cx="0" cy="0"/>
+          <a:chOff x="0" y="0"/>
+          <a:chExt cx="0" cy="0"/>
+        </a:xfrm>
+      </p:grpSpPr>
+      <p:sp>
+        <p:nvSpPr>
+          <p:cNvPr id="104" name="Google Shape;104;p19"/>
+          <p:cNvSpPr txBox="1"/>
+          <p:nvPr>
+            <p:ph type="title"/>
+          </p:nvPr>
+        </p:nvSpPr>
+        <p:spPr>
+          <a:xfrm>
+            <a:off x="311725" y="500925"/>
+            <a:ext cx="8520600" cy="623700"/>
+          </a:xfrm>
+          <a:prstGeom prst="rect">
+            <a:avLst/>
+          </a:prstGeom>
+        </p:spPr>
+        <p:txBody>
+          <a:bodyPr anchorCtr="0" anchor="t" bIns="91425" lIns="91425" spcFirstLastPara="1" rIns="91425" wrap="square" tIns="91425">
+            <a:normAutofit fontScale="90000"/>
+          </a:bodyPr>
+          <a:lstStyle/>
+          <a:p>
+            <a:pPr indent="0" lvl="0" marL="0" rtl="0" algn="l">
+              <a:spcBef>
+                <a:spcPts val="0"/>
+              </a:spcBef>
+              <a:spcAft>
+                <a:spcPts val="0"/>
+              </a:spcAft>
+              <a:buNone/>
+            </a:pPr>
+            <a:r>
+              <a:rPr lang="en"/>
+              <a:t>Dynamic Programing Implementation</a:t>
+            </a:r>
+            <a:endParaRPr/>
+          </a:p>
+          <a:p>
+            <a:pPr indent="0" lvl="0" marL="0" rtl="0" algn="l">
+              <a:spcBef>
+                <a:spcPts val="0"/>
+              </a:spcBef>
+              <a:spcAft>
+                <a:spcPts val="0"/>
+              </a:spcAft>
+              <a:buNone/>
+            </a:pPr>
+            <a:r>
+              <a:t/>
+            </a:r>
+            <a:endParaRPr/>
+          </a:p>
+          <a:p>
+            <a:pPr indent="0" lvl="0" marL="0" rtl="0" algn="l">
+              <a:spcBef>
+                <a:spcPts val="0"/>
+              </a:spcBef>
+              <a:spcAft>
+                <a:spcPts val="0"/>
+              </a:spcAft>
+              <a:buNone/>
+            </a:pPr>
+            <a:r>
+              <a:t/>
+            </a:r>
+            <a:endParaRPr/>
+          </a:p>
+        </p:txBody>
+      </p:sp>
+      <p:pic>
+        <p:nvPicPr>
+          <p:cNvPr id="105" name="Google Shape;105;p19"/>
+          <p:cNvPicPr preferRelativeResize="0"/>
+          <p:nvPr/>
+        </p:nvPicPr>
+        <p:blipFill rotWithShape="1">
+          <a:blip r:embed="rId3">
+            <a:alphaModFix/>
+          </a:blip>
+          <a:srcRect b="0" l="0" r="44964" t="0"/>
+          <a:stretch/>
+        </p:blipFill>
+        <p:spPr>
+          <a:xfrm>
+            <a:off x="0" y="1277025"/>
+            <a:ext cx="9144003" cy="3867901"/>
+          </a:xfrm>
+          <a:prstGeom prst="rect">
+            <a:avLst/>
+          </a:prstGeom>
+          <a:noFill/>
+          <a:ln>
+            <a:noFill/>
+          </a:ln>
+        </p:spPr>
+      </p:pic>
+    </p:spTree>
+  </p:cSld>
+  <p:clrMapOvr>
+    <a:masterClrMapping/>
+  </p:clrMapOvr>
+</p:sld>
+</file>
+
+<file path=ppt/slides/slide8.xml><?xml version="1.0" encoding="utf-8"?>
+<p:sld xmlns:a="http://schemas.openxmlformats.org/drawingml/2006/main" xmlns:r="http://schemas.openxmlformats.org/officeDocument/2006/relationships" xmlns:mc="http://schemas.openxmlformats.org/markup-compatibility/2006" xmlns:mv="urn:schemas-microsoft-com:mac:vml" xmlns:p="http://schemas.openxmlformats.org/presentationml/2006/main" xmlns:c="http://schemas.openxmlformats.org/drawingml/2006/chart" xmlns:dgm="http://schemas.openxmlformats.org/drawingml/2006/diagram" xmlns:o="urn:schemas-microsoft-com:office:office" xmlns:v="urn:schemas-microsoft-com:vml" xmlns:pvml="urn:schemas-microsoft-com:office:powerpoint" xmlns:com="http://schemas.openxmlformats.org/drawingml/2006/compatibility" xmlns:p14="http://schemas.microsoft.com/office/powerpoint/2010/main" xmlns:p15="http://schemas.microsoft.com/office/powerpoint/2012/main" xmlns:ahyp="http://schemas.microsoft.com/office/drawing/2018/hyperlinkcolor">
+  <p:cSld>
+    <p:bg>
+      <p:bgPr>
+        <a:solidFill>
+          <a:schemeClr val="lt1"/>
+        </a:solidFill>
+      </p:bgPr>
+    </p:bg>
+    <p:spTree>
+      <p:nvGrpSpPr>
+        <p:cNvPr id="109" name="Shape 109"/>
+        <p:cNvGrpSpPr/>
+        <p:nvPr/>
+      </p:nvGrpSpPr>
+      <p:grpSpPr>
+        <a:xfrm>
+          <a:off x="0" y="0"/>
+          <a:ext cx="0" cy="0"/>
+          <a:chOff x="0" y="0"/>
+          <a:chExt cx="0" cy="0"/>
+        </a:xfrm>
+      </p:grpSpPr>
+      <p:sp>
+        <p:nvSpPr>
+          <p:cNvPr id="110" name="Google Shape;110;p20"/>
+          <p:cNvSpPr txBox="1"/>
+          <p:nvPr>
+            <p:ph type="title"/>
+          </p:nvPr>
+        </p:nvSpPr>
+        <p:spPr>
+          <a:xfrm>
+            <a:off x="311725" y="500925"/>
+            <a:ext cx="8520600" cy="623700"/>
+          </a:xfrm>
+          <a:prstGeom prst="rect">
+            <a:avLst/>
+          </a:prstGeom>
+        </p:spPr>
+        <p:txBody>
+          <a:bodyPr anchorCtr="0" anchor="t" bIns="91425" lIns="91425" spcFirstLastPara="1" rIns="91425" wrap="square" tIns="91425">
+            <a:normAutofit fontScale="90000"/>
+          </a:bodyPr>
+          <a:lstStyle/>
+          <a:p>
+            <a:pPr indent="0" lvl="0" marL="0" rtl="0" algn="l">
+              <a:spcBef>
+                <a:spcPts val="0"/>
+              </a:spcBef>
+              <a:spcAft>
+                <a:spcPts val="0"/>
+              </a:spcAft>
+              <a:buNone/>
+            </a:pPr>
+            <a:r>
+              <a:rPr lang="en"/>
+              <a:t>Auxiliary Function</a:t>
+            </a:r>
+            <a:r>
+              <a:rPr lang="en"/>
+              <a:t> </a:t>
+            </a:r>
+            <a:r>
+              <a:rPr lang="en"/>
+              <a:t>Implementation</a:t>
+            </a:r>
+            <a:endParaRPr/>
+          </a:p>
+          <a:p>
+            <a:pPr indent="0" lvl="0" marL="0" rtl="0" algn="l">
+              <a:spcBef>
+                <a:spcPts val="0"/>
+              </a:spcBef>
+              <a:spcAft>
+                <a:spcPts val="0"/>
+              </a:spcAft>
+              <a:buNone/>
+            </a:pPr>
+            <a:r>
+              <a:t/>
+            </a:r>
+            <a:endParaRPr/>
+          </a:p>
+          <a:p>
+            <a:pPr indent="0" lvl="0" marL="0" rtl="0" algn="l">
+              <a:spcBef>
+                <a:spcPts val="0"/>
+              </a:spcBef>
+              <a:spcAft>
+                <a:spcPts val="0"/>
+              </a:spcAft>
+              <a:buNone/>
+            </a:pPr>
+            <a:r>
+              <a:t/>
+            </a:r>
+            <a:endParaRPr/>
+          </a:p>
+        </p:txBody>
+      </p:sp>
+      <p:pic>
+        <p:nvPicPr>
+          <p:cNvPr id="111" name="Google Shape;111;p20"/>
+          <p:cNvPicPr preferRelativeResize="0"/>
+          <p:nvPr/>
+        </p:nvPicPr>
+        <p:blipFill>
+          <a:blip r:embed="rId3">
+            <a:alphaModFix/>
+          </a:blip>
+          <a:stretch>
+            <a:fillRect/>
+          </a:stretch>
+        </p:blipFill>
+        <p:spPr>
+          <a:xfrm>
+            <a:off x="0" y="1277025"/>
+            <a:ext cx="9144003" cy="3866476"/>
+          </a:xfrm>
+          <a:prstGeom prst="rect">
+            <a:avLst/>
+          </a:prstGeom>
+          <a:noFill/>
+          <a:ln>
+            <a:noFill/>
+          </a:ln>
+        </p:spPr>
+      </p:pic>
+    </p:spTree>
+  </p:cSld>
+  <p:clrMapOvr>
+    <a:masterClrMapping/>
+  </p:clrMapOvr>
+</p:sld>
+</file>
+
+<file path=ppt/slides/slide9.xml><?xml version="1.0" encoding="utf-8"?>
+<p:sld xmlns:a="http://schemas.openxmlformats.org/drawingml/2006/main" xmlns:r="http://schemas.openxmlformats.org/officeDocument/2006/relationships" xmlns:mc="http://schemas.openxmlformats.org/markup-compatibility/2006" xmlns:mv="urn:schemas-microsoft-com:mac:vml" xmlns:p="http://schemas.openxmlformats.org/presentationml/2006/main" xmlns:c="http://schemas.openxmlformats.org/drawingml/2006/chart" xmlns:dgm="http://schemas.openxmlformats.org/drawingml/2006/diagram" xmlns:o="urn:schemas-microsoft-com:office:office" xmlns:v="urn:schemas-microsoft-com:vml" xmlns:pvml="urn:schemas-microsoft-com:office:powerpoint" xmlns:com="http://schemas.openxmlformats.org/drawingml/2006/compatibility" xmlns:p14="http://schemas.microsoft.com/office/powerpoint/2010/main" xmlns:p15="http://schemas.microsoft.com/office/powerpoint/2012/main" xmlns:ahyp="http://schemas.microsoft.com/office/drawing/2018/hyperlinkcolor">
+  <p:cSld>
+    <p:bg>
+      <p:bgPr>
+        <a:solidFill>
+          <a:schemeClr val="lt1"/>
+        </a:solidFill>
+      </p:bgPr>
+    </p:bg>
+    <p:spTree>
+      <p:nvGrpSpPr>
+        <p:cNvPr id="115" name="Shape 115"/>
+        <p:cNvGrpSpPr/>
+        <p:nvPr/>
+      </p:nvGrpSpPr>
+      <p:grpSpPr>
+        <a:xfrm>
+          <a:off x="0" y="0"/>
+          <a:ext cx="0" cy="0"/>
+          <a:chOff x="0" y="0"/>
+          <a:chExt cx="0" cy="0"/>
+        </a:xfrm>
+      </p:grpSpPr>
+      <p:sp>
+        <p:nvSpPr>
+          <p:cNvPr id="116" name="Google Shape;116;p21"/>
+          <p:cNvSpPr txBox="1"/>
+          <p:nvPr>
+            <p:ph type="title"/>
+          </p:nvPr>
+        </p:nvSpPr>
+        <p:spPr>
+          <a:xfrm>
+            <a:off x="311725" y="500925"/>
+            <a:ext cx="8520600" cy="623700"/>
+          </a:xfrm>
+          <a:prstGeom prst="rect">
+            <a:avLst/>
+          </a:prstGeom>
+        </p:spPr>
+        <p:txBody>
+          <a:bodyPr anchorCtr="0" anchor="t" bIns="91425" lIns="91425" spcFirstLastPara="1" rIns="91425" wrap="square" tIns="91425">
+            <a:normAutofit fontScale="90000"/>
+          </a:bodyPr>
+          <a:lstStyle/>
+          <a:p>
+            <a:pPr indent="0" lvl="0" marL="0" rtl="0" algn="l">
+              <a:spcBef>
+                <a:spcPts val="0"/>
+              </a:spcBef>
+              <a:spcAft>
+                <a:spcPts val="0"/>
+              </a:spcAft>
+              <a:buNone/>
+            </a:pPr>
+            <a:r>
+              <a:rPr lang="en"/>
+              <a:t>Display Function</a:t>
+            </a:r>
+            <a:r>
+              <a:rPr lang="en"/>
+              <a:t> Implementation</a:t>
+            </a:r>
+            <a:endParaRPr/>
+          </a:p>
+          <a:p>
+            <a:pPr indent="0" lvl="0" marL="0" rtl="0" algn="l">
+              <a:spcBef>
+                <a:spcPts val="0"/>
+              </a:spcBef>
+              <a:spcAft>
+                <a:spcPts val="0"/>
+              </a:spcAft>
+              <a:buNone/>
+            </a:pPr>
+            <a:r>
+              <a:t/>
+            </a:r>
+            <a:endParaRPr/>
+          </a:p>
+          <a:p>
+            <a:pPr indent="0" lvl="0" marL="0" rtl="0" algn="l">
+              <a:spcBef>
+                <a:spcPts val="0"/>
+              </a:spcBef>
+              <a:spcAft>
+                <a:spcPts val="0"/>
+              </a:spcAft>
+              <a:buNone/>
+            </a:pPr>
+            <a:r>
+              <a:t/>
+            </a:r>
+            <a:endParaRPr/>
+          </a:p>
+        </p:txBody>
+      </p:sp>
+      <p:pic>
+        <p:nvPicPr>
+          <p:cNvPr id="117" name="Google Shape;117;p21"/>
+          <p:cNvPicPr preferRelativeResize="0"/>
+          <p:nvPr/>
+        </p:nvPicPr>
+        <p:blipFill rotWithShape="1">
+          <a:blip r:embed="rId3">
+            <a:alphaModFix/>
+          </a:blip>
+          <a:srcRect b="0" l="0" r="29128" t="0"/>
+          <a:stretch/>
+        </p:blipFill>
+        <p:spPr>
+          <a:xfrm>
+            <a:off x="0" y="1277025"/>
+            <a:ext cx="9143999" cy="3866475"/>
+          </a:xfrm>
+          <a:prstGeom prst="rect">
+            <a:avLst/>
+          </a:prstGeom>
+          <a:noFill/>
+          <a:ln>
+            <a:noFill/>
+          </a:ln>
+        </p:spPr>
+      </p:pic>
+    </p:spTree>
+  </p:cSld>
+  <p:clrMapOvr>
+    <a:masterClrMapping/>
+  </p:clrMapOvr>
+</p:sld>
+</file>
+
 <file path=ppt/theme/theme1.xml><?xml version="1.0" encoding="utf-8"?>
+<a:theme xmlns:a="http://schemas.openxmlformats.org/drawingml/2006/main" xmlns:r="http://schemas.openxmlformats.org/officeDocument/2006/relationships">
+  <a:themeElements>
+    <a:clrScheme name="Default">
+      <a:dk1>
+        <a:srgbClr val="000000"/>
+      </a:dk1>
+      <a:lt1>
+        <a:srgbClr val="FFFFFF"/>
+      </a:lt1>
+      <a:dk2>
+        <a:srgbClr val="158158"/>
+      </a:dk2>
+      <a:lt2>
+        <a:srgbClr val="F3F3F3"/>
+      </a:lt2>
+      <a:accent1>
+        <a:srgbClr val="058DC7"/>
+      </a:accent1>
+      <a:accent2>
+        <a:srgbClr val="50B432"/>
+      </a:accent2>
+      <a:accent3>
+        <a:srgbClr val="ED561B"/>
+      </a:accent3>
+      <a:accent4>
+        <a:srgbClr val="EDEF00"/>
+      </a:accent4>
+      <a:accent5>
+        <a:srgbClr val="24CBE5"/>
+      </a:accent5>
+      <a:accent6>
+        <a:srgbClr val="64E572"/>
+      </a:accent6>
+      <a:hlink>
+        <a:srgbClr val="2200CC"/>
+      </a:hlink>
+      <a:folHlink>
+        <a:srgbClr val="551A8B"/>
+      </a:folHlink>
+    </a:clrScheme>
+    <a:fontScheme name="Office">
+      <a:majorFont>
+        <a:latin typeface="Arial"/>
+        <a:ea typeface=""/>
+        <a:cs typeface=""/>
+        <a:font script="Jpan" typeface="ＭＳ Ｐゴシック"/>
+        <a:font script="Hang" typeface="맑은 고딕"/>
+        <a:font script="Hans" typeface="宋体"/>
+        <a:font script="Hant" typeface="新細明體"/>
+        <a:font script="Arab" typeface="Times New Roman"/>
+        <a:font script="Hebr" typeface="Times New Roman"/>
+        <a:font script="Thai" typeface="Angsana New"/>
+        <a:font script="Ethi" typeface="Nyala"/>
+        <a:font script="Beng" typeface="Vrinda"/>
+        <a:font script="Gujr" typeface="Shruti"/>
+        <a:font script="Khmr" typeface="MoolBoran"/>
+        <a:font script="Knda" typeface="Tunga"/>
+        <a:font script="Guru" typeface="Raavi"/>
+        <a:font script="Cans" typeface="Euphemia"/>
+        <a:font script="Cher" typeface="Plantagenet Cherokee"/>
+        <a:font script="Yiii" typeface="Microsoft Yi Baiti"/>
+        <a:font script="Tibt" typeface="Microsoft Himalaya"/>
+        <a:font script="Thaa" typeface="MV Boli"/>
+        <a:font script="Deva" typeface="Mangal"/>
+        <a:font script="Telu" typeface="Gautami"/>
+        <a:font script="Taml" typeface="Latha"/>
+        <a:font script="Syrc" typeface="Estrangelo Edessa"/>
+        <a:font script="Orya" typeface="Kalinga"/>
+        <a:font script="Mlym" typeface="Kartika"/>
+        <a:font script="Laoo" typeface="DokChampa"/>
+        <a:font script="Sinh" typeface="Iskoola Pota"/>
+        <a:font script="Mong" typeface="Mongolian Baiti"/>
+        <a:font script="Viet" typeface="Times New Roman"/>
+        <a:font script="Uigh" typeface="Microsoft Uighur"/>
+        <a:font script="Geor" typeface="Sylfaen"/>
+      </a:majorFont>
+      <a:minorFont>
+        <a:latin typeface="Arial"/>
+        <a:ea typeface=""/>
+        <a:cs typeface=""/>
+        <a:font script="Jpan" typeface="ＭＳ Ｐゴシック"/>
+        <a:font script="Hang" typeface="맑은 고딕"/>
+        <a:font script="Hans" typeface="宋体"/>
+        <a:font script="Hant" typeface="新細明體"/>
+        <a:font script="Arab" typeface="Arial"/>
+        <a:font script="Hebr" typeface="Arial"/>
+        <a:font script="Thai" typeface="Cordia New"/>
+        <a:font script="Ethi" typeface="Nyala"/>
+        <a:font script="Beng" typeface="Vrinda"/>
+        <a:font script="Gujr" typeface="Shruti"/>
+        <a:font script="Khmr" typeface="DaunPenh"/>
+        <a:font script="Knda" typeface="Tunga"/>
+        <a:font script="Guru" typeface="Raavi"/>
+        <a:font script="Cans" typeface="Euphemia"/>
+        <a:font script="Cher" typeface="Plantagenet Cherokee"/>
+        <a:font script="Yiii" typeface="Microsoft Yi Baiti"/>
+        <a:font script="Tibt" typeface="Microsoft Himalaya"/>
+        <a:font script="Thaa" typeface="MV Boli"/>
+        <a:font script="Deva" typeface="Mangal"/>
+        <a:font script="Telu" typeface="Gautami"/>
+        <a:font script="Taml" typeface="Latha"/>
+        <a:font script="Syrc" typeface="Estrangelo Edessa"/>
+        <a:font script="Orya" typeface="Kalinga"/>
+        <a:font script="Mlym" typeface="Kartika"/>
+        <a:font script="Laoo" typeface="DokChampa"/>
+        <a:font script="Sinh" typeface="Iskoola Pota"/>
+        <a:font script="Mong" typeface="Mongolian Baiti"/>
+        <a:font script="Viet" typeface="Arial"/>
+        <a:font script="Uigh" typeface="Microsoft Uighur"/>
+        <a:font script="Geor" typeface="Sylfaen"/>
+      </a:minorFont>
+    </a:fontScheme>
+    <a:fmtScheme name="Office">
+      <a:fillStyleLst>
+        <a:solidFill>
+          <a:schemeClr val="phClr"/>
+        </a:solidFill>
+        <a:gradFill rotWithShape="1">
+          <a:gsLst>
+            <a:gs pos="0">
+              <a:schemeClr val="phClr">
+                <a:tint val="50000"/>
+                <a:satMod val="300000"/>
+              </a:schemeClr>
+            </a:gs>
+            <a:gs pos="35000">
+              <a:schemeClr val="phClr">
+                <a:tint val="37000"/>
+                <a:satMod val="300000"/>
+              </a:schemeClr>
+            </a:gs>
+            <a:gs pos="100000">
+              <a:schemeClr val="phClr">
+                <a:tint val="15000"/>
+                <a:satMod val="350000"/>
+              </a:schemeClr>
+            </a:gs>
+          </a:gsLst>
+          <a:lin ang="16200000" scaled="1"/>
+        </a:gradFill>
+        <a:gradFill rotWithShape="1">
+          <a:gsLst>
+            <a:gs pos="0">
+              <a:schemeClr val="phClr">
+                <a:tint val="100000"/>
+                <a:shade val="100000"/>
+                <a:satMod val="130000"/>
+              </a:schemeClr>
+            </a:gs>
+            <a:gs pos="100000">
+              <a:schemeClr val="phClr">
+                <a:tint val="50000"/>
+                <a:shade val="100000"/>
+                <a:satMod val="350000"/>
+              </a:schemeClr>
+            </a:gs>
+          </a:gsLst>
+          <a:lin ang="16200000" scaled="0"/>
+        </a:gradFill>
+      </a:fillStyleLst>
+      <a:lnStyleLst>
+        <a:ln w="9525" cap="flat" cmpd="sng" algn="ctr">
+          <a:solidFill>
+            <a:schemeClr val="phClr">
+              <a:shade val="95000"/>
+              <a:satMod val="105000"/>
+            </a:schemeClr>
+          </a:solidFill>
+          <a:prstDash val="solid"/>
+        </a:ln>
+        <a:ln w="25400" cap="flat" cmpd="sng" algn="ctr">
+          <a:solidFill>
+            <a:schemeClr val="phClr"/>
+          </a:solidFill>
+          <a:prstDash val="solid"/>
+        </a:ln>
+        <a:ln w="38100" cap="flat" cmpd="sng" algn="ctr">
+          <a:solidFill>
+            <a:schemeClr val="phClr"/>
+          </a:solidFill>
+          <a:prstDash val="solid"/>
+        </a:ln>
+      </a:lnStyleLst>
+      <a:effectStyleLst>
+        <a:effectStyle>
+          <a:effectLst>
+            <a:outerShdw blurRad="40000" dist="20000" dir="5400000" rotWithShape="0">
+              <a:srgbClr val="000000">
+                <a:alpha val="38000"/>
+              </a:srgbClr>
+            </a:outerShdw>
+          </a:effectLst>
+        </a:effectStyle>
+        <a:effectStyle>
+          <a:effectLst>
+            <a:outerShdw blurRad="40000" dist="23000" dir="5400000" rotWithShape="0">
+              <a:srgbClr val="000000">
+                <a:alpha val="35000"/>
+              </a:srgbClr>
+            </a:outerShdw>
+          </a:effectLst>
+        </a:effectStyle>
+        <a:effectStyle>
+          <a:effectLst>
+            <a:outerShdw blurRad="40000" dist="23000" dir="5400000" rotWithShape="0">
+              <a:srgbClr val="000000">
+                <a:alpha val="35000"/>
+              </a:srgbClr>
+            </a:outerShdw>
+          </a:effectLst>
+          <a:scene3d>
+            <a:camera prst="orthographicFront">
+              <a:rot lat="0" lon="0" rev="0"/>
+            </a:camera>
+            <a:lightRig rig="threePt" dir="t">
+              <a:rot lat="0" lon="0" rev="1200000"/>
+            </a:lightRig>
+          </a:scene3d>
+          <a:sp3d>
+            <a:bevelT w="63500" h="25400"/>
+          </a:sp3d>
+        </a:effectStyle>
+      </a:effectStyleLst>
+      <a:bgFillStyleLst>
+        <a:solidFill>
+          <a:schemeClr val="phClr"/>
+        </a:solidFill>
+        <a:gradFill rotWithShape="1">
+          <a:gsLst>
+            <a:gs pos="0">
+              <a:schemeClr val="phClr">
+                <a:tint val="40000"/>
+                <a:satMod val="350000"/>
+              </a:schemeClr>
+            </a:gs>
+            <a:gs pos="40000">
+              <a:schemeClr val="phClr">
+                <a:tint val="45000"/>
+                <a:shade val="99000"/>
+                <a:satMod val="350000"/>
+              </a:schemeClr>
+            </a:gs>
+            <a:gs pos="100000">
+              <a:schemeClr val="phClr">
+                <a:shade val="20000"/>
+                <a:satMod val="255000"/>
+              </a:schemeClr>
+            </a:gs>
+          </a:gsLst>
+          <a:path path="circle">
+            <a:fillToRect l="50000" t="-80000" r="50000" b="180000"/>
+          </a:path>
+        </a:gradFill>
+        <a:gradFill rotWithShape="1">
+          <a:gsLst>
+            <a:gs pos="0">
+              <a:schemeClr val="phClr">
+                <a:tint val="80000"/>
+                <a:satMod val="300000"/>
+              </a:schemeClr>
+            </a:gs>
+            <a:gs pos="100000">
+              <a:schemeClr val="phClr">
+                <a:shade val="30000"/>
+                <a:satMod val="200000"/>
+              </a:schemeClr>
+            </a:gs>
+          </a:gsLst>
+          <a:path path="circle">
+            <a:fillToRect l="50000" t="50000" r="50000" b="50000"/>
+          </a:path>
+        </a:gradFill>
+      </a:bgFillStyleLst>
+    </a:fmtScheme>
+  </a:themeElements>
+</a:theme>
+</file>
+
+<file path=ppt/theme/theme2.xml><?xml version="1.0" encoding="utf-8"?>
 <a:theme xmlns:a="http://schemas.openxmlformats.org/drawingml/2006/main" xmlns:r="http://schemas.openxmlformats.org/officeDocument/2006/relationships" name="Paradigm">
   <a:themeElements>
     <a:clrScheme name="Paradigm">
@@ -7242,283 +14293,4 @@
     </a:fmtScheme>
   </a:themeElements>
 </a:theme>
-</file>
-
-<file path=ppt/theme/theme2.xml><?xml version="1.0" encoding="utf-8"?>
-<a:theme xmlns:a="http://schemas.openxmlformats.org/drawingml/2006/main" xmlns:r="http://schemas.openxmlformats.org/officeDocument/2006/relationships">
-  <a:themeElements>
-    <a:clrScheme name="Default">
-      <a:dk1>
-        <a:srgbClr val="000000"/>
-      </a:dk1>
-      <a:lt1>
-        <a:srgbClr val="FFFFFF"/>
-      </a:lt1>
-      <a:dk2>
-        <a:srgbClr val="158158"/>
-      </a:dk2>
-      <a:lt2>
-        <a:srgbClr val="F3F3F3"/>
-      </a:lt2>
-      <a:accent1>
-        <a:srgbClr val="058DC7"/>
-      </a:accent1>
-      <a:accent2>
-        <a:srgbClr val="50B432"/>
-      </a:accent2>
-      <a:accent3>
-        <a:srgbClr val="ED561B"/>
-      </a:accent3>
-      <a:accent4>
-        <a:srgbClr val="EDEF00"/>
-      </a:accent4>
-      <a:accent5>
-        <a:srgbClr val="24CBE5"/>
-      </a:accent5>
-      <a:accent6>
-        <a:srgbClr val="64E572"/>
-      </a:accent6>
-      <a:hlink>
-        <a:srgbClr val="2200CC"/>
-      </a:hlink>
-      <a:folHlink>
-        <a:srgbClr val="551A8B"/>
-      </a:folHlink>
-    </a:clrScheme>
-    <a:fontScheme name="Office">
-      <a:majorFont>
-        <a:latin typeface="Arial"/>
-        <a:ea typeface=""/>
-        <a:cs typeface=""/>
-        <a:font script="Jpan" typeface="ＭＳ Ｐゴシック"/>
-        <a:font script="Hang" typeface="맑은 고딕"/>
-        <a:font script="Hans" typeface="宋体"/>
-        <a:font script="Hant" typeface="新細明體"/>
-        <a:font script="Arab" typeface="Times New Roman"/>
-        <a:font script="Hebr" typeface="Times New Roman"/>
-        <a:font script="Thai" typeface="Angsana New"/>
-        <a:font script="Ethi" typeface="Nyala"/>
-        <a:font script="Beng" typeface="Vrinda"/>
-        <a:font script="Gujr" typeface="Shruti"/>
-        <a:font script="Khmr" typeface="MoolBoran"/>
-        <a:font script="Knda" typeface="Tunga"/>
-        <a:font script="Guru" typeface="Raavi"/>
-        <a:font script="Cans" typeface="Euphemia"/>
-        <a:font script="Cher" typeface="Plantagenet Cherokee"/>
-        <a:font script="Yiii" typeface="Microsoft Yi Baiti"/>
-        <a:font script="Tibt" typeface="Microsoft Himalaya"/>
-        <a:font script="Thaa" typeface="MV Boli"/>
-        <a:font script="Deva" typeface="Mangal"/>
-        <a:font script="Telu" typeface="Gautami"/>
-        <a:font script="Taml" typeface="Latha"/>
-        <a:font script="Syrc" typeface="Estrangelo Edessa"/>
-        <a:font script="Orya" typeface="Kalinga"/>
-        <a:font script="Mlym" typeface="Kartika"/>
-        <a:font script="Laoo" typeface="DokChampa"/>
-        <a:font script="Sinh" typeface="Iskoola Pota"/>
-        <a:font script="Mong" typeface="Mongolian Baiti"/>
-        <a:font script="Viet" typeface="Times New Roman"/>
-        <a:font script="Uigh" typeface="Microsoft Uighur"/>
-        <a:font script="Geor" typeface="Sylfaen"/>
-      </a:majorFont>
-      <a:minorFont>
-        <a:latin typeface="Arial"/>
-        <a:ea typeface=""/>
-        <a:cs typeface=""/>
-        <a:font script="Jpan" typeface="ＭＳ Ｐゴシック"/>
-        <a:font script="Hang" typeface="맑은 고딕"/>
-        <a:font script="Hans" typeface="宋体"/>
-        <a:font script="Hant" typeface="新細明體"/>
-        <a:font script="Arab" typeface="Arial"/>
-        <a:font script="Hebr" typeface="Arial"/>
-        <a:font script="Thai" typeface="Cordia New"/>
-        <a:font script="Ethi" typeface="Nyala"/>
-        <a:font script="Beng" typeface="Vrinda"/>
-        <a:font script="Gujr" typeface="Shruti"/>
-        <a:font script="Khmr" typeface="DaunPenh"/>
-        <a:font script="Knda" typeface="Tunga"/>
-        <a:font script="Guru" typeface="Raavi"/>
-        <a:font script="Cans" typeface="Euphemia"/>
-        <a:font script="Cher" typeface="Plantagenet Cherokee"/>
-        <a:font script="Yiii" typeface="Microsoft Yi Baiti"/>
-        <a:font script="Tibt" typeface="Microsoft Himalaya"/>
-        <a:font script="Thaa" typeface="MV Boli"/>
-        <a:font script="Deva" typeface="Mangal"/>
-        <a:font script="Telu" typeface="Gautami"/>
-        <a:font script="Taml" typeface="Latha"/>
-        <a:font script="Syrc" typeface="Estrangelo Edessa"/>
-        <a:font script="Orya" typeface="Kalinga"/>
-        <a:font script="Mlym" typeface="Kartika"/>
-        <a:font script="Laoo" typeface="DokChampa"/>
-        <a:font script="Sinh" typeface="Iskoola Pota"/>
-        <a:font script="Mong" typeface="Mongolian Baiti"/>
-        <a:font script="Viet" typeface="Arial"/>
-        <a:font script="Uigh" typeface="Microsoft Uighur"/>
-        <a:font script="Geor" typeface="Sylfaen"/>
-      </a:minorFont>
-    </a:fontScheme>
-    <a:fmtScheme name="Office">
-      <a:fillStyleLst>
-        <a:solidFill>
-          <a:schemeClr val="phClr"/>
-        </a:solidFill>
-        <a:gradFill rotWithShape="1">
-          <a:gsLst>
-            <a:gs pos="0">
-              <a:schemeClr val="phClr">
-                <a:tint val="50000"/>
-                <a:satMod val="300000"/>
-              </a:schemeClr>
-            </a:gs>
-            <a:gs pos="35000">
-              <a:schemeClr val="phClr">
-                <a:tint val="37000"/>
-                <a:satMod val="300000"/>
-              </a:schemeClr>
-            </a:gs>
-            <a:gs pos="100000">
-              <a:schemeClr val="phClr">
-                <a:tint val="15000"/>
-                <a:satMod val="350000"/>
-              </a:schemeClr>
-            </a:gs>
-          </a:gsLst>
-          <a:lin ang="16200000" scaled="1"/>
-        </a:gradFill>
-        <a:gradFill rotWithShape="1">
-          <a:gsLst>
-            <a:gs pos="0">
-              <a:schemeClr val="phClr">
-                <a:tint val="100000"/>
-                <a:shade val="100000"/>
-                <a:satMod val="130000"/>
-              </a:schemeClr>
-            </a:gs>
-            <a:gs pos="100000">
-              <a:schemeClr val="phClr">
-                <a:tint val="50000"/>
-                <a:shade val="100000"/>
-                <a:satMod val="350000"/>
-              </a:schemeClr>
-            </a:gs>
-          </a:gsLst>
-          <a:lin ang="16200000" scaled="0"/>
-        </a:gradFill>
-      </a:fillStyleLst>
-      <a:lnStyleLst>
-        <a:ln w="9525" cap="flat" cmpd="sng" algn="ctr">
-          <a:solidFill>
-            <a:schemeClr val="phClr">
-              <a:shade val="95000"/>
-              <a:satMod val="105000"/>
-            </a:schemeClr>
-          </a:solidFill>
-          <a:prstDash val="solid"/>
-        </a:ln>
-        <a:ln w="25400" cap="flat" cmpd="sng" algn="ctr">
-          <a:solidFill>
-            <a:schemeClr val="phClr"/>
-          </a:solidFill>
-          <a:prstDash val="solid"/>
-        </a:ln>
-        <a:ln w="38100" cap="flat" cmpd="sng" algn="ctr">
-          <a:solidFill>
-            <a:schemeClr val="phClr"/>
-          </a:solidFill>
-          <a:prstDash val="solid"/>
-        </a:ln>
-      </a:lnStyleLst>
-      <a:effectStyleLst>
-        <a:effectStyle>
-          <a:effectLst>
-            <a:outerShdw blurRad="40000" dist="20000" dir="5400000" rotWithShape="0">
-              <a:srgbClr val="000000">
-                <a:alpha val="38000"/>
-              </a:srgbClr>
-            </a:outerShdw>
-          </a:effectLst>
-        </a:effectStyle>
-        <a:effectStyle>
-          <a:effectLst>
-            <a:outerShdw blurRad="40000" dist="23000" dir="5400000" rotWithShape="0">
-              <a:srgbClr val="000000">
-                <a:alpha val="35000"/>
-              </a:srgbClr>
-            </a:outerShdw>
-          </a:effectLst>
-        </a:effectStyle>
-        <a:effectStyle>
-          <a:effectLst>
-            <a:outerShdw blurRad="40000" dist="23000" dir="5400000" rotWithShape="0">
-              <a:srgbClr val="000000">
-                <a:alpha val="35000"/>
-              </a:srgbClr>
-            </a:outerShdw>
-          </a:effectLst>
-          <a:scene3d>
-            <a:camera prst="orthographicFront">
-              <a:rot lat="0" lon="0" rev="0"/>
-            </a:camera>
-            <a:lightRig rig="threePt" dir="t">
-              <a:rot lat="0" lon="0" rev="1200000"/>
-            </a:lightRig>
-          </a:scene3d>
-          <a:sp3d>
-            <a:bevelT w="63500" h="25400"/>
-          </a:sp3d>
-        </a:effectStyle>
-      </a:effectStyleLst>
-      <a:bgFillStyleLst>
-        <a:solidFill>
-          <a:schemeClr val="phClr"/>
-        </a:solidFill>
-        <a:gradFill rotWithShape="1">
-          <a:gsLst>
-            <a:gs pos="0">
-              <a:schemeClr val="phClr">
-                <a:tint val="40000"/>
-                <a:satMod val="350000"/>
-              </a:schemeClr>
-            </a:gs>
-            <a:gs pos="40000">
-              <a:schemeClr val="phClr">
-                <a:tint val="45000"/>
-                <a:shade val="99000"/>
-                <a:satMod val="350000"/>
-              </a:schemeClr>
-            </a:gs>
-            <a:gs pos="100000">
-              <a:schemeClr val="phClr">
-                <a:shade val="20000"/>
-                <a:satMod val="255000"/>
-              </a:schemeClr>
-            </a:gs>
-          </a:gsLst>
-          <a:path path="circle">
-            <a:fillToRect l="50000" t="-80000" r="50000" b="180000"/>
-          </a:path>
-        </a:gradFill>
-        <a:gradFill rotWithShape="1">
-          <a:gsLst>
-            <a:gs pos="0">
-              <a:schemeClr val="phClr">
-                <a:tint val="80000"/>
-                <a:satMod val="300000"/>
-              </a:schemeClr>
-            </a:gs>
-            <a:gs pos="100000">
-              <a:schemeClr val="phClr">
-                <a:shade val="30000"/>
-                <a:satMod val="200000"/>
-              </a:schemeClr>
-            </a:gs>
-          </a:gsLst>
-          <a:path path="circle">
-            <a:fillToRect l="50000" t="50000" r="50000" b="50000"/>
-          </a:path>
-        </a:gradFill>
-      </a:bgFillStyleLst>
-    </a:fmtScheme>
-  </a:themeElements>
-</a:theme>
 </file>